--- a/Ames House Price Prediction.pptx
+++ b/Ames House Price Prediction.pptx
@@ -14,12 +14,12 @@
     <p:sldId id="265" r:id="rId8"/>
     <p:sldId id="262" r:id="rId9"/>
     <p:sldId id="267" r:id="rId10"/>
-    <p:sldId id="266" r:id="rId11"/>
-    <p:sldId id="268" r:id="rId12"/>
-    <p:sldId id="269" r:id="rId13"/>
-    <p:sldId id="270" r:id="rId14"/>
-    <p:sldId id="271" r:id="rId15"/>
-    <p:sldId id="272" r:id="rId16"/>
+    <p:sldId id="277" r:id="rId11"/>
+    <p:sldId id="272" r:id="rId12"/>
+    <p:sldId id="271" r:id="rId13"/>
+    <p:sldId id="278" r:id="rId14"/>
+    <p:sldId id="275" r:id="rId15"/>
+    <p:sldId id="276" r:id="rId16"/>
     <p:sldId id="273" r:id="rId17"/>
     <p:sldId id="274" r:id="rId18"/>
   </p:sldIdLst>
@@ -120,6 +120,11 @@
       </a:defRPr>
     </a:lvl9pPr>
   </p:defaultTextStyle>
+  <p:extLst>
+    <p:ext uri="{EFAFB233-063F-42B5-8137-9DF3F51BA10A}">
+      <p15:sldGuideLst xmlns:p15="http://schemas.microsoft.com/office/powerpoint/2012/main"/>
+    </p:ext>
+  </p:extLst>
 </p:presentation>
 </file>
 
@@ -135,41 +140,1108 @@
 </p:cmAuthorLst>
 </file>
 
-<file path=ppt/comments/comment1.xml><?xml version="1.0" encoding="utf-8"?>
-<p:cmLst xmlns:a="http://schemas.openxmlformats.org/drawingml/2006/main" xmlns:r="http://schemas.openxmlformats.org/officeDocument/2006/relationships" xmlns:p="http://schemas.openxmlformats.org/presentationml/2006/main">
-  <p:cm authorId="1" dt="2021-06-28T19:33:13.111" idx="1">
-    <p:pos x="2065" y="1914"/>
-    <p:text>Three columns... dollar difference, CV_RMSE, Kaggle RMSE.</p:text>
-    <p:extLst>
-      <p:ext uri="{C676402C-5697-4E1C-873F-D02D1690AC5C}">
-        <p15:threadingInfo xmlns:p15="http://schemas.microsoft.com/office/powerpoint/2012/main" timeZoneBias="420"/>
-      </p:ext>
-    </p:extLst>
-  </p:cm>
-  <p:cm authorId="1" dt="2021-06-28T19:33:40.045" idx="2">
-    <p:pos x="10" y="10"/>
-    <p:text>Bar graph to show the frequency of the 'important features'</p:text>
-    <p:extLst>
-      <p:ext uri="{C676402C-5697-4E1C-873F-D02D1690AC5C}">
-        <p15:threadingInfo xmlns:p15="http://schemas.microsoft.com/office/powerpoint/2012/main" timeZoneBias="420"/>
-      </p:ext>
-    </p:extLst>
-  </p:cm>
-</p:cmLst>
+<file path=ppt/revisionInfo.xml><?xml version="1.0" encoding="utf-8"?>
+<p1510:revInfo xmlns:a="http://schemas.openxmlformats.org/drawingml/2006/main" xmlns:r="http://schemas.openxmlformats.org/officeDocument/2006/relationships" xmlns:p1510="http://schemas.microsoft.com/office/powerpoint/2015/10/main">
+  <p1510:revLst>
+    <p1510:client id="{42E943E7-339C-4F7D-A62B-9E6D51C622CC}" v="5" dt="2021-07-09T04:45:24.317"/>
+    <p1510:client id="{50DE8C92-3C3B-46D5-868D-BF56F99E59AB}" v="967" dt="2021-07-09T07:02:56.412"/>
+  </p1510:revLst>
+</p1510:revInfo>
 </file>
 
-<file path=ppt/comments/comment2.xml><?xml version="1.0" encoding="utf-8"?>
-<p:cmLst xmlns:a="http://schemas.openxmlformats.org/drawingml/2006/main" xmlns:r="http://schemas.openxmlformats.org/officeDocument/2006/relationships" xmlns:p="http://schemas.openxmlformats.org/presentationml/2006/main">
-  <p:cm authorId="1" dt="2021-06-28T19:36:27.149" idx="3">
-    <p:pos x="1885" y="2764"/>
-    <p:text>Calculate the correlation possibly to see how correlated they are to sale price.</p:text>
-    <p:extLst>
-      <p:ext uri="{C676402C-5697-4E1C-873F-D02D1690AC5C}">
-        <p15:threadingInfo xmlns:p15="http://schemas.microsoft.com/office/powerpoint/2012/main" timeZoneBias="420"/>
-      </p:ext>
-    </p:extLst>
-  </p:cm>
-</p:cmLst>
+<file path=ppt/changesInfos/changesInfo1.xml><?xml version="1.0" encoding="utf-8"?>
+<pc:chgInfo xmlns:a="http://schemas.openxmlformats.org/drawingml/2006/main" xmlns:r="http://schemas.openxmlformats.org/officeDocument/2006/relationships" xmlns:ac="http://schemas.microsoft.com/office/drawing/2013/main/command" xmlns:pc="http://schemas.microsoft.com/office/powerpoint/2013/main/command">
+  <pc:docChgLst>
+    <pc:chgData name="Gary Lin" clId="Web-{50DE8C92-3C3B-46D5-868D-BF56F99E59AB}"/>
+    <pc:docChg chg="addSld delSld modSld addMainMaster delMainMaster">
+      <pc:chgData name="Gary Lin" userId="" providerId="" clId="Web-{50DE8C92-3C3B-46D5-868D-BF56F99E59AB}" dt="2021-07-09T07:02:56.068" v="544" actId="20577"/>
+      <pc:docMkLst>
+        <pc:docMk/>
+      </pc:docMkLst>
+      <pc:sldChg chg="addSp delSp modSp mod modClrScheme delDesignElem chgLayout">
+        <pc:chgData name="Gary Lin" userId="" providerId="" clId="Web-{50DE8C92-3C3B-46D5-868D-BF56F99E59AB}" dt="2021-07-09T06:35:27.507" v="19"/>
+        <pc:sldMkLst>
+          <pc:docMk/>
+          <pc:sldMk cId="3776777892" sldId="256"/>
+        </pc:sldMkLst>
+        <pc:spChg chg="mod ord">
+          <ac:chgData name="Gary Lin" userId="" providerId="" clId="Web-{50DE8C92-3C3B-46D5-868D-BF56F99E59AB}" dt="2021-07-09T06:35:27.507" v="19"/>
+          <ac:spMkLst>
+            <pc:docMk/>
+            <pc:sldMk cId="3776777892" sldId="256"/>
+            <ac:spMk id="2" creationId="{6CEB8384-60CE-450D-8A4F-83E094E3F0B7}"/>
+          </ac:spMkLst>
+        </pc:spChg>
+        <pc:spChg chg="mod ord">
+          <ac:chgData name="Gary Lin" userId="" providerId="" clId="Web-{50DE8C92-3C3B-46D5-868D-BF56F99E59AB}" dt="2021-07-09T06:35:27.507" v="19"/>
+          <ac:spMkLst>
+            <pc:docMk/>
+            <pc:sldMk cId="3776777892" sldId="256"/>
+            <ac:spMk id="3" creationId="{26077ED8-71FF-4C1E-8E24-9618F13DEB0A}"/>
+          </ac:spMkLst>
+        </pc:spChg>
+        <pc:spChg chg="add del">
+          <ac:chgData name="Gary Lin" userId="" providerId="" clId="Web-{50DE8C92-3C3B-46D5-868D-BF56F99E59AB}" dt="2021-07-09T06:35:27.507" v="19"/>
+          <ac:spMkLst>
+            <pc:docMk/>
+            <pc:sldMk cId="3776777892" sldId="256"/>
+            <ac:spMk id="9" creationId="{2644B391-9BFE-445C-A9EC-F544BB85FBC7}"/>
+          </ac:spMkLst>
+        </pc:spChg>
+        <pc:spChg chg="add del">
+          <ac:chgData name="Gary Lin" userId="" providerId="" clId="Web-{50DE8C92-3C3B-46D5-868D-BF56F99E59AB}" dt="2021-07-09T06:35:27.507" v="19"/>
+          <ac:spMkLst>
+            <pc:docMk/>
+            <pc:sldMk cId="3776777892" sldId="256"/>
+            <ac:spMk id="11" creationId="{80F26E69-87D9-4655-AE7B-280A87AA3CAD}"/>
+          </ac:spMkLst>
+        </pc:spChg>
+      </pc:sldChg>
+      <pc:sldChg chg="modSp mod modClrScheme chgLayout">
+        <pc:chgData name="Gary Lin" userId="" providerId="" clId="Web-{50DE8C92-3C3B-46D5-868D-BF56F99E59AB}" dt="2021-07-09T06:35:27.507" v="19"/>
+        <pc:sldMkLst>
+          <pc:docMk/>
+          <pc:sldMk cId="503229246" sldId="257"/>
+        </pc:sldMkLst>
+        <pc:spChg chg="mod ord">
+          <ac:chgData name="Gary Lin" userId="" providerId="" clId="Web-{50DE8C92-3C3B-46D5-868D-BF56F99E59AB}" dt="2021-07-09T06:35:27.507" v="19"/>
+          <ac:spMkLst>
+            <pc:docMk/>
+            <pc:sldMk cId="503229246" sldId="257"/>
+            <ac:spMk id="2" creationId="{69C0AD3F-3766-44C1-8227-D3E853943F56}"/>
+          </ac:spMkLst>
+        </pc:spChg>
+        <pc:spChg chg="mod ord">
+          <ac:chgData name="Gary Lin" userId="" providerId="" clId="Web-{50DE8C92-3C3B-46D5-868D-BF56F99E59AB}" dt="2021-07-09T06:35:27.507" v="19"/>
+          <ac:spMkLst>
+            <pc:docMk/>
+            <pc:sldMk cId="503229246" sldId="257"/>
+            <ac:spMk id="3" creationId="{DA46C5E6-6A79-4BD8-AEDF-D39CFBD296B3}"/>
+          </ac:spMkLst>
+        </pc:spChg>
+      </pc:sldChg>
+      <pc:sldChg chg="modSp mod modClrScheme chgLayout">
+        <pc:chgData name="Gary Lin" userId="" providerId="" clId="Web-{50DE8C92-3C3B-46D5-868D-BF56F99E59AB}" dt="2021-07-09T06:35:27.507" v="19"/>
+        <pc:sldMkLst>
+          <pc:docMk/>
+          <pc:sldMk cId="2836904238" sldId="258"/>
+        </pc:sldMkLst>
+        <pc:spChg chg="mod ord">
+          <ac:chgData name="Gary Lin" userId="" providerId="" clId="Web-{50DE8C92-3C3B-46D5-868D-BF56F99E59AB}" dt="2021-07-09T06:35:27.507" v="19"/>
+          <ac:spMkLst>
+            <pc:docMk/>
+            <pc:sldMk cId="2836904238" sldId="258"/>
+            <ac:spMk id="2" creationId="{84829852-47A1-4704-9FD0-3FE6587E8B14}"/>
+          </ac:spMkLst>
+        </pc:spChg>
+        <pc:spChg chg="mod ord">
+          <ac:chgData name="Gary Lin" userId="" providerId="" clId="Web-{50DE8C92-3C3B-46D5-868D-BF56F99E59AB}" dt="2021-07-09T06:35:27.507" v="19"/>
+          <ac:spMkLst>
+            <pc:docMk/>
+            <pc:sldMk cId="2836904238" sldId="258"/>
+            <ac:spMk id="3" creationId="{75A62073-11EC-4A2F-8D1B-93EFC22ACC10}"/>
+          </ac:spMkLst>
+        </pc:spChg>
+      </pc:sldChg>
+      <pc:sldChg chg="addSp delSp modSp mod modClrScheme delDesignElem chgLayout">
+        <pc:chgData name="Gary Lin" userId="" providerId="" clId="Web-{50DE8C92-3C3B-46D5-868D-BF56F99E59AB}" dt="2021-07-09T06:35:27.507" v="19"/>
+        <pc:sldMkLst>
+          <pc:docMk/>
+          <pc:sldMk cId="3005929352" sldId="259"/>
+        </pc:sldMkLst>
+        <pc:spChg chg="mod ord">
+          <ac:chgData name="Gary Lin" userId="" providerId="" clId="Web-{50DE8C92-3C3B-46D5-868D-BF56F99E59AB}" dt="2021-07-09T06:35:27.507" v="19"/>
+          <ac:spMkLst>
+            <pc:docMk/>
+            <pc:sldMk cId="3005929352" sldId="259"/>
+            <ac:spMk id="2" creationId="{96B394DA-201B-4C6C-9A5C-B09D5566B9B5}"/>
+          </ac:spMkLst>
+        </pc:spChg>
+        <pc:spChg chg="add del">
+          <ac:chgData name="Gary Lin" userId="" providerId="" clId="Web-{50DE8C92-3C3B-46D5-868D-BF56F99E59AB}" dt="2021-07-09T06:35:27.507" v="19"/>
+          <ac:spMkLst>
+            <pc:docMk/>
+            <pc:sldMk cId="3005929352" sldId="259"/>
+            <ac:spMk id="73" creationId="{282E2A95-1A08-4118-83C6-B1CA5648E075}"/>
+          </ac:spMkLst>
+        </pc:spChg>
+        <pc:spChg chg="add del">
+          <ac:chgData name="Gary Lin" userId="" providerId="" clId="Web-{50DE8C92-3C3B-46D5-868D-BF56F99E59AB}" dt="2021-07-09T06:35:27.507" v="19"/>
+          <ac:spMkLst>
+            <pc:docMk/>
+            <pc:sldMk cId="3005929352" sldId="259"/>
+            <ac:spMk id="75" creationId="{2FFEFC7E-85EE-4AC9-A351-FBEB13A1D622}"/>
+          </ac:spMkLst>
+        </pc:spChg>
+        <pc:spChg chg="add del">
+          <ac:chgData name="Gary Lin" userId="" providerId="" clId="Web-{50DE8C92-3C3B-46D5-868D-BF56F99E59AB}" dt="2021-07-09T06:35:27.507" v="19"/>
+          <ac:spMkLst>
+            <pc:docMk/>
+            <pc:sldMk cId="3005929352" sldId="259"/>
+            <ac:spMk id="77" creationId="{CB2511BB-FC4C-45F3-94EB-661D6806C942}"/>
+          </ac:spMkLst>
+        </pc:spChg>
+        <pc:spChg chg="add del">
+          <ac:chgData name="Gary Lin" userId="" providerId="" clId="Web-{50DE8C92-3C3B-46D5-868D-BF56F99E59AB}" dt="2021-07-09T06:35:27.507" v="19"/>
+          <ac:spMkLst>
+            <pc:docMk/>
+            <pc:sldMk cId="3005929352" sldId="259"/>
+            <ac:spMk id="79" creationId="{68DC0EC7-60EA-4BD3-BC04-D547DE1B2891}"/>
+          </ac:spMkLst>
+        </pc:spChg>
+        <pc:spChg chg="mod ord">
+          <ac:chgData name="Gary Lin" userId="" providerId="" clId="Web-{50DE8C92-3C3B-46D5-868D-BF56F99E59AB}" dt="2021-07-09T06:35:27.507" v="19"/>
+          <ac:spMkLst>
+            <pc:docMk/>
+            <pc:sldMk cId="3005929352" sldId="259"/>
+            <ac:spMk id="1058" creationId="{9EA0005D-F0AE-4DED-B76F-A173EBCB9947}"/>
+          </ac:spMkLst>
+        </pc:spChg>
+      </pc:sldChg>
+      <pc:sldChg chg="modSp mod modClrScheme chgLayout">
+        <pc:chgData name="Gary Lin" userId="" providerId="" clId="Web-{50DE8C92-3C3B-46D5-868D-BF56F99E59AB}" dt="2021-07-09T06:50:45.038" v="335" actId="20577"/>
+        <pc:sldMkLst>
+          <pc:docMk/>
+          <pc:sldMk cId="3211553442" sldId="260"/>
+        </pc:sldMkLst>
+        <pc:spChg chg="mod ord">
+          <ac:chgData name="Gary Lin" userId="" providerId="" clId="Web-{50DE8C92-3C3B-46D5-868D-BF56F99E59AB}" dt="2021-07-09T06:35:27.507" v="19"/>
+          <ac:spMkLst>
+            <pc:docMk/>
+            <pc:sldMk cId="3211553442" sldId="260"/>
+            <ac:spMk id="2" creationId="{4CCAE64E-A1E6-4F7A-9960-DDF3016765DA}"/>
+          </ac:spMkLst>
+        </pc:spChg>
+        <pc:spChg chg="mod ord">
+          <ac:chgData name="Gary Lin" userId="" providerId="" clId="Web-{50DE8C92-3C3B-46D5-868D-BF56F99E59AB}" dt="2021-07-09T06:50:45.038" v="335" actId="20577"/>
+          <ac:spMkLst>
+            <pc:docMk/>
+            <pc:sldMk cId="3211553442" sldId="260"/>
+            <ac:spMk id="3" creationId="{68DF03A4-751A-4AA6-B623-966794FB9740}"/>
+          </ac:spMkLst>
+        </pc:spChg>
+      </pc:sldChg>
+      <pc:sldChg chg="modSp mod modClrScheme chgLayout">
+        <pc:chgData name="Gary Lin" userId="" providerId="" clId="Web-{50DE8C92-3C3B-46D5-868D-BF56F99E59AB}" dt="2021-07-09T06:50:33.959" v="326" actId="20577"/>
+        <pc:sldMkLst>
+          <pc:docMk/>
+          <pc:sldMk cId="1838347272" sldId="262"/>
+        </pc:sldMkLst>
+        <pc:spChg chg="mod ord">
+          <ac:chgData name="Gary Lin" userId="" providerId="" clId="Web-{50DE8C92-3C3B-46D5-868D-BF56F99E59AB}" dt="2021-07-09T06:35:27.507" v="19"/>
+          <ac:spMkLst>
+            <pc:docMk/>
+            <pc:sldMk cId="1838347272" sldId="262"/>
+            <ac:spMk id="2" creationId="{4CCAE64E-A1E6-4F7A-9960-DDF3016765DA}"/>
+          </ac:spMkLst>
+        </pc:spChg>
+        <pc:spChg chg="mod ord">
+          <ac:chgData name="Gary Lin" userId="" providerId="" clId="Web-{50DE8C92-3C3B-46D5-868D-BF56F99E59AB}" dt="2021-07-09T06:50:33.959" v="326" actId="20577"/>
+          <ac:spMkLst>
+            <pc:docMk/>
+            <pc:sldMk cId="1838347272" sldId="262"/>
+            <ac:spMk id="3" creationId="{68DF03A4-751A-4AA6-B623-966794FB9740}"/>
+          </ac:spMkLst>
+        </pc:spChg>
+      </pc:sldChg>
+      <pc:sldChg chg="addSp delSp modSp mod modClrScheme delDesignElem chgLayout">
+        <pc:chgData name="Gary Lin" userId="" providerId="" clId="Web-{50DE8C92-3C3B-46D5-868D-BF56F99E59AB}" dt="2021-07-09T06:35:27.507" v="19"/>
+        <pc:sldMkLst>
+          <pc:docMk/>
+          <pc:sldMk cId="1760622558" sldId="264"/>
+        </pc:sldMkLst>
+        <pc:spChg chg="mod ord">
+          <ac:chgData name="Gary Lin" userId="" providerId="" clId="Web-{50DE8C92-3C3B-46D5-868D-BF56F99E59AB}" dt="2021-07-09T06:35:27.507" v="19"/>
+          <ac:spMkLst>
+            <pc:docMk/>
+            <pc:sldMk cId="1760622558" sldId="264"/>
+            <ac:spMk id="2" creationId="{96B394DA-201B-4C6C-9A5C-B09D5566B9B5}"/>
+          </ac:spMkLst>
+        </pc:spChg>
+        <pc:spChg chg="add del">
+          <ac:chgData name="Gary Lin" userId="" providerId="" clId="Web-{50DE8C92-3C3B-46D5-868D-BF56F99E59AB}" dt="2021-07-09T06:35:27.507" v="19"/>
+          <ac:spMkLst>
+            <pc:docMk/>
+            <pc:sldMk cId="1760622558" sldId="264"/>
+            <ac:spMk id="103" creationId="{282E2A95-1A08-4118-83C6-B1CA5648E075}"/>
+          </ac:spMkLst>
+        </pc:spChg>
+        <pc:spChg chg="add del">
+          <ac:chgData name="Gary Lin" userId="" providerId="" clId="Web-{50DE8C92-3C3B-46D5-868D-BF56F99E59AB}" dt="2021-07-09T06:35:27.507" v="19"/>
+          <ac:spMkLst>
+            <pc:docMk/>
+            <pc:sldMk cId="1760622558" sldId="264"/>
+            <ac:spMk id="105" creationId="{2FFEFC7E-85EE-4AC9-A351-FBEB13A1D622}"/>
+          </ac:spMkLst>
+        </pc:spChg>
+        <pc:spChg chg="add del">
+          <ac:chgData name="Gary Lin" userId="" providerId="" clId="Web-{50DE8C92-3C3B-46D5-868D-BF56F99E59AB}" dt="2021-07-09T06:35:27.507" v="19"/>
+          <ac:spMkLst>
+            <pc:docMk/>
+            <pc:sldMk cId="1760622558" sldId="264"/>
+            <ac:spMk id="107" creationId="{CB2511BB-FC4C-45F3-94EB-661D6806C942}"/>
+          </ac:spMkLst>
+        </pc:spChg>
+        <pc:spChg chg="add del">
+          <ac:chgData name="Gary Lin" userId="" providerId="" clId="Web-{50DE8C92-3C3B-46D5-868D-BF56F99E59AB}" dt="2021-07-09T06:35:27.507" v="19"/>
+          <ac:spMkLst>
+            <pc:docMk/>
+            <pc:sldMk cId="1760622558" sldId="264"/>
+            <ac:spMk id="109" creationId="{68DC0EC7-60EA-4BD3-BC04-D547DE1B2891}"/>
+          </ac:spMkLst>
+        </pc:spChg>
+        <pc:spChg chg="mod ord">
+          <ac:chgData name="Gary Lin" userId="" providerId="" clId="Web-{50DE8C92-3C3B-46D5-868D-BF56F99E59AB}" dt="2021-07-09T06:35:27.507" v="19"/>
+          <ac:spMkLst>
+            <pc:docMk/>
+            <pc:sldMk cId="1760622558" sldId="264"/>
+            <ac:spMk id="1058" creationId="{9EA0005D-F0AE-4DED-B76F-A173EBCB9947}"/>
+          </ac:spMkLst>
+        </pc:spChg>
+      </pc:sldChg>
+      <pc:sldChg chg="addSp delSp modSp mod modClrScheme delDesignElem chgLayout">
+        <pc:chgData name="Gary Lin" userId="" providerId="" clId="Web-{50DE8C92-3C3B-46D5-868D-BF56F99E59AB}" dt="2021-07-09T06:35:27.507" v="19"/>
+        <pc:sldMkLst>
+          <pc:docMk/>
+          <pc:sldMk cId="4041630913" sldId="265"/>
+        </pc:sldMkLst>
+        <pc:spChg chg="mod ord">
+          <ac:chgData name="Gary Lin" userId="" providerId="" clId="Web-{50DE8C92-3C3B-46D5-868D-BF56F99E59AB}" dt="2021-07-09T06:35:27.507" v="19"/>
+          <ac:spMkLst>
+            <pc:docMk/>
+            <pc:sldMk cId="4041630913" sldId="265"/>
+            <ac:spMk id="2" creationId="{96B394DA-201B-4C6C-9A5C-B09D5566B9B5}"/>
+          </ac:spMkLst>
+        </pc:spChg>
+        <pc:spChg chg="add del">
+          <ac:chgData name="Gary Lin" userId="" providerId="" clId="Web-{50DE8C92-3C3B-46D5-868D-BF56F99E59AB}" dt="2021-07-09T06:35:27.507" v="19"/>
+          <ac:spMkLst>
+            <pc:docMk/>
+            <pc:sldMk cId="4041630913" sldId="265"/>
+            <ac:spMk id="135" creationId="{282E2A95-1A08-4118-83C6-B1CA5648E075}"/>
+          </ac:spMkLst>
+        </pc:spChg>
+        <pc:spChg chg="add del">
+          <ac:chgData name="Gary Lin" userId="" providerId="" clId="Web-{50DE8C92-3C3B-46D5-868D-BF56F99E59AB}" dt="2021-07-09T06:35:27.507" v="19"/>
+          <ac:spMkLst>
+            <pc:docMk/>
+            <pc:sldMk cId="4041630913" sldId="265"/>
+            <ac:spMk id="137" creationId="{2FFEFC7E-85EE-4AC9-A351-FBEB13A1D622}"/>
+          </ac:spMkLst>
+        </pc:spChg>
+        <pc:spChg chg="add del">
+          <ac:chgData name="Gary Lin" userId="" providerId="" clId="Web-{50DE8C92-3C3B-46D5-868D-BF56F99E59AB}" dt="2021-07-09T06:35:27.507" v="19"/>
+          <ac:spMkLst>
+            <pc:docMk/>
+            <pc:sldMk cId="4041630913" sldId="265"/>
+            <ac:spMk id="139" creationId="{CB2511BB-FC4C-45F3-94EB-661D6806C942}"/>
+          </ac:spMkLst>
+        </pc:spChg>
+        <pc:spChg chg="add del">
+          <ac:chgData name="Gary Lin" userId="" providerId="" clId="Web-{50DE8C92-3C3B-46D5-868D-BF56F99E59AB}" dt="2021-07-09T06:35:27.507" v="19"/>
+          <ac:spMkLst>
+            <pc:docMk/>
+            <pc:sldMk cId="4041630913" sldId="265"/>
+            <ac:spMk id="141" creationId="{68DC0EC7-60EA-4BD3-BC04-D547DE1B2891}"/>
+          </ac:spMkLst>
+        </pc:spChg>
+        <pc:spChg chg="mod ord">
+          <ac:chgData name="Gary Lin" userId="" providerId="" clId="Web-{50DE8C92-3C3B-46D5-868D-BF56F99E59AB}" dt="2021-07-09T06:35:27.507" v="19"/>
+          <ac:spMkLst>
+            <pc:docMk/>
+            <pc:sldMk cId="4041630913" sldId="265"/>
+            <ac:spMk id="1058" creationId="{9EA0005D-F0AE-4DED-B76F-A173EBCB9947}"/>
+          </ac:spMkLst>
+        </pc:spChg>
+      </pc:sldChg>
+      <pc:sldChg chg="addSp delSp modSp del mod modClrScheme delDesignElem chgLayout">
+        <pc:chgData name="Gary Lin" userId="" providerId="" clId="Web-{50DE8C92-3C3B-46D5-868D-BF56F99E59AB}" dt="2021-07-09T06:44:06.167" v="169"/>
+        <pc:sldMkLst>
+          <pc:docMk/>
+          <pc:sldMk cId="3546765481" sldId="266"/>
+        </pc:sldMkLst>
+        <pc:spChg chg="mod ord">
+          <ac:chgData name="Gary Lin" userId="" providerId="" clId="Web-{50DE8C92-3C3B-46D5-868D-BF56F99E59AB}" dt="2021-07-09T06:35:27.507" v="19"/>
+          <ac:spMkLst>
+            <pc:docMk/>
+            <pc:sldMk cId="3546765481" sldId="266"/>
+            <ac:spMk id="2" creationId="{4CCAE64E-A1E6-4F7A-9960-DDF3016765DA}"/>
+          </ac:spMkLst>
+        </pc:spChg>
+        <pc:spChg chg="mod ord">
+          <ac:chgData name="Gary Lin" userId="" providerId="" clId="Web-{50DE8C92-3C3B-46D5-868D-BF56F99E59AB}" dt="2021-07-09T06:35:27.507" v="19"/>
+          <ac:spMkLst>
+            <pc:docMk/>
+            <pc:sldMk cId="3546765481" sldId="266"/>
+            <ac:spMk id="3" creationId="{68DF03A4-751A-4AA6-B623-966794FB9740}"/>
+          </ac:spMkLst>
+        </pc:spChg>
+        <pc:spChg chg="add del">
+          <ac:chgData name="Gary Lin" userId="" providerId="" clId="Web-{50DE8C92-3C3B-46D5-868D-BF56F99E59AB}" dt="2021-07-09T06:35:27.507" v="19"/>
+          <ac:spMkLst>
+            <pc:docMk/>
+            <pc:sldMk cId="3546765481" sldId="266"/>
+            <ac:spMk id="10" creationId="{282E2A95-1A08-4118-83C6-B1CA5648E075}"/>
+          </ac:spMkLst>
+        </pc:spChg>
+        <pc:spChg chg="add del">
+          <ac:chgData name="Gary Lin" userId="" providerId="" clId="Web-{50DE8C92-3C3B-46D5-868D-BF56F99E59AB}" dt="2021-07-09T06:35:27.507" v="19"/>
+          <ac:spMkLst>
+            <pc:docMk/>
+            <pc:sldMk cId="3546765481" sldId="266"/>
+            <ac:spMk id="12" creationId="{2FFEFC7E-85EE-4AC9-A351-FBEB13A1D622}"/>
+          </ac:spMkLst>
+        </pc:spChg>
+        <pc:spChg chg="add del">
+          <ac:chgData name="Gary Lin" userId="" providerId="" clId="Web-{50DE8C92-3C3B-46D5-868D-BF56F99E59AB}" dt="2021-07-09T06:35:27.507" v="19"/>
+          <ac:spMkLst>
+            <pc:docMk/>
+            <pc:sldMk cId="3546765481" sldId="266"/>
+            <ac:spMk id="14" creationId="{CB2511BB-FC4C-45F3-94EB-661D6806C942}"/>
+          </ac:spMkLst>
+        </pc:spChg>
+        <pc:spChg chg="add del">
+          <ac:chgData name="Gary Lin" userId="" providerId="" clId="Web-{50DE8C92-3C3B-46D5-868D-BF56F99E59AB}" dt="2021-07-09T06:35:27.507" v="19"/>
+          <ac:spMkLst>
+            <pc:docMk/>
+            <pc:sldMk cId="3546765481" sldId="266"/>
+            <ac:spMk id="16" creationId="{68DC0EC7-60EA-4BD3-BC04-D547DE1B2891}"/>
+          </ac:spMkLst>
+        </pc:spChg>
+      </pc:sldChg>
+      <pc:sldChg chg="modSp mod modClrScheme chgLayout">
+        <pc:chgData name="Gary Lin" userId="" providerId="" clId="Web-{50DE8C92-3C3B-46D5-868D-BF56F99E59AB}" dt="2021-07-09T06:35:27.507" v="19"/>
+        <pc:sldMkLst>
+          <pc:docMk/>
+          <pc:sldMk cId="1031397907" sldId="267"/>
+        </pc:sldMkLst>
+        <pc:spChg chg="mod ord">
+          <ac:chgData name="Gary Lin" userId="" providerId="" clId="Web-{50DE8C92-3C3B-46D5-868D-BF56F99E59AB}" dt="2021-07-09T06:35:27.507" v="19"/>
+          <ac:spMkLst>
+            <pc:docMk/>
+            <pc:sldMk cId="1031397907" sldId="267"/>
+            <ac:spMk id="2" creationId="{4CCAE64E-A1E6-4F7A-9960-DDF3016765DA}"/>
+          </ac:spMkLst>
+        </pc:spChg>
+        <pc:spChg chg="mod ord">
+          <ac:chgData name="Gary Lin" userId="" providerId="" clId="Web-{50DE8C92-3C3B-46D5-868D-BF56F99E59AB}" dt="2021-07-09T06:35:27.507" v="19"/>
+          <ac:spMkLst>
+            <pc:docMk/>
+            <pc:sldMk cId="1031397907" sldId="267"/>
+            <ac:spMk id="3" creationId="{68DF03A4-751A-4AA6-B623-966794FB9740}"/>
+          </ac:spMkLst>
+        </pc:spChg>
+      </pc:sldChg>
+      <pc:sldChg chg="addSp delSp modSp del mod modClrScheme delDesignElem chgLayout">
+        <pc:chgData name="Gary Lin" userId="" providerId="" clId="Web-{50DE8C92-3C3B-46D5-868D-BF56F99E59AB}" dt="2021-07-09T06:44:06.167" v="168"/>
+        <pc:sldMkLst>
+          <pc:docMk/>
+          <pc:sldMk cId="1209454386" sldId="268"/>
+        </pc:sldMkLst>
+        <pc:spChg chg="mod ord">
+          <ac:chgData name="Gary Lin" userId="" providerId="" clId="Web-{50DE8C92-3C3B-46D5-868D-BF56F99E59AB}" dt="2021-07-09T06:35:27.507" v="19"/>
+          <ac:spMkLst>
+            <pc:docMk/>
+            <pc:sldMk cId="1209454386" sldId="268"/>
+            <ac:spMk id="2" creationId="{4CCAE64E-A1E6-4F7A-9960-DDF3016765DA}"/>
+          </ac:spMkLst>
+        </pc:spChg>
+        <pc:spChg chg="mod ord">
+          <ac:chgData name="Gary Lin" userId="" providerId="" clId="Web-{50DE8C92-3C3B-46D5-868D-BF56F99E59AB}" dt="2021-07-09T06:35:27.507" v="19"/>
+          <ac:spMkLst>
+            <pc:docMk/>
+            <pc:sldMk cId="1209454386" sldId="268"/>
+            <ac:spMk id="3" creationId="{68DF03A4-751A-4AA6-B623-966794FB9740}"/>
+          </ac:spMkLst>
+        </pc:spChg>
+        <pc:spChg chg="add del">
+          <ac:chgData name="Gary Lin" userId="" providerId="" clId="Web-{50DE8C92-3C3B-46D5-868D-BF56F99E59AB}" dt="2021-07-09T06:35:27.507" v="19"/>
+          <ac:spMkLst>
+            <pc:docMk/>
+            <pc:sldMk cId="1209454386" sldId="268"/>
+            <ac:spMk id="71" creationId="{282E2A95-1A08-4118-83C6-B1CA5648E075}"/>
+          </ac:spMkLst>
+        </pc:spChg>
+        <pc:spChg chg="add del">
+          <ac:chgData name="Gary Lin" userId="" providerId="" clId="Web-{50DE8C92-3C3B-46D5-868D-BF56F99E59AB}" dt="2021-07-09T06:35:27.507" v="19"/>
+          <ac:spMkLst>
+            <pc:docMk/>
+            <pc:sldMk cId="1209454386" sldId="268"/>
+            <ac:spMk id="73" creationId="{2FFEFC7E-85EE-4AC9-A351-FBEB13A1D622}"/>
+          </ac:spMkLst>
+        </pc:spChg>
+        <pc:spChg chg="add del">
+          <ac:chgData name="Gary Lin" userId="" providerId="" clId="Web-{50DE8C92-3C3B-46D5-868D-BF56F99E59AB}" dt="2021-07-09T06:35:27.507" v="19"/>
+          <ac:spMkLst>
+            <pc:docMk/>
+            <pc:sldMk cId="1209454386" sldId="268"/>
+            <ac:spMk id="75" creationId="{CB2511BB-FC4C-45F3-94EB-661D6806C942}"/>
+          </ac:spMkLst>
+        </pc:spChg>
+        <pc:spChg chg="add del">
+          <ac:chgData name="Gary Lin" userId="" providerId="" clId="Web-{50DE8C92-3C3B-46D5-868D-BF56F99E59AB}" dt="2021-07-09T06:35:27.507" v="19"/>
+          <ac:spMkLst>
+            <pc:docMk/>
+            <pc:sldMk cId="1209454386" sldId="268"/>
+            <ac:spMk id="77" creationId="{68DC0EC7-60EA-4BD3-BC04-D547DE1B2891}"/>
+          </ac:spMkLst>
+        </pc:spChg>
+      </pc:sldChg>
+      <pc:sldChg chg="addSp delSp modSp del mod modClrScheme delDesignElem chgLayout">
+        <pc:chgData name="Gary Lin" userId="" providerId="" clId="Web-{50DE8C92-3C3B-46D5-868D-BF56F99E59AB}" dt="2021-07-09T06:44:06.167" v="167"/>
+        <pc:sldMkLst>
+          <pc:docMk/>
+          <pc:sldMk cId="562249189" sldId="269"/>
+        </pc:sldMkLst>
+        <pc:spChg chg="mod ord">
+          <ac:chgData name="Gary Lin" userId="" providerId="" clId="Web-{50DE8C92-3C3B-46D5-868D-BF56F99E59AB}" dt="2021-07-09T06:35:27.507" v="19"/>
+          <ac:spMkLst>
+            <pc:docMk/>
+            <pc:sldMk cId="562249189" sldId="269"/>
+            <ac:spMk id="2" creationId="{4CCAE64E-A1E6-4F7A-9960-DDF3016765DA}"/>
+          </ac:spMkLst>
+        </pc:spChg>
+        <pc:spChg chg="mod ord">
+          <ac:chgData name="Gary Lin" userId="" providerId="" clId="Web-{50DE8C92-3C3B-46D5-868D-BF56F99E59AB}" dt="2021-07-09T06:35:27.507" v="19"/>
+          <ac:spMkLst>
+            <pc:docMk/>
+            <pc:sldMk cId="562249189" sldId="269"/>
+            <ac:spMk id="3" creationId="{68DF03A4-751A-4AA6-B623-966794FB9740}"/>
+          </ac:spMkLst>
+        </pc:spChg>
+        <pc:spChg chg="add del">
+          <ac:chgData name="Gary Lin" userId="" providerId="" clId="Web-{50DE8C92-3C3B-46D5-868D-BF56F99E59AB}" dt="2021-07-09T06:35:27.507" v="19"/>
+          <ac:spMkLst>
+            <pc:docMk/>
+            <pc:sldMk cId="562249189" sldId="269"/>
+            <ac:spMk id="71" creationId="{282E2A95-1A08-4118-83C6-B1CA5648E075}"/>
+          </ac:spMkLst>
+        </pc:spChg>
+        <pc:spChg chg="add del">
+          <ac:chgData name="Gary Lin" userId="" providerId="" clId="Web-{50DE8C92-3C3B-46D5-868D-BF56F99E59AB}" dt="2021-07-09T06:35:27.507" v="19"/>
+          <ac:spMkLst>
+            <pc:docMk/>
+            <pc:sldMk cId="562249189" sldId="269"/>
+            <ac:spMk id="73" creationId="{2FFEFC7E-85EE-4AC9-A351-FBEB13A1D622}"/>
+          </ac:spMkLst>
+        </pc:spChg>
+        <pc:spChg chg="add del">
+          <ac:chgData name="Gary Lin" userId="" providerId="" clId="Web-{50DE8C92-3C3B-46D5-868D-BF56F99E59AB}" dt="2021-07-09T06:35:27.507" v="19"/>
+          <ac:spMkLst>
+            <pc:docMk/>
+            <pc:sldMk cId="562249189" sldId="269"/>
+            <ac:spMk id="75" creationId="{CB2511BB-FC4C-45F3-94EB-661D6806C942}"/>
+          </ac:spMkLst>
+        </pc:spChg>
+        <pc:spChg chg="add del">
+          <ac:chgData name="Gary Lin" userId="" providerId="" clId="Web-{50DE8C92-3C3B-46D5-868D-BF56F99E59AB}" dt="2021-07-09T06:35:27.507" v="19"/>
+          <ac:spMkLst>
+            <pc:docMk/>
+            <pc:sldMk cId="562249189" sldId="269"/>
+            <ac:spMk id="77" creationId="{68DC0EC7-60EA-4BD3-BC04-D547DE1B2891}"/>
+          </ac:spMkLst>
+        </pc:spChg>
+      </pc:sldChg>
+      <pc:sldChg chg="addSp delSp modSp del mod modClrScheme delDesignElem chgLayout">
+        <pc:chgData name="Gary Lin" userId="" providerId="" clId="Web-{50DE8C92-3C3B-46D5-868D-BF56F99E59AB}" dt="2021-07-09T06:44:06.167" v="166"/>
+        <pc:sldMkLst>
+          <pc:docMk/>
+          <pc:sldMk cId="403364449" sldId="270"/>
+        </pc:sldMkLst>
+        <pc:spChg chg="mod ord">
+          <ac:chgData name="Gary Lin" userId="" providerId="" clId="Web-{50DE8C92-3C3B-46D5-868D-BF56F99E59AB}" dt="2021-07-09T06:35:27.507" v="19"/>
+          <ac:spMkLst>
+            <pc:docMk/>
+            <pc:sldMk cId="403364449" sldId="270"/>
+            <ac:spMk id="2" creationId="{4CCAE64E-A1E6-4F7A-9960-DDF3016765DA}"/>
+          </ac:spMkLst>
+        </pc:spChg>
+        <pc:spChg chg="mod ord">
+          <ac:chgData name="Gary Lin" userId="" providerId="" clId="Web-{50DE8C92-3C3B-46D5-868D-BF56F99E59AB}" dt="2021-07-09T06:35:27.507" v="19"/>
+          <ac:spMkLst>
+            <pc:docMk/>
+            <pc:sldMk cId="403364449" sldId="270"/>
+            <ac:spMk id="3" creationId="{68DF03A4-751A-4AA6-B623-966794FB9740}"/>
+          </ac:spMkLst>
+        </pc:spChg>
+        <pc:spChg chg="add del">
+          <ac:chgData name="Gary Lin" userId="" providerId="" clId="Web-{50DE8C92-3C3B-46D5-868D-BF56F99E59AB}" dt="2021-07-09T06:35:27.507" v="19"/>
+          <ac:spMkLst>
+            <pc:docMk/>
+            <pc:sldMk cId="403364449" sldId="270"/>
+            <ac:spMk id="71" creationId="{282E2A95-1A08-4118-83C6-B1CA5648E075}"/>
+          </ac:spMkLst>
+        </pc:spChg>
+        <pc:spChg chg="add del">
+          <ac:chgData name="Gary Lin" userId="" providerId="" clId="Web-{50DE8C92-3C3B-46D5-868D-BF56F99E59AB}" dt="2021-07-09T06:35:27.507" v="19"/>
+          <ac:spMkLst>
+            <pc:docMk/>
+            <pc:sldMk cId="403364449" sldId="270"/>
+            <ac:spMk id="73" creationId="{2FFEFC7E-85EE-4AC9-A351-FBEB13A1D622}"/>
+          </ac:spMkLst>
+        </pc:spChg>
+        <pc:spChg chg="add del">
+          <ac:chgData name="Gary Lin" userId="" providerId="" clId="Web-{50DE8C92-3C3B-46D5-868D-BF56F99E59AB}" dt="2021-07-09T06:35:27.507" v="19"/>
+          <ac:spMkLst>
+            <pc:docMk/>
+            <pc:sldMk cId="403364449" sldId="270"/>
+            <ac:spMk id="75" creationId="{CB2511BB-FC4C-45F3-94EB-661D6806C942}"/>
+          </ac:spMkLst>
+        </pc:spChg>
+        <pc:spChg chg="add del">
+          <ac:chgData name="Gary Lin" userId="" providerId="" clId="Web-{50DE8C92-3C3B-46D5-868D-BF56F99E59AB}" dt="2021-07-09T06:35:27.507" v="19"/>
+          <ac:spMkLst>
+            <pc:docMk/>
+            <pc:sldMk cId="403364449" sldId="270"/>
+            <ac:spMk id="77" creationId="{68DC0EC7-60EA-4BD3-BC04-D547DE1B2891}"/>
+          </ac:spMkLst>
+        </pc:spChg>
+      </pc:sldChg>
+      <pc:sldChg chg="modSp mod modClrScheme chgLayout">
+        <pc:chgData name="Gary Lin" userId="" providerId="" clId="Web-{50DE8C92-3C3B-46D5-868D-BF56F99E59AB}" dt="2021-07-09T06:35:27.507" v="19"/>
+        <pc:sldMkLst>
+          <pc:docMk/>
+          <pc:sldMk cId="2737339670" sldId="271"/>
+        </pc:sldMkLst>
+        <pc:spChg chg="mod ord">
+          <ac:chgData name="Gary Lin" userId="" providerId="" clId="Web-{50DE8C92-3C3B-46D5-868D-BF56F99E59AB}" dt="2021-07-09T06:35:27.507" v="19"/>
+          <ac:spMkLst>
+            <pc:docMk/>
+            <pc:sldMk cId="2737339670" sldId="271"/>
+            <ac:spMk id="2" creationId="{4CCAE64E-A1E6-4F7A-9960-DDF3016765DA}"/>
+          </ac:spMkLst>
+        </pc:spChg>
+        <pc:spChg chg="mod ord">
+          <ac:chgData name="Gary Lin" userId="" providerId="" clId="Web-{50DE8C92-3C3B-46D5-868D-BF56F99E59AB}" dt="2021-07-09T06:35:27.507" v="19"/>
+          <ac:spMkLst>
+            <pc:docMk/>
+            <pc:sldMk cId="2737339670" sldId="271"/>
+            <ac:spMk id="3" creationId="{68DF03A4-751A-4AA6-B623-966794FB9740}"/>
+          </ac:spMkLst>
+        </pc:spChg>
+      </pc:sldChg>
+      <pc:sldChg chg="modSp mod modClrScheme delCm chgLayout">
+        <pc:chgData name="Gary Lin" userId="" providerId="" clId="Web-{50DE8C92-3C3B-46D5-868D-BF56F99E59AB}" dt="2021-07-09T06:59:23.769" v="477" actId="20577"/>
+        <pc:sldMkLst>
+          <pc:docMk/>
+          <pc:sldMk cId="3185114908" sldId="272"/>
+        </pc:sldMkLst>
+        <pc:spChg chg="mod ord">
+          <ac:chgData name="Gary Lin" userId="" providerId="" clId="Web-{50DE8C92-3C3B-46D5-868D-BF56F99E59AB}" dt="2021-07-09T06:35:27.507" v="19"/>
+          <ac:spMkLst>
+            <pc:docMk/>
+            <pc:sldMk cId="3185114908" sldId="272"/>
+            <ac:spMk id="2" creationId="{4CCAE64E-A1E6-4F7A-9960-DDF3016765DA}"/>
+          </ac:spMkLst>
+        </pc:spChg>
+        <pc:spChg chg="mod ord">
+          <ac:chgData name="Gary Lin" userId="" providerId="" clId="Web-{50DE8C92-3C3B-46D5-868D-BF56F99E59AB}" dt="2021-07-09T06:59:23.769" v="477" actId="20577"/>
+          <ac:spMkLst>
+            <pc:docMk/>
+            <pc:sldMk cId="3185114908" sldId="272"/>
+            <ac:spMk id="3" creationId="{68DF03A4-751A-4AA6-B623-966794FB9740}"/>
+          </ac:spMkLst>
+        </pc:spChg>
+        <pc:graphicFrameChg chg="mod modGraphic">
+          <ac:chgData name="Gary Lin" userId="" providerId="" clId="Web-{50DE8C92-3C3B-46D5-868D-BF56F99E59AB}" dt="2021-07-09T06:57:32.288" v="392"/>
+          <ac:graphicFrameMkLst>
+            <pc:docMk/>
+            <pc:sldMk cId="3185114908" sldId="272"/>
+            <ac:graphicFrameMk id="8" creationId="{9F3AFA8A-6EAE-6B42-AA4E-DB93F858E0FC}"/>
+          </ac:graphicFrameMkLst>
+        </pc:graphicFrameChg>
+      </pc:sldChg>
+      <pc:sldChg chg="modSp mod modClrScheme chgLayout">
+        <pc:chgData name="Gary Lin" userId="" providerId="" clId="Web-{50DE8C92-3C3B-46D5-868D-BF56F99E59AB}" dt="2021-07-09T06:35:27.507" v="19"/>
+        <pc:sldMkLst>
+          <pc:docMk/>
+          <pc:sldMk cId="1791087459" sldId="273"/>
+        </pc:sldMkLst>
+        <pc:spChg chg="mod ord">
+          <ac:chgData name="Gary Lin" userId="" providerId="" clId="Web-{50DE8C92-3C3B-46D5-868D-BF56F99E59AB}" dt="2021-07-09T06:35:27.507" v="19"/>
+          <ac:spMkLst>
+            <pc:docMk/>
+            <pc:sldMk cId="1791087459" sldId="273"/>
+            <ac:spMk id="2" creationId="{4CCAE64E-A1E6-4F7A-9960-DDF3016765DA}"/>
+          </ac:spMkLst>
+        </pc:spChg>
+        <pc:spChg chg="mod ord">
+          <ac:chgData name="Gary Lin" userId="" providerId="" clId="Web-{50DE8C92-3C3B-46D5-868D-BF56F99E59AB}" dt="2021-07-09T06:35:27.507" v="19"/>
+          <ac:spMkLst>
+            <pc:docMk/>
+            <pc:sldMk cId="1791087459" sldId="273"/>
+            <ac:spMk id="3" creationId="{68DF03A4-751A-4AA6-B623-966794FB9740}"/>
+          </ac:spMkLst>
+        </pc:spChg>
+      </pc:sldChg>
+      <pc:sldChg chg="modSp mod modClrScheme chgLayout">
+        <pc:chgData name="Gary Lin" userId="" providerId="" clId="Web-{50DE8C92-3C3B-46D5-868D-BF56F99E59AB}" dt="2021-07-09T06:35:27.507" v="19"/>
+        <pc:sldMkLst>
+          <pc:docMk/>
+          <pc:sldMk cId="3915868360" sldId="274"/>
+        </pc:sldMkLst>
+        <pc:spChg chg="mod ord">
+          <ac:chgData name="Gary Lin" userId="" providerId="" clId="Web-{50DE8C92-3C3B-46D5-868D-BF56F99E59AB}" dt="2021-07-09T06:35:27.507" v="19"/>
+          <ac:spMkLst>
+            <pc:docMk/>
+            <pc:sldMk cId="3915868360" sldId="274"/>
+            <ac:spMk id="2" creationId="{E0D54796-AA1A-4836-BDD5-99F379E0DAD5}"/>
+          </ac:spMkLst>
+        </pc:spChg>
+      </pc:sldChg>
+      <pc:sldChg chg="addSp delSp modSp mod modClrScheme delDesignElem chgLayout">
+        <pc:chgData name="Gary Lin" userId="" providerId="" clId="Web-{50DE8C92-3C3B-46D5-868D-BF56F99E59AB}" dt="2021-07-09T06:43:59.011" v="165" actId="20577"/>
+        <pc:sldMkLst>
+          <pc:docMk/>
+          <pc:sldMk cId="258087267" sldId="275"/>
+        </pc:sldMkLst>
+        <pc:spChg chg="mod ord">
+          <ac:chgData name="Gary Lin" userId="" providerId="" clId="Web-{50DE8C92-3C3B-46D5-868D-BF56F99E59AB}" dt="2021-07-09T06:43:09.648" v="139" actId="20577"/>
+          <ac:spMkLst>
+            <pc:docMk/>
+            <pc:sldMk cId="258087267" sldId="275"/>
+            <ac:spMk id="2" creationId="{174F0132-1D3C-DB4C-AA46-8E835EF5BA22}"/>
+          </ac:spMkLst>
+        </pc:spChg>
+        <pc:spChg chg="mod ord">
+          <ac:chgData name="Gary Lin" userId="" providerId="" clId="Web-{50DE8C92-3C3B-46D5-868D-BF56F99E59AB}" dt="2021-07-09T06:43:59.011" v="165" actId="20577"/>
+          <ac:spMkLst>
+            <pc:docMk/>
+            <pc:sldMk cId="258087267" sldId="275"/>
+            <ac:spMk id="9" creationId="{8B30D5E2-C324-45F0-B540-B73C9A9071B6}"/>
+          </ac:spMkLst>
+        </pc:spChg>
+        <pc:spChg chg="add del">
+          <ac:chgData name="Gary Lin" userId="" providerId="" clId="Web-{50DE8C92-3C3B-46D5-868D-BF56F99E59AB}" dt="2021-07-09T06:35:27.507" v="19"/>
+          <ac:spMkLst>
+            <pc:docMk/>
+            <pc:sldMk cId="258087267" sldId="275"/>
+            <ac:spMk id="12" creationId="{282E2A95-1A08-4118-83C6-B1CA5648E075}"/>
+          </ac:spMkLst>
+        </pc:spChg>
+        <pc:spChg chg="add del">
+          <ac:chgData name="Gary Lin" userId="" providerId="" clId="Web-{50DE8C92-3C3B-46D5-868D-BF56F99E59AB}" dt="2021-07-09T06:35:27.507" v="19"/>
+          <ac:spMkLst>
+            <pc:docMk/>
+            <pc:sldMk cId="258087267" sldId="275"/>
+            <ac:spMk id="14" creationId="{2FFEFC7E-85EE-4AC9-A351-FBEB13A1D622}"/>
+          </ac:spMkLst>
+        </pc:spChg>
+        <pc:spChg chg="add del">
+          <ac:chgData name="Gary Lin" userId="" providerId="" clId="Web-{50DE8C92-3C3B-46D5-868D-BF56F99E59AB}" dt="2021-07-09T06:35:27.507" v="19"/>
+          <ac:spMkLst>
+            <pc:docMk/>
+            <pc:sldMk cId="258087267" sldId="275"/>
+            <ac:spMk id="16" creationId="{CB2511BB-FC4C-45F3-94EB-661D6806C942}"/>
+          </ac:spMkLst>
+        </pc:spChg>
+        <pc:spChg chg="add del">
+          <ac:chgData name="Gary Lin" userId="" providerId="" clId="Web-{50DE8C92-3C3B-46D5-868D-BF56F99E59AB}" dt="2021-07-09T06:35:27.507" v="19"/>
+          <ac:spMkLst>
+            <pc:docMk/>
+            <pc:sldMk cId="258087267" sldId="275"/>
+            <ac:spMk id="18" creationId="{68DC0EC7-60EA-4BD3-BC04-D547DE1B2891}"/>
+          </ac:spMkLst>
+        </pc:spChg>
+      </pc:sldChg>
+      <pc:sldChg chg="addSp delSp modSp mod modClrScheme delDesignElem chgLayout">
+        <pc:chgData name="Gary Lin" userId="" providerId="" clId="Web-{50DE8C92-3C3B-46D5-868D-BF56F99E59AB}" dt="2021-07-09T07:02:56.068" v="544" actId="20577"/>
+        <pc:sldMkLst>
+          <pc:docMk/>
+          <pc:sldMk cId="804514146" sldId="276"/>
+        </pc:sldMkLst>
+        <pc:spChg chg="mod ord">
+          <ac:chgData name="Gary Lin" userId="" providerId="" clId="Web-{50DE8C92-3C3B-46D5-868D-BF56F99E59AB}" dt="2021-07-09T07:02:56.068" v="544" actId="20577"/>
+          <ac:spMkLst>
+            <pc:docMk/>
+            <pc:sldMk cId="804514146" sldId="276"/>
+            <ac:spMk id="78" creationId="{48E3DCE5-FB0D-4CBC-99F4-E47322466B1B}"/>
+          </ac:spMkLst>
+        </pc:spChg>
+        <pc:spChg chg="add del">
+          <ac:chgData name="Gary Lin" userId="" providerId="" clId="Web-{50DE8C92-3C3B-46D5-868D-BF56F99E59AB}" dt="2021-07-09T06:35:27.507" v="19"/>
+          <ac:spMkLst>
+            <pc:docMk/>
+            <pc:sldMk cId="804514146" sldId="276"/>
+            <ac:spMk id="81" creationId="{282E2A95-1A08-4118-83C6-B1CA5648E075}"/>
+          </ac:spMkLst>
+        </pc:spChg>
+        <pc:spChg chg="add del">
+          <ac:chgData name="Gary Lin" userId="" providerId="" clId="Web-{50DE8C92-3C3B-46D5-868D-BF56F99E59AB}" dt="2021-07-09T06:35:27.507" v="19"/>
+          <ac:spMkLst>
+            <pc:docMk/>
+            <pc:sldMk cId="804514146" sldId="276"/>
+            <ac:spMk id="83" creationId="{2FFEFC7E-85EE-4AC9-A351-FBEB13A1D622}"/>
+          </ac:spMkLst>
+        </pc:spChg>
+        <pc:spChg chg="add del">
+          <ac:chgData name="Gary Lin" userId="" providerId="" clId="Web-{50DE8C92-3C3B-46D5-868D-BF56F99E59AB}" dt="2021-07-09T06:35:27.507" v="19"/>
+          <ac:spMkLst>
+            <pc:docMk/>
+            <pc:sldMk cId="804514146" sldId="276"/>
+            <ac:spMk id="85" creationId="{CB2511BB-FC4C-45F3-94EB-661D6806C942}"/>
+          </ac:spMkLst>
+        </pc:spChg>
+        <pc:spChg chg="add del">
+          <ac:chgData name="Gary Lin" userId="" providerId="" clId="Web-{50DE8C92-3C3B-46D5-868D-BF56F99E59AB}" dt="2021-07-09T06:35:27.507" v="19"/>
+          <ac:spMkLst>
+            <pc:docMk/>
+            <pc:sldMk cId="804514146" sldId="276"/>
+            <ac:spMk id="87" creationId="{68DC0EC7-60EA-4BD3-BC04-D547DE1B2891}"/>
+          </ac:spMkLst>
+        </pc:spChg>
+      </pc:sldChg>
+      <pc:sldChg chg="modSp mod modClrScheme chgLayout">
+        <pc:chgData name="Gary Lin" userId="" providerId="" clId="Web-{50DE8C92-3C3B-46D5-868D-BF56F99E59AB}" dt="2021-07-09T06:35:27.507" v="19"/>
+        <pc:sldMkLst>
+          <pc:docMk/>
+          <pc:sldMk cId="922105152" sldId="277"/>
+        </pc:sldMkLst>
+        <pc:spChg chg="mod ord">
+          <ac:chgData name="Gary Lin" userId="" providerId="" clId="Web-{50DE8C92-3C3B-46D5-868D-BF56F99E59AB}" dt="2021-07-09T06:35:27.507" v="19"/>
+          <ac:spMkLst>
+            <pc:docMk/>
+            <pc:sldMk cId="922105152" sldId="277"/>
+            <ac:spMk id="2" creationId="{B9B26737-7DB5-6542-9DDD-D69EB0D26E0A}"/>
+          </ac:spMkLst>
+        </pc:spChg>
+        <pc:spChg chg="mod ord">
+          <ac:chgData name="Gary Lin" userId="" providerId="" clId="Web-{50DE8C92-3C3B-46D5-868D-BF56F99E59AB}" dt="2021-07-09T06:35:27.507" v="19"/>
+          <ac:spMkLst>
+            <pc:docMk/>
+            <pc:sldMk cId="922105152" sldId="277"/>
+            <ac:spMk id="3" creationId="{AEA82848-A258-CE44-BE69-DC90AAF13C70}"/>
+          </ac:spMkLst>
+        </pc:spChg>
+      </pc:sldChg>
+      <pc:sldChg chg="addSp delSp modSp new mod setBg modClrScheme chgLayout">
+        <pc:chgData name="Gary Lin" userId="" providerId="" clId="Web-{50DE8C92-3C3B-46D5-868D-BF56F99E59AB}" dt="2021-07-09T06:56:38.750" v="381" actId="20577"/>
+        <pc:sldMkLst>
+          <pc:docMk/>
+          <pc:sldMk cId="1575952126" sldId="278"/>
+        </pc:sldMkLst>
+        <pc:spChg chg="add mod ord">
+          <ac:chgData name="Gary Lin" userId="" providerId="" clId="Web-{50DE8C92-3C3B-46D5-868D-BF56F99E59AB}" dt="2021-07-09T06:49:56.222" v="317" actId="14100"/>
+          <ac:spMkLst>
+            <pc:docMk/>
+            <pc:sldMk cId="1575952126" sldId="278"/>
+            <ac:spMk id="2" creationId="{C9C067DC-46DE-4727-B72D-FE8AF8E1BC2C}"/>
+          </ac:spMkLst>
+        </pc:spChg>
+        <pc:spChg chg="add mod ord">
+          <ac:chgData name="Gary Lin" userId="" providerId="" clId="Web-{50DE8C92-3C3B-46D5-868D-BF56F99E59AB}" dt="2021-07-09T06:36:32.762" v="32"/>
+          <ac:spMkLst>
+            <pc:docMk/>
+            <pc:sldMk cId="1575952126" sldId="278"/>
+            <ac:spMk id="7" creationId="{C8445298-09CB-4D1D-8A0B-9ED7524EF486}"/>
+          </ac:spMkLst>
+        </pc:spChg>
+        <pc:spChg chg="add del">
+          <ac:chgData name="Gary Lin" userId="" providerId="" clId="Web-{50DE8C92-3C3B-46D5-868D-BF56F99E59AB}" dt="2021-07-09T06:36:05.072" v="24"/>
+          <ac:spMkLst>
+            <pc:docMk/>
+            <pc:sldMk cId="1575952126" sldId="278"/>
+            <ac:spMk id="8" creationId="{43E2C319-9273-434E-9DE1-818BB8B96DD1}"/>
+          </ac:spMkLst>
+        </pc:spChg>
+        <pc:spChg chg="add del">
+          <ac:chgData name="Gary Lin" userId="" providerId="" clId="Web-{50DE8C92-3C3B-46D5-868D-BF56F99E59AB}" dt="2021-07-09T06:36:03.588" v="23"/>
+          <ac:spMkLst>
+            <pc:docMk/>
+            <pc:sldMk cId="1575952126" sldId="278"/>
+            <ac:spMk id="9" creationId="{002C0CA2-0770-4E0E-BF34-1E22214E68D2}"/>
+          </ac:spMkLst>
+        </pc:spChg>
+        <pc:spChg chg="add mod">
+          <ac:chgData name="Gary Lin" userId="" providerId="" clId="Web-{50DE8C92-3C3B-46D5-868D-BF56F99E59AB}" dt="2021-07-09T06:41:46.002" v="116" actId="1076"/>
+          <ac:spMkLst>
+            <pc:docMk/>
+            <pc:sldMk cId="1575952126" sldId="278"/>
+            <ac:spMk id="10" creationId="{199A9E66-931F-4546-B55F-2C7C122F60BB}"/>
+          </ac:spMkLst>
+        </pc:spChg>
+        <pc:spChg chg="add mod">
+          <ac:chgData name="Gary Lin" userId="" providerId="" clId="Web-{50DE8C92-3C3B-46D5-868D-BF56F99E59AB}" dt="2021-07-09T06:54:51.758" v="336" actId="14100"/>
+          <ac:spMkLst>
+            <pc:docMk/>
+            <pc:sldMk cId="1575952126" sldId="278"/>
+            <ac:spMk id="11" creationId="{4E4B4C45-EC74-454B-AC76-47D91D1FE132}"/>
+          </ac:spMkLst>
+        </pc:spChg>
+        <pc:spChg chg="add mod">
+          <ac:chgData name="Gary Lin" userId="" providerId="" clId="Web-{50DE8C92-3C3B-46D5-868D-BF56F99E59AB}" dt="2021-07-09T06:42:06.315" v="124" actId="1076"/>
+          <ac:spMkLst>
+            <pc:docMk/>
+            <pc:sldMk cId="1575952126" sldId="278"/>
+            <ac:spMk id="12" creationId="{EBBCF996-CD21-40B2-841B-8172A3D31918}"/>
+          </ac:spMkLst>
+        </pc:spChg>
+        <pc:spChg chg="add mod">
+          <ac:chgData name="Gary Lin" userId="" providerId="" clId="Web-{50DE8C92-3C3B-46D5-868D-BF56F99E59AB}" dt="2021-07-09T06:42:01.096" v="122" actId="1076"/>
+          <ac:spMkLst>
+            <pc:docMk/>
+            <pc:sldMk cId="1575952126" sldId="278"/>
+            <ac:spMk id="13" creationId="{79E35D3F-34B4-476E-AB2E-39DB23216920}"/>
+          </ac:spMkLst>
+        </pc:spChg>
+        <pc:spChg chg="add mod">
+          <ac:chgData name="Gary Lin" userId="" providerId="" clId="Web-{50DE8C92-3C3B-46D5-868D-BF56F99E59AB}" dt="2021-07-09T06:56:38.750" v="381" actId="20577"/>
+          <ac:spMkLst>
+            <pc:docMk/>
+            <pc:sldMk cId="1575952126" sldId="278"/>
+            <ac:spMk id="14" creationId="{DF87E1DC-167A-40FD-9636-0E857F531542}"/>
+          </ac:spMkLst>
+        </pc:spChg>
+        <pc:picChg chg="add mod">
+          <ac:chgData name="Gary Lin" userId="" providerId="" clId="Web-{50DE8C92-3C3B-46D5-868D-BF56F99E59AB}" dt="2021-07-09T06:55:24.933" v="343"/>
+          <ac:picMkLst>
+            <pc:docMk/>
+            <pc:sldMk cId="1575952126" sldId="278"/>
+            <ac:picMk id="3" creationId="{434D5E78-BB40-418C-B9E6-7F1813090B0B}"/>
+          </ac:picMkLst>
+        </pc:picChg>
+        <pc:picChg chg="add mod">
+          <ac:chgData name="Gary Lin" userId="" providerId="" clId="Web-{50DE8C92-3C3B-46D5-868D-BF56F99E59AB}" dt="2021-07-09T06:41:42.595" v="115" actId="1076"/>
+          <ac:picMkLst>
+            <pc:docMk/>
+            <pc:sldMk cId="1575952126" sldId="278"/>
+            <ac:picMk id="4" creationId="{8E99C10F-DD1E-433C-98E9-277730D278E5}"/>
+          </ac:picMkLst>
+        </pc:picChg>
+        <pc:picChg chg="add mod">
+          <ac:chgData name="Gary Lin" userId="" providerId="" clId="Web-{50DE8C92-3C3B-46D5-868D-BF56F99E59AB}" dt="2021-07-09T06:42:03.706" v="123" actId="14100"/>
+          <ac:picMkLst>
+            <pc:docMk/>
+            <pc:sldMk cId="1575952126" sldId="278"/>
+            <ac:picMk id="5" creationId="{1587E65A-081D-41BD-B029-74C221350E1A}"/>
+          </ac:picMkLst>
+        </pc:picChg>
+        <pc:picChg chg="add mod">
+          <ac:chgData name="Gary Lin" userId="" providerId="" clId="Web-{50DE8C92-3C3B-46D5-868D-BF56F99E59AB}" dt="2021-07-09T06:41:59.237" v="121" actId="1076"/>
+          <ac:picMkLst>
+            <pc:docMk/>
+            <pc:sldMk cId="1575952126" sldId="278"/>
+            <ac:picMk id="6" creationId="{FC8C58AE-C432-47CC-93F7-4E8871D2CADE}"/>
+          </ac:picMkLst>
+        </pc:picChg>
+      </pc:sldChg>
+      <pc:sldMasterChg chg="add del addSldLayout delSldLayout">
+        <pc:chgData name="Gary Lin" userId="" providerId="" clId="Web-{50DE8C92-3C3B-46D5-868D-BF56F99E59AB}" dt="2021-07-09T06:35:27.507" v="19"/>
+        <pc:sldMasterMkLst>
+          <pc:docMk/>
+          <pc:sldMasterMk cId="2620194669" sldId="2147483725"/>
+        </pc:sldMasterMkLst>
+        <pc:sldLayoutChg chg="add del">
+          <pc:chgData name="Gary Lin" userId="" providerId="" clId="Web-{50DE8C92-3C3B-46D5-868D-BF56F99E59AB}" dt="2021-07-09T06:35:27.507" v="19"/>
+          <pc:sldLayoutMkLst>
+            <pc:docMk/>
+            <pc:sldMasterMk cId="2620194669" sldId="2147483725"/>
+            <pc:sldLayoutMk cId="3728921019" sldId="2147483714"/>
+          </pc:sldLayoutMkLst>
+        </pc:sldLayoutChg>
+        <pc:sldLayoutChg chg="add del">
+          <pc:chgData name="Gary Lin" userId="" providerId="" clId="Web-{50DE8C92-3C3B-46D5-868D-BF56F99E59AB}" dt="2021-07-09T06:35:27.507" v="19"/>
+          <pc:sldLayoutMkLst>
+            <pc:docMk/>
+            <pc:sldMasterMk cId="2620194669" sldId="2147483725"/>
+            <pc:sldLayoutMk cId="2766541063" sldId="2147483715"/>
+          </pc:sldLayoutMkLst>
+        </pc:sldLayoutChg>
+        <pc:sldLayoutChg chg="add del">
+          <pc:chgData name="Gary Lin" userId="" providerId="" clId="Web-{50DE8C92-3C3B-46D5-868D-BF56F99E59AB}" dt="2021-07-09T06:35:27.507" v="19"/>
+          <pc:sldLayoutMkLst>
+            <pc:docMk/>
+            <pc:sldMasterMk cId="2620194669" sldId="2147483725"/>
+            <pc:sldLayoutMk cId="884092613" sldId="2147483716"/>
+          </pc:sldLayoutMkLst>
+        </pc:sldLayoutChg>
+        <pc:sldLayoutChg chg="add del">
+          <pc:chgData name="Gary Lin" userId="" providerId="" clId="Web-{50DE8C92-3C3B-46D5-868D-BF56F99E59AB}" dt="2021-07-09T06:35:27.507" v="19"/>
+          <pc:sldLayoutMkLst>
+            <pc:docMk/>
+            <pc:sldMasterMk cId="2620194669" sldId="2147483725"/>
+            <pc:sldLayoutMk cId="477579745" sldId="2147483717"/>
+          </pc:sldLayoutMkLst>
+        </pc:sldLayoutChg>
+        <pc:sldLayoutChg chg="add del">
+          <pc:chgData name="Gary Lin" userId="" providerId="" clId="Web-{50DE8C92-3C3B-46D5-868D-BF56F99E59AB}" dt="2021-07-09T06:35:27.507" v="19"/>
+          <pc:sldLayoutMkLst>
+            <pc:docMk/>
+            <pc:sldMasterMk cId="2620194669" sldId="2147483725"/>
+            <pc:sldLayoutMk cId="418780020" sldId="2147483718"/>
+          </pc:sldLayoutMkLst>
+        </pc:sldLayoutChg>
+        <pc:sldLayoutChg chg="add del">
+          <pc:chgData name="Gary Lin" userId="" providerId="" clId="Web-{50DE8C92-3C3B-46D5-868D-BF56F99E59AB}" dt="2021-07-09T06:35:27.507" v="19"/>
+          <pc:sldLayoutMkLst>
+            <pc:docMk/>
+            <pc:sldMasterMk cId="2620194669" sldId="2147483725"/>
+            <pc:sldLayoutMk cId="3111568306" sldId="2147483719"/>
+          </pc:sldLayoutMkLst>
+        </pc:sldLayoutChg>
+        <pc:sldLayoutChg chg="add del">
+          <pc:chgData name="Gary Lin" userId="" providerId="" clId="Web-{50DE8C92-3C3B-46D5-868D-BF56F99E59AB}" dt="2021-07-09T06:35:27.507" v="19"/>
+          <pc:sldLayoutMkLst>
+            <pc:docMk/>
+            <pc:sldMasterMk cId="2620194669" sldId="2147483725"/>
+            <pc:sldLayoutMk cId="3867158746" sldId="2147483720"/>
+          </pc:sldLayoutMkLst>
+        </pc:sldLayoutChg>
+        <pc:sldLayoutChg chg="add del">
+          <pc:chgData name="Gary Lin" userId="" providerId="" clId="Web-{50DE8C92-3C3B-46D5-868D-BF56F99E59AB}" dt="2021-07-09T06:35:27.507" v="19"/>
+          <pc:sldLayoutMkLst>
+            <pc:docMk/>
+            <pc:sldMasterMk cId="2620194669" sldId="2147483725"/>
+            <pc:sldLayoutMk cId="2057732325" sldId="2147483721"/>
+          </pc:sldLayoutMkLst>
+        </pc:sldLayoutChg>
+        <pc:sldLayoutChg chg="add del">
+          <pc:chgData name="Gary Lin" userId="" providerId="" clId="Web-{50DE8C92-3C3B-46D5-868D-BF56F99E59AB}" dt="2021-07-09T06:35:27.507" v="19"/>
+          <pc:sldLayoutMkLst>
+            <pc:docMk/>
+            <pc:sldMasterMk cId="2620194669" sldId="2147483725"/>
+            <pc:sldLayoutMk cId="590127965" sldId="2147483722"/>
+          </pc:sldLayoutMkLst>
+        </pc:sldLayoutChg>
+        <pc:sldLayoutChg chg="add del">
+          <pc:chgData name="Gary Lin" userId="" providerId="" clId="Web-{50DE8C92-3C3B-46D5-868D-BF56F99E59AB}" dt="2021-07-09T06:35:27.507" v="19"/>
+          <pc:sldLayoutMkLst>
+            <pc:docMk/>
+            <pc:sldMasterMk cId="2620194669" sldId="2147483725"/>
+            <pc:sldLayoutMk cId="635641670" sldId="2147483723"/>
+          </pc:sldLayoutMkLst>
+        </pc:sldLayoutChg>
+        <pc:sldLayoutChg chg="add del">
+          <pc:chgData name="Gary Lin" userId="" providerId="" clId="Web-{50DE8C92-3C3B-46D5-868D-BF56F99E59AB}" dt="2021-07-09T06:35:27.507" v="19"/>
+          <pc:sldLayoutMkLst>
+            <pc:docMk/>
+            <pc:sldMasterMk cId="2620194669" sldId="2147483725"/>
+            <pc:sldLayoutMk cId="3436307167" sldId="2147483724"/>
+          </pc:sldLayoutMkLst>
+        </pc:sldLayoutChg>
+      </pc:sldMasterChg>
+      <pc:sldMasterChg chg="add del addSldLayout delSldLayout modSldLayout">
+        <pc:chgData name="Gary Lin" userId="" providerId="" clId="Web-{50DE8C92-3C3B-46D5-868D-BF56F99E59AB}" dt="2021-07-09T06:35:27.507" v="19"/>
+        <pc:sldMasterMkLst>
+          <pc:docMk/>
+          <pc:sldMasterMk cId="644451519" sldId="2147483726"/>
+        </pc:sldMasterMkLst>
+        <pc:sldLayoutChg chg="add del mod replId">
+          <pc:chgData name="Gary Lin" userId="" providerId="" clId="Web-{50DE8C92-3C3B-46D5-868D-BF56F99E59AB}" dt="2021-07-09T06:35:27.507" v="19"/>
+          <pc:sldLayoutMkLst>
+            <pc:docMk/>
+            <pc:sldMasterMk cId="644451519" sldId="2147483726"/>
+            <pc:sldLayoutMk cId="3610846748" sldId="2147483727"/>
+          </pc:sldLayoutMkLst>
+        </pc:sldLayoutChg>
+        <pc:sldLayoutChg chg="add del mod replId">
+          <pc:chgData name="Gary Lin" userId="" providerId="" clId="Web-{50DE8C92-3C3B-46D5-868D-BF56F99E59AB}" dt="2021-07-09T06:35:27.507" v="19"/>
+          <pc:sldLayoutMkLst>
+            <pc:docMk/>
+            <pc:sldMasterMk cId="644451519" sldId="2147483726"/>
+            <pc:sldLayoutMk cId="4240275104" sldId="2147483728"/>
+          </pc:sldLayoutMkLst>
+        </pc:sldLayoutChg>
+        <pc:sldLayoutChg chg="add del mod replId">
+          <pc:chgData name="Gary Lin" userId="" providerId="" clId="Web-{50DE8C92-3C3B-46D5-868D-BF56F99E59AB}" dt="2021-07-09T06:35:27.507" v="19"/>
+          <pc:sldLayoutMkLst>
+            <pc:docMk/>
+            <pc:sldMasterMk cId="644451519" sldId="2147483726"/>
+            <pc:sldLayoutMk cId="375684860" sldId="2147483729"/>
+          </pc:sldLayoutMkLst>
+        </pc:sldLayoutChg>
+        <pc:sldLayoutChg chg="add del mod replId">
+          <pc:chgData name="Gary Lin" userId="" providerId="" clId="Web-{50DE8C92-3C3B-46D5-868D-BF56F99E59AB}" dt="2021-07-09T06:35:27.507" v="19"/>
+          <pc:sldLayoutMkLst>
+            <pc:docMk/>
+            <pc:sldMasterMk cId="644451519" sldId="2147483726"/>
+            <pc:sldLayoutMk cId="3945226490" sldId="2147483730"/>
+          </pc:sldLayoutMkLst>
+        </pc:sldLayoutChg>
+        <pc:sldLayoutChg chg="add del mod replId">
+          <pc:chgData name="Gary Lin" userId="" providerId="" clId="Web-{50DE8C92-3C3B-46D5-868D-BF56F99E59AB}" dt="2021-07-09T06:35:27.507" v="19"/>
+          <pc:sldLayoutMkLst>
+            <pc:docMk/>
+            <pc:sldMasterMk cId="644451519" sldId="2147483726"/>
+            <pc:sldLayoutMk cId="2186498748" sldId="2147483731"/>
+          </pc:sldLayoutMkLst>
+        </pc:sldLayoutChg>
+        <pc:sldLayoutChg chg="add del mod replId">
+          <pc:chgData name="Gary Lin" userId="" providerId="" clId="Web-{50DE8C92-3C3B-46D5-868D-BF56F99E59AB}" dt="2021-07-09T06:35:27.507" v="19"/>
+          <pc:sldLayoutMkLst>
+            <pc:docMk/>
+            <pc:sldMasterMk cId="644451519" sldId="2147483726"/>
+            <pc:sldLayoutMk cId="3243487243" sldId="2147483732"/>
+          </pc:sldLayoutMkLst>
+        </pc:sldLayoutChg>
+        <pc:sldLayoutChg chg="add del mod replId">
+          <pc:chgData name="Gary Lin" userId="" providerId="" clId="Web-{50DE8C92-3C3B-46D5-868D-BF56F99E59AB}" dt="2021-07-09T06:35:27.507" v="19"/>
+          <pc:sldLayoutMkLst>
+            <pc:docMk/>
+            <pc:sldMasterMk cId="644451519" sldId="2147483726"/>
+            <pc:sldLayoutMk cId="785951359" sldId="2147483733"/>
+          </pc:sldLayoutMkLst>
+        </pc:sldLayoutChg>
+        <pc:sldLayoutChg chg="add del mod replId">
+          <pc:chgData name="Gary Lin" userId="" providerId="" clId="Web-{50DE8C92-3C3B-46D5-868D-BF56F99E59AB}" dt="2021-07-09T06:35:27.507" v="19"/>
+          <pc:sldLayoutMkLst>
+            <pc:docMk/>
+            <pc:sldMasterMk cId="644451519" sldId="2147483726"/>
+            <pc:sldLayoutMk cId="2647534154" sldId="2147483734"/>
+          </pc:sldLayoutMkLst>
+        </pc:sldLayoutChg>
+        <pc:sldLayoutChg chg="add del mod replId">
+          <pc:chgData name="Gary Lin" userId="" providerId="" clId="Web-{50DE8C92-3C3B-46D5-868D-BF56F99E59AB}" dt="2021-07-09T06:35:27.507" v="19"/>
+          <pc:sldLayoutMkLst>
+            <pc:docMk/>
+            <pc:sldMasterMk cId="644451519" sldId="2147483726"/>
+            <pc:sldLayoutMk cId="3629375838" sldId="2147483735"/>
+          </pc:sldLayoutMkLst>
+        </pc:sldLayoutChg>
+        <pc:sldLayoutChg chg="add del mod replId">
+          <pc:chgData name="Gary Lin" userId="" providerId="" clId="Web-{50DE8C92-3C3B-46D5-868D-BF56F99E59AB}" dt="2021-07-09T06:35:27.507" v="19"/>
+          <pc:sldLayoutMkLst>
+            <pc:docMk/>
+            <pc:sldMasterMk cId="644451519" sldId="2147483726"/>
+            <pc:sldLayoutMk cId="3567205398" sldId="2147483736"/>
+          </pc:sldLayoutMkLst>
+        </pc:sldLayoutChg>
+        <pc:sldLayoutChg chg="add del mod replId">
+          <pc:chgData name="Gary Lin" userId="" providerId="" clId="Web-{50DE8C92-3C3B-46D5-868D-BF56F99E59AB}" dt="2021-07-09T06:35:27.507" v="19"/>
+          <pc:sldLayoutMkLst>
+            <pc:docMk/>
+            <pc:sldMasterMk cId="644451519" sldId="2147483726"/>
+            <pc:sldLayoutMk cId="4226257596" sldId="2147483737"/>
+          </pc:sldLayoutMkLst>
+        </pc:sldLayoutChg>
+      </pc:sldMasterChg>
+    </pc:docChg>
+  </pc:docChgLst>
+  <pc:docChgLst>
+    <pc:chgData name="Jeongwoo Han" clId="Web-{42E943E7-339C-4F7D-A62B-9E6D51C622CC}"/>
+    <pc:docChg chg="modSld">
+      <pc:chgData name="Jeongwoo Han" userId="" providerId="" clId="Web-{42E943E7-339C-4F7D-A62B-9E6D51C622CC}" dt="2021-07-09T04:45:24.317" v="2" actId="20577"/>
+      <pc:docMkLst>
+        <pc:docMk/>
+      </pc:docMkLst>
+      <pc:sldChg chg="modSp">
+        <pc:chgData name="Jeongwoo Han" userId="" providerId="" clId="Web-{42E943E7-339C-4F7D-A62B-9E6D51C622CC}" dt="2021-07-09T04:45:24.317" v="2" actId="20577"/>
+        <pc:sldMkLst>
+          <pc:docMk/>
+          <pc:sldMk cId="1791087459" sldId="273"/>
+        </pc:sldMkLst>
+        <pc:spChg chg="mod">
+          <ac:chgData name="Jeongwoo Han" userId="" providerId="" clId="Web-{42E943E7-339C-4F7D-A62B-9E6D51C622CC}" dt="2021-07-09T04:45:24.317" v="2" actId="20577"/>
+          <ac:spMkLst>
+            <pc:docMk/>
+            <pc:sldMk cId="1791087459" sldId="273"/>
+            <ac:spMk id="3" creationId="{68DF03A4-751A-4AA6-B623-966794FB9740}"/>
+          </ac:spMkLst>
+        </pc:spChg>
+      </pc:sldChg>
+    </pc:docChg>
+  </pc:docChgLst>
+</pc:chgInfo>
 </file>
 
 <file path=ppt/slideLayouts/slideLayout1.xml><?xml version="1.0" encoding="utf-8"?>
@@ -641,7 +1713,7 @@
           <a:p>
             <a:fld id="{EA0C0817-A112-4847-8014-A94B7D2A4EA3}" type="datetime1">
               <a:rPr lang="en-US" smtClean="0"/>
-              <a:t>6/28/2021</a:t>
+              <a:t>7/9/21</a:t>
             </a:fld>
             <a:endParaRPr lang="en-US" dirty="0"/>
           </a:p>
@@ -843,7 +1915,7 @@
           <a:p>
             <a:fld id="{134F40B7-36AB-4376-BE14-EF7004D79BB9}" type="datetime1">
               <a:rPr lang="en-US" smtClean="0"/>
-              <a:t>6/28/2021</a:t>
+              <a:t>7/9/21</a:t>
             </a:fld>
             <a:endParaRPr lang="en-US"/>
           </a:p>
@@ -1023,7 +2095,7 @@
           <a:p>
             <a:fld id="{FF87CAB8-DCAE-46A5-AADA-B3FAD11A54E0}" type="datetime1">
               <a:rPr lang="en-US" smtClean="0"/>
-              <a:t>6/28/2021</a:t>
+              <a:t>7/9/21</a:t>
             </a:fld>
             <a:endParaRPr lang="en-US"/>
           </a:p>
@@ -1193,7 +2265,7 @@
           <a:p>
             <a:fld id="{7332B432-ACDA-4023-A761-2BAB76577B62}" type="datetime1">
               <a:rPr lang="en-US" smtClean="0"/>
-              <a:t>6/28/2021</a:t>
+              <a:t>7/9/21</a:t>
             </a:fld>
             <a:endParaRPr lang="en-US"/>
           </a:p>
@@ -1792,7 +2864,7 @@
           <a:p>
             <a:fld id="{D9C646AA-F36E-4540-911D-FFFC0A0EF24A}" type="datetime1">
               <a:rPr lang="en-US" smtClean="0"/>
-              <a:t>6/28/2021</a:t>
+              <a:t>7/9/21</a:t>
             </a:fld>
             <a:endParaRPr lang="en-US" dirty="0"/>
           </a:p>
@@ -2112,7 +3184,7 @@
           <a:p>
             <a:fld id="{69186D26-FA5F-4637-B602-B7C2DC34CFD4}" type="datetime1">
               <a:rPr lang="en-US" smtClean="0"/>
-              <a:t>6/28/2021</a:t>
+              <a:t>7/9/21</a:t>
             </a:fld>
             <a:endParaRPr lang="en-US"/>
           </a:p>
@@ -2547,7 +3619,7 @@
           <a:p>
             <a:fld id="{8A7F15D8-96D1-4781-BC50-CA8A088B2FE4}" type="datetime1">
               <a:rPr lang="en-US" smtClean="0"/>
-              <a:t>6/28/2021</a:t>
+              <a:t>7/9/21</a:t>
             </a:fld>
             <a:endParaRPr lang="en-US"/>
           </a:p>
@@ -2665,7 +3737,7 @@
           <a:p>
             <a:fld id="{F9A96C99-B8F8-4528-BD05-0E16E943DC09}" type="datetime1">
               <a:rPr lang="en-US" smtClean="0"/>
-              <a:t>6/28/2021</a:t>
+              <a:t>7/9/21</a:t>
             </a:fld>
             <a:endParaRPr lang="en-US"/>
           </a:p>
@@ -2760,7 +3832,7 @@
           <a:p>
             <a:fld id="{03636942-C211-4B28-8DBD-C953E00AF71B}" type="datetime1">
               <a:rPr lang="en-US" smtClean="0"/>
-              <a:t>6/28/2021</a:t>
+              <a:t>7/9/21</a:t>
             </a:fld>
             <a:endParaRPr lang="en-US"/>
           </a:p>
@@ -3177,7 +4249,7 @@
           <a:p>
             <a:fld id="{7E8D12A6-918A-48BD-8CB9-CA713993B0EA}" type="datetime1">
               <a:rPr lang="en-US" smtClean="0"/>
-              <a:t>6/28/2021</a:t>
+              <a:t>7/9/21</a:t>
             </a:fld>
             <a:endParaRPr lang="en-US"/>
           </a:p>
@@ -3439,7 +4511,7 @@
             <a:fld id="{E778CE86-875F-4587-BCF6-FA054AFC0D53}" type="datetime1">
               <a:rPr lang="en-US" smtClean="0"/>
               <a:pPr/>
-              <a:t>6/28/2021</a:t>
+              <a:t>7/9/21</a:t>
             </a:fld>
             <a:endParaRPr lang="en-US" dirty="0"/>
           </a:p>
@@ -3955,7 +5027,7 @@
           <a:p>
             <a:fld id="{F6FA2B21-3FCD-4721-B95C-427943F61125}" type="datetime1">
               <a:rPr lang="en-US" smtClean="0"/>
-              <a:t>6/28/2021</a:t>
+              <a:t>7/9/21</a:t>
             </a:fld>
             <a:endParaRPr lang="en-US"/>
           </a:p>
@@ -4656,6 +5728,1344 @@
 <file path=ppt/slides/slide10.xml><?xml version="1.0" encoding="utf-8"?>
 <p:sld xmlns:a="http://schemas.openxmlformats.org/drawingml/2006/main" xmlns:r="http://schemas.openxmlformats.org/officeDocument/2006/relationships" xmlns:p="http://schemas.openxmlformats.org/presentationml/2006/main">
   <p:cSld>
+    <p:spTree>
+      <p:nvGrpSpPr>
+        <p:cNvPr id="1" name=""/>
+        <p:cNvGrpSpPr/>
+        <p:nvPr/>
+      </p:nvGrpSpPr>
+      <p:grpSpPr>
+        <a:xfrm>
+          <a:off x="0" y="0"/>
+          <a:ext cx="0" cy="0"/>
+          <a:chOff x="0" y="0"/>
+          <a:chExt cx="0" cy="0"/>
+        </a:xfrm>
+      </p:grpSpPr>
+      <p:sp>
+        <p:nvSpPr>
+          <p:cNvPr id="2" name="Title 1">
+            <a:extLst>
+              <a:ext uri="{FF2B5EF4-FFF2-40B4-BE49-F238E27FC236}">
+                <a16:creationId xmlns:a16="http://schemas.microsoft.com/office/drawing/2014/main" id="{B9B26737-7DB5-6542-9DDD-D69EB0D26E0A}"/>
+              </a:ext>
+            </a:extLst>
+          </p:cNvPr>
+          <p:cNvSpPr>
+            <a:spLocks noGrp="1"/>
+          </p:cNvSpPr>
+          <p:nvPr>
+            <p:ph type="title"/>
+          </p:nvPr>
+        </p:nvSpPr>
+        <p:spPr/>
+        <p:txBody>
+          <a:bodyPr/>
+          <a:lstStyle/>
+          <a:p>
+            <a:r>
+              <a:rPr lang="en-US" dirty="0"/>
+              <a:t>Model Assumptions and Pros and Cons</a:t>
+            </a:r>
+          </a:p>
+        </p:txBody>
+      </p:sp>
+      <p:sp>
+        <p:nvSpPr>
+          <p:cNvPr id="3" name="Content Placeholder 2">
+            <a:extLst>
+              <a:ext uri="{FF2B5EF4-FFF2-40B4-BE49-F238E27FC236}">
+                <a16:creationId xmlns:a16="http://schemas.microsoft.com/office/drawing/2014/main" id="{AEA82848-A258-CE44-BE69-DC90AAF13C70}"/>
+              </a:ext>
+            </a:extLst>
+          </p:cNvPr>
+          <p:cNvSpPr>
+            <a:spLocks noGrp="1"/>
+          </p:cNvSpPr>
+          <p:nvPr>
+            <p:ph idx="1"/>
+          </p:nvPr>
+        </p:nvSpPr>
+        <p:spPr/>
+        <p:txBody>
+          <a:bodyPr>
+            <a:noAutofit/>
+          </a:bodyPr>
+          <a:lstStyle/>
+          <a:p>
+            <a:r>
+              <a:rPr lang="en-US" sz="1400" b="1" dirty="0"/>
+              <a:t>Random Forest</a:t>
+            </a:r>
+          </a:p>
+          <a:p>
+            <a:pPr lvl="1">
+              <a:lnSpc>
+                <a:spcPct val="150000"/>
+              </a:lnSpc>
+            </a:pPr>
+            <a:r>
+              <a:rPr lang="en-US" sz="1400" dirty="0"/>
+              <a:t>Advantages:  </a:t>
+            </a:r>
+            <a:r>
+              <a:rPr lang="en-US" sz="1400" dirty="0">
+                <a:solidFill>
+                  <a:schemeClr val="tx1">
+                    <a:lumMod val="85000"/>
+                    <a:lumOff val="15000"/>
+                  </a:schemeClr>
+                </a:solidFill>
+              </a:rPr>
+              <a:t>Reduce overfitting,  handles categorical &amp; numerical features &amp; nonlinearity,  computationally efficient (parallelization)</a:t>
+            </a:r>
+          </a:p>
+          <a:p>
+            <a:pPr lvl="1">
+              <a:lnSpc>
+                <a:spcPct val="150000"/>
+              </a:lnSpc>
+            </a:pPr>
+            <a:r>
+              <a:rPr lang="en-US" sz="1400" dirty="0">
+                <a:solidFill>
+                  <a:schemeClr val="tx1">
+                    <a:lumMod val="85000"/>
+                    <a:lumOff val="15000"/>
+                  </a:schemeClr>
+                </a:solidFill>
+              </a:rPr>
+              <a:t>Disadvantages: does not use information learned from previous models, suffers a lack of interpretability</a:t>
+            </a:r>
+          </a:p>
+          <a:p>
+            <a:pPr>
+              <a:lnSpc>
+                <a:spcPct val="150000"/>
+              </a:lnSpc>
+            </a:pPr>
+            <a:endParaRPr lang="en-US" sz="1400" dirty="0">
+              <a:solidFill>
+                <a:schemeClr val="tx1">
+                  <a:lumMod val="85000"/>
+                  <a:lumOff val="15000"/>
+                </a:schemeClr>
+              </a:solidFill>
+            </a:endParaRPr>
+          </a:p>
+          <a:p>
+            <a:pPr>
+              <a:lnSpc>
+                <a:spcPct val="150000"/>
+              </a:lnSpc>
+            </a:pPr>
+            <a:r>
+              <a:rPr lang="en-US" sz="1400" b="1" dirty="0">
+                <a:solidFill>
+                  <a:schemeClr val="tx1">
+                    <a:lumMod val="85000"/>
+                    <a:lumOff val="15000"/>
+                  </a:schemeClr>
+                </a:solidFill>
+              </a:rPr>
+              <a:t>Gradient Boosting:</a:t>
+            </a:r>
+          </a:p>
+          <a:p>
+            <a:pPr lvl="1">
+              <a:lnSpc>
+                <a:spcPct val="150000"/>
+              </a:lnSpc>
+            </a:pPr>
+            <a:r>
+              <a:rPr lang="en-US" sz="1400" dirty="0">
+                <a:solidFill>
+                  <a:schemeClr val="tx1">
+                    <a:lumMod val="85000"/>
+                    <a:lumOff val="15000"/>
+                  </a:schemeClr>
+                </a:solidFill>
+              </a:rPr>
+              <a:t>Advantages: grow trees using information learned previously, can improve interpretability using smaller trees (e.g., stumps)</a:t>
+            </a:r>
+          </a:p>
+          <a:p>
+            <a:pPr lvl="1">
+              <a:lnSpc>
+                <a:spcPct val="150000"/>
+              </a:lnSpc>
+            </a:pPr>
+            <a:r>
+              <a:rPr lang="en-US" sz="1400" dirty="0">
+                <a:solidFill>
+                  <a:schemeClr val="tx1">
+                    <a:lumMod val="85000"/>
+                    <a:lumOff val="15000"/>
+                  </a:schemeClr>
+                </a:solidFill>
+              </a:rPr>
+              <a:t>Disadvantages: sensitive to overfitting on noisy data, fit trees sequentially</a:t>
+            </a:r>
+          </a:p>
+          <a:p>
+            <a:pPr lvl="1">
+              <a:lnSpc>
+                <a:spcPct val="150000"/>
+              </a:lnSpc>
+            </a:pPr>
+            <a:endParaRPr lang="en-US" sz="1400" dirty="0">
+              <a:solidFill>
+                <a:schemeClr val="tx1">
+                  <a:lumMod val="85000"/>
+                  <a:lumOff val="15000"/>
+                </a:schemeClr>
+              </a:solidFill>
+            </a:endParaRPr>
+          </a:p>
+          <a:p>
+            <a:pPr marL="0" indent="0">
+              <a:lnSpc>
+                <a:spcPct val="150000"/>
+              </a:lnSpc>
+              <a:buNone/>
+            </a:pPr>
+            <a:r>
+              <a:rPr lang="en-US" sz="1400" dirty="0">
+                <a:solidFill>
+                  <a:schemeClr val="tx1">
+                    <a:lumMod val="85000"/>
+                    <a:lumOff val="15000"/>
+                  </a:schemeClr>
+                </a:solidFill>
+              </a:rPr>
+              <a:t>Because sci-kit learn Gradient Boost,  </a:t>
+            </a:r>
+            <a:r>
+              <a:rPr lang="en-US" sz="1400" dirty="0" err="1">
+                <a:solidFill>
+                  <a:schemeClr val="tx1">
+                    <a:lumMod val="85000"/>
+                    <a:lumOff val="15000"/>
+                  </a:schemeClr>
+                </a:solidFill>
+              </a:rPr>
+              <a:t>XGBoost</a:t>
+            </a:r>
+            <a:r>
+              <a:rPr lang="en-US" sz="1400" dirty="0">
+                <a:solidFill>
+                  <a:schemeClr val="tx1">
+                    <a:lumMod val="85000"/>
+                    <a:lumOff val="15000"/>
+                  </a:schemeClr>
+                </a:solidFill>
+              </a:rPr>
+              <a:t>, LGBM optimize computation of gradients differently, we experiment with all three to test performance</a:t>
+            </a:r>
+          </a:p>
+          <a:p>
+            <a:pPr lvl="1"/>
+            <a:endParaRPr lang="en-US" sz="1400" dirty="0"/>
+          </a:p>
+          <a:p>
+            <a:pPr lvl="1"/>
+            <a:endParaRPr lang="en-US" sz="1400" dirty="0"/>
+          </a:p>
+        </p:txBody>
+      </p:sp>
+    </p:spTree>
+    <p:extLst>
+      <p:ext uri="{BB962C8B-B14F-4D97-AF65-F5344CB8AC3E}">
+        <p14:creationId xmlns:p14="http://schemas.microsoft.com/office/powerpoint/2010/main" val="922105152"/>
+      </p:ext>
+    </p:extLst>
+  </p:cSld>
+  <p:clrMapOvr>
+    <a:masterClrMapping/>
+  </p:clrMapOvr>
+</p:sld>
+</file>
+
+<file path=ppt/slides/slide11.xml><?xml version="1.0" encoding="utf-8"?>
+<p:sld xmlns:a="http://schemas.openxmlformats.org/drawingml/2006/main" xmlns:r="http://schemas.openxmlformats.org/officeDocument/2006/relationships" xmlns:p="http://schemas.openxmlformats.org/presentationml/2006/main">
+  <p:cSld>
+    <p:spTree>
+      <p:nvGrpSpPr>
+        <p:cNvPr id="1" name=""/>
+        <p:cNvGrpSpPr/>
+        <p:nvPr/>
+      </p:nvGrpSpPr>
+      <p:grpSpPr>
+        <a:xfrm>
+          <a:off x="0" y="0"/>
+          <a:ext cx="0" cy="0"/>
+          <a:chOff x="0" y="0"/>
+          <a:chExt cx="0" cy="0"/>
+        </a:xfrm>
+      </p:grpSpPr>
+      <p:sp>
+        <p:nvSpPr>
+          <p:cNvPr id="2" name="Title 1">
+            <a:extLst>
+              <a:ext uri="{FF2B5EF4-FFF2-40B4-BE49-F238E27FC236}">
+                <a16:creationId xmlns:a16="http://schemas.microsoft.com/office/drawing/2014/main" id="{4CCAE64E-A1E6-4F7A-9960-DDF3016765DA}"/>
+              </a:ext>
+            </a:extLst>
+          </p:cNvPr>
+          <p:cNvSpPr>
+            <a:spLocks noGrp="1"/>
+          </p:cNvSpPr>
+          <p:nvPr>
+            <p:ph type="title"/>
+          </p:nvPr>
+        </p:nvSpPr>
+        <p:spPr/>
+        <p:txBody>
+          <a:bodyPr/>
+          <a:lstStyle/>
+          <a:p>
+            <a:r>
+              <a:rPr lang="en-US" dirty="0"/>
+              <a:t>Model Tests</a:t>
+            </a:r>
+            <a:br>
+              <a:rPr lang="en-US" dirty="0"/>
+            </a:br>
+            <a:r>
+              <a:rPr lang="en-US" sz="2000" dirty="0"/>
+              <a:t>Final Dollar Difference &amp; Kaggle Score</a:t>
+            </a:r>
+            <a:endParaRPr lang="en-US" dirty="0"/>
+          </a:p>
+        </p:txBody>
+      </p:sp>
+      <p:sp>
+        <p:nvSpPr>
+          <p:cNvPr id="3" name="Content Placeholder 2">
+            <a:extLst>
+              <a:ext uri="{FF2B5EF4-FFF2-40B4-BE49-F238E27FC236}">
+                <a16:creationId xmlns:a16="http://schemas.microsoft.com/office/drawing/2014/main" id="{68DF03A4-751A-4AA6-B623-966794FB9740}"/>
+              </a:ext>
+            </a:extLst>
+          </p:cNvPr>
+          <p:cNvSpPr>
+            <a:spLocks noGrp="1"/>
+          </p:cNvSpPr>
+          <p:nvPr>
+            <p:ph idx="1"/>
+          </p:nvPr>
+        </p:nvSpPr>
+        <p:spPr/>
+        <p:txBody>
+          <a:bodyPr vert="horz" lIns="91440" tIns="45720" rIns="91440" bIns="45720" rtlCol="0" anchor="t">
+            <a:normAutofit/>
+          </a:bodyPr>
+          <a:lstStyle/>
+          <a:p>
+            <a:pPr>
+              <a:lnSpc>
+                <a:spcPct val="150000"/>
+              </a:lnSpc>
+            </a:pPr>
+            <a:r>
+              <a:rPr lang="en-US" dirty="0"/>
+              <a:t>Dollar differences, train set RMSE (mean, SD), and test set RMSE, were calculated for each models</a:t>
+            </a:r>
+          </a:p>
+          <a:p>
+            <a:pPr>
+              <a:lnSpc>
+                <a:spcPct val="150000"/>
+              </a:lnSpc>
+              <a:buClr>
+                <a:srgbClr val="262626"/>
+              </a:buClr>
+            </a:pPr>
+            <a:r>
+              <a:rPr lang="en-US" dirty="0" err="1"/>
+              <a:t>XGBoost</a:t>
+            </a:r>
+            <a:r>
+              <a:rPr lang="en-US" dirty="0"/>
+              <a:t> produced the best test result (minimum RMSE)</a:t>
+            </a:r>
+          </a:p>
+          <a:p>
+            <a:pPr>
+              <a:lnSpc>
+                <a:spcPct val="150000"/>
+              </a:lnSpc>
+              <a:buClr>
+                <a:srgbClr val="262626"/>
+              </a:buClr>
+            </a:pPr>
+            <a:r>
+              <a:rPr lang="en-US" dirty="0"/>
+              <a:t>Gradient Boosting Regression was the most precise (in terms of RMSE SD)</a:t>
+            </a:r>
+          </a:p>
+        </p:txBody>
+      </p:sp>
+      <p:graphicFrame>
+        <p:nvGraphicFramePr>
+          <p:cNvPr id="8" name="Table 8">
+            <a:extLst>
+              <a:ext uri="{FF2B5EF4-FFF2-40B4-BE49-F238E27FC236}">
+                <a16:creationId xmlns:a16="http://schemas.microsoft.com/office/drawing/2014/main" id="{9F3AFA8A-6EAE-6B42-AA4E-DB93F858E0FC}"/>
+              </a:ext>
+            </a:extLst>
+          </p:cNvPr>
+          <p:cNvGraphicFramePr>
+            <a:graphicFrameLocks noGrp="1"/>
+          </p:cNvGraphicFramePr>
+          <p:nvPr>
+            <p:extLst>
+              <p:ext uri="{D42A27DB-BD31-4B8C-83A1-F6EECF244321}">
+                <p14:modId xmlns:p14="http://schemas.microsoft.com/office/powerpoint/2010/main" val="4117208857"/>
+              </p:ext>
+            </p:extLst>
+          </p:nvPr>
+        </p:nvGraphicFramePr>
+        <p:xfrm>
+          <a:off x="1121435" y="3619526"/>
+          <a:ext cx="9949130" cy="2595880"/>
+        </p:xfrm>
+        <a:graphic>
+          <a:graphicData uri="http://schemas.openxmlformats.org/drawingml/2006/table">
+            <a:tbl>
+              <a:tblPr firstRow="1" bandRow="1">
+                <a:tableStyleId>{5C22544A-7EE6-4342-B048-85BDC9FD1C3A}</a:tableStyleId>
+              </a:tblPr>
+              <a:tblGrid>
+                <a:gridCol w="1989826">
+                  <a:extLst>
+                    <a:ext uri="{9D8B030D-6E8A-4147-A177-3AD203B41FA5}">
+                      <a16:colId xmlns:a16="http://schemas.microsoft.com/office/drawing/2014/main" val="3491977550"/>
+                    </a:ext>
+                  </a:extLst>
+                </a:gridCol>
+                <a:gridCol w="1989826">
+                  <a:extLst>
+                    <a:ext uri="{9D8B030D-6E8A-4147-A177-3AD203B41FA5}">
+                      <a16:colId xmlns:a16="http://schemas.microsoft.com/office/drawing/2014/main" val="1126850246"/>
+                    </a:ext>
+                  </a:extLst>
+                </a:gridCol>
+                <a:gridCol w="1989826">
+                  <a:extLst>
+                    <a:ext uri="{9D8B030D-6E8A-4147-A177-3AD203B41FA5}">
+                      <a16:colId xmlns:a16="http://schemas.microsoft.com/office/drawing/2014/main" val="874146229"/>
+                    </a:ext>
+                  </a:extLst>
+                </a:gridCol>
+                <a:gridCol w="1989826">
+                  <a:extLst>
+                    <a:ext uri="{9D8B030D-6E8A-4147-A177-3AD203B41FA5}">
+                      <a16:colId xmlns:a16="http://schemas.microsoft.com/office/drawing/2014/main" val="1878749729"/>
+                    </a:ext>
+                  </a:extLst>
+                </a:gridCol>
+                <a:gridCol w="1989826">
+                  <a:extLst>
+                    <a:ext uri="{9D8B030D-6E8A-4147-A177-3AD203B41FA5}">
+                      <a16:colId xmlns:a16="http://schemas.microsoft.com/office/drawing/2014/main" val="2785534963"/>
+                    </a:ext>
+                  </a:extLst>
+                </a:gridCol>
+              </a:tblGrid>
+              <a:tr h="370840">
+                <a:tc>
+                  <a:txBody>
+                    <a:bodyPr/>
+                    <a:lstStyle/>
+                    <a:p>
+                      <a:r>
+                        <a:rPr lang="en-US" sz="1400" dirty="0"/>
+                        <a:t>Model</a:t>
+                      </a:r>
+                    </a:p>
+                  </a:txBody>
+                  <a:tcPr/>
+                </a:tc>
+                <a:tc>
+                  <a:txBody>
+                    <a:bodyPr/>
+                    <a:lstStyle/>
+                    <a:p>
+                      <a:r>
+                        <a:rPr lang="en-US" sz="1400" dirty="0"/>
+                        <a:t>MAE ($)</a:t>
+                      </a:r>
+                    </a:p>
+                  </a:txBody>
+                  <a:tcPr/>
+                </a:tc>
+                <a:tc>
+                  <a:txBody>
+                    <a:bodyPr/>
+                    <a:lstStyle/>
+                    <a:p>
+                      <a:r>
+                        <a:rPr lang="en-US" sz="1400" dirty="0"/>
+                        <a:t>Avg. RMSE (Train)</a:t>
+                      </a:r>
+                    </a:p>
+                  </a:txBody>
+                  <a:tcPr/>
+                </a:tc>
+                <a:tc>
+                  <a:txBody>
+                    <a:bodyPr/>
+                    <a:lstStyle/>
+                    <a:p>
+                      <a:r>
+                        <a:rPr lang="en-US" sz="1400" dirty="0"/>
+                        <a:t>SD RMSE (Train)</a:t>
+                      </a:r>
+                    </a:p>
+                  </a:txBody>
+                  <a:tcPr/>
+                </a:tc>
+                <a:tc>
+                  <a:txBody>
+                    <a:bodyPr/>
+                    <a:lstStyle/>
+                    <a:p>
+                      <a:r>
+                        <a:rPr lang="en-US" sz="1400" dirty="0"/>
+                        <a:t>Avg. RMSE (Kaggle)</a:t>
+                      </a:r>
+                    </a:p>
+                  </a:txBody>
+                  <a:tcPr/>
+                </a:tc>
+                <a:extLst>
+                  <a:ext uri="{0D108BD9-81ED-4DB2-BD59-A6C34878D82A}">
+                    <a16:rowId xmlns:a16="http://schemas.microsoft.com/office/drawing/2014/main" val="2375106244"/>
+                  </a:ext>
+                </a:extLst>
+              </a:tr>
+              <a:tr h="370840">
+                <a:tc>
+                  <a:txBody>
+                    <a:bodyPr/>
+                    <a:lstStyle/>
+                    <a:p>
+                      <a:pPr algn="l" fontAlgn="ctr"/>
+                      <a:r>
+                        <a:rPr lang="en-US" sz="1400" b="1" dirty="0" err="1">
+                          <a:effectLst/>
+                        </a:rPr>
+                        <a:t>Stacking_best</a:t>
+                      </a:r>
+                      <a:endParaRPr lang="en-US" sz="1400" b="1" dirty="0">
+                        <a:effectLst/>
+                      </a:endParaRPr>
+                    </a:p>
+                  </a:txBody>
+                  <a:tcPr anchor="ctr"/>
+                </a:tc>
+                <a:tc>
+                  <a:txBody>
+                    <a:bodyPr/>
+                    <a:lstStyle/>
+                    <a:p>
+                      <a:pPr algn="r" fontAlgn="ctr"/>
+                      <a:r>
+                        <a:rPr lang="en-US" sz="1400" dirty="0">
+                          <a:effectLst/>
+                        </a:rPr>
+                        <a:t>4136.627217</a:t>
+                      </a:r>
+                    </a:p>
+                  </a:txBody>
+                  <a:tcPr anchor="ctr"/>
+                </a:tc>
+                <a:tc>
+                  <a:txBody>
+                    <a:bodyPr/>
+                    <a:lstStyle/>
+                    <a:p>
+                      <a:pPr algn="r" fontAlgn="ctr"/>
+                      <a:r>
+                        <a:rPr lang="en-US" sz="1400" b="1" dirty="0">
+                          <a:solidFill>
+                            <a:srgbClr val="FF0000"/>
+                          </a:solidFill>
+                          <a:effectLst/>
+                        </a:rPr>
+                        <a:t>0.113271</a:t>
+                      </a:r>
+                    </a:p>
+                  </a:txBody>
+                  <a:tcPr anchor="ctr"/>
+                </a:tc>
+                <a:tc>
+                  <a:txBody>
+                    <a:bodyPr/>
+                    <a:lstStyle/>
+                    <a:p>
+                      <a:pPr algn="r" fontAlgn="ctr"/>
+                      <a:r>
+                        <a:rPr lang="en-US" sz="1400" dirty="0">
+                          <a:effectLst/>
+                        </a:rPr>
+                        <a:t>0.005805</a:t>
+                      </a:r>
+                    </a:p>
+                  </a:txBody>
+                  <a:tcPr anchor="ctr"/>
+                </a:tc>
+                <a:tc>
+                  <a:txBody>
+                    <a:bodyPr/>
+                    <a:lstStyle/>
+                    <a:p>
+                      <a:pPr algn="ctr"/>
+                      <a:r>
+                        <a:rPr lang="en-US" sz="1400" b="0" i="0" kern="1200" dirty="0">
+                          <a:solidFill>
+                            <a:schemeClr val="dk1"/>
+                          </a:solidFill>
+                          <a:effectLst/>
+                          <a:latin typeface="+mn-lt"/>
+                          <a:ea typeface="+mn-ea"/>
+                          <a:cs typeface="+mn-cs"/>
+                        </a:rPr>
+                        <a:t>0.1273</a:t>
+                      </a:r>
+                      <a:endParaRPr lang="en-US" sz="1400" dirty="0"/>
+                    </a:p>
+                  </a:txBody>
+                  <a:tcPr/>
+                </a:tc>
+                <a:extLst>
+                  <a:ext uri="{0D108BD9-81ED-4DB2-BD59-A6C34878D82A}">
+                    <a16:rowId xmlns:a16="http://schemas.microsoft.com/office/drawing/2014/main" val="2527336954"/>
+                  </a:ext>
+                </a:extLst>
+              </a:tr>
+              <a:tr h="370840">
+                <a:tc>
+                  <a:txBody>
+                    <a:bodyPr/>
+                    <a:lstStyle/>
+                    <a:p>
+                      <a:pPr algn="l" fontAlgn="ctr"/>
+                      <a:r>
+                        <a:rPr lang="en-US" sz="1400" b="1" dirty="0" err="1">
+                          <a:effectLst/>
+                        </a:rPr>
+                        <a:t>XGBR_best</a:t>
+                      </a:r>
+                      <a:endParaRPr lang="en-US" sz="1400" b="1" dirty="0">
+                        <a:effectLst/>
+                      </a:endParaRPr>
+                    </a:p>
+                  </a:txBody>
+                  <a:tcPr anchor="ctr"/>
+                </a:tc>
+                <a:tc>
+                  <a:txBody>
+                    <a:bodyPr/>
+                    <a:lstStyle/>
+                    <a:p>
+                      <a:pPr algn="r" fontAlgn="ctr"/>
+                      <a:r>
+                        <a:rPr lang="en-US" sz="1400" b="1" dirty="0">
+                          <a:solidFill>
+                            <a:srgbClr val="FF0000"/>
+                          </a:solidFill>
+                          <a:effectLst/>
+                        </a:rPr>
+                        <a:t>46.343718</a:t>
+                      </a:r>
+                    </a:p>
+                  </a:txBody>
+                  <a:tcPr anchor="ctr"/>
+                </a:tc>
+                <a:tc>
+                  <a:txBody>
+                    <a:bodyPr/>
+                    <a:lstStyle/>
+                    <a:p>
+                      <a:pPr algn="r" fontAlgn="ctr"/>
+                      <a:r>
+                        <a:rPr lang="en-US" sz="1400" dirty="0">
+                          <a:effectLst/>
+                        </a:rPr>
+                        <a:t>0.114867</a:t>
+                      </a:r>
+                    </a:p>
+                  </a:txBody>
+                  <a:tcPr anchor="ctr"/>
+                </a:tc>
+                <a:tc>
+                  <a:txBody>
+                    <a:bodyPr/>
+                    <a:lstStyle/>
+                    <a:p>
+                      <a:pPr algn="r" fontAlgn="ctr"/>
+                      <a:r>
+                        <a:rPr lang="en-US" sz="1400" dirty="0">
+                          <a:effectLst/>
+                        </a:rPr>
+                        <a:t>0.017091</a:t>
+                      </a:r>
+                    </a:p>
+                  </a:txBody>
+                  <a:tcPr anchor="ctr"/>
+                </a:tc>
+                <a:tc>
+                  <a:txBody>
+                    <a:bodyPr/>
+                    <a:lstStyle/>
+                    <a:p>
+                      <a:pPr algn="ctr"/>
+                      <a:r>
+                        <a:rPr lang="en-US" sz="1400" b="1" i="0" kern="1200" dirty="0">
+                          <a:solidFill>
+                            <a:srgbClr val="FF0000"/>
+                          </a:solidFill>
+                          <a:effectLst/>
+                          <a:latin typeface="+mn-lt"/>
+                          <a:ea typeface="+mn-ea"/>
+                          <a:cs typeface="+mn-cs"/>
+                        </a:rPr>
+                        <a:t>0.1263</a:t>
+                      </a:r>
+                      <a:endParaRPr lang="en-US" sz="1400" b="1" dirty="0">
+                        <a:solidFill>
+                          <a:srgbClr val="FF0000"/>
+                        </a:solidFill>
+                      </a:endParaRPr>
+                    </a:p>
+                  </a:txBody>
+                  <a:tcPr/>
+                </a:tc>
+                <a:extLst>
+                  <a:ext uri="{0D108BD9-81ED-4DB2-BD59-A6C34878D82A}">
+                    <a16:rowId xmlns:a16="http://schemas.microsoft.com/office/drawing/2014/main" val="3942757907"/>
+                  </a:ext>
+                </a:extLst>
+              </a:tr>
+              <a:tr h="370840">
+                <a:tc>
+                  <a:txBody>
+                    <a:bodyPr/>
+                    <a:lstStyle/>
+                    <a:p>
+                      <a:pPr algn="l" fontAlgn="ctr"/>
+                      <a:r>
+                        <a:rPr lang="en-US" sz="1400" b="1" dirty="0" err="1">
+                          <a:effectLst/>
+                        </a:rPr>
+                        <a:t>GBR_best</a:t>
+                      </a:r>
+                      <a:endParaRPr lang="en-US" sz="1400" b="1" dirty="0">
+                        <a:effectLst/>
+                      </a:endParaRPr>
+                    </a:p>
+                  </a:txBody>
+                  <a:tcPr anchor="ctr"/>
+                </a:tc>
+                <a:tc>
+                  <a:txBody>
+                    <a:bodyPr/>
+                    <a:lstStyle/>
+                    <a:p>
+                      <a:pPr algn="r" fontAlgn="ctr"/>
+                      <a:r>
+                        <a:rPr lang="en-US" sz="1400" dirty="0">
+                          <a:effectLst/>
+                        </a:rPr>
+                        <a:t>1045.011959</a:t>
+                      </a:r>
+                    </a:p>
+                  </a:txBody>
+                  <a:tcPr anchor="ctr"/>
+                </a:tc>
+                <a:tc>
+                  <a:txBody>
+                    <a:bodyPr/>
+                    <a:lstStyle/>
+                    <a:p>
+                      <a:pPr algn="r" fontAlgn="ctr"/>
+                      <a:r>
+                        <a:rPr lang="en-US" sz="1400" dirty="0">
+                          <a:effectLst/>
+                        </a:rPr>
+                        <a:t>0.116020</a:t>
+                      </a:r>
+                    </a:p>
+                  </a:txBody>
+                  <a:tcPr anchor="ctr"/>
+                </a:tc>
+                <a:tc>
+                  <a:txBody>
+                    <a:bodyPr/>
+                    <a:lstStyle/>
+                    <a:p>
+                      <a:pPr algn="r" fontAlgn="ctr"/>
+                      <a:r>
+                        <a:rPr lang="en-US" sz="1400" b="1" dirty="0">
+                          <a:solidFill>
+                            <a:srgbClr val="FF0000"/>
+                          </a:solidFill>
+                          <a:effectLst/>
+                        </a:rPr>
+                        <a:t>0.004776</a:t>
+                      </a:r>
+                    </a:p>
+                  </a:txBody>
+                  <a:tcPr anchor="ctr"/>
+                </a:tc>
+                <a:tc>
+                  <a:txBody>
+                    <a:bodyPr/>
+                    <a:lstStyle/>
+                    <a:p>
+                      <a:pPr marL="0" marR="0" indent="0" algn="ctr" defTabSz="914400" rtl="0" eaLnBrk="1" fontAlgn="auto" latinLnBrk="0" hangingPunct="1">
+                        <a:lnSpc>
+                          <a:spcPct val="100000"/>
+                        </a:lnSpc>
+                        <a:spcBef>
+                          <a:spcPts val="0"/>
+                        </a:spcBef>
+                        <a:spcAft>
+                          <a:spcPts val="0"/>
+                        </a:spcAft>
+                        <a:buClrTx/>
+                        <a:buSzTx/>
+                        <a:buFontTx/>
+                        <a:buNone/>
+                        <a:tabLst/>
+                        <a:defRPr/>
+                      </a:pPr>
+                      <a:r>
+                        <a:rPr lang="en-US" sz="1400" b="0" i="0" kern="1200" dirty="0">
+                          <a:solidFill>
+                            <a:schemeClr val="dk1"/>
+                          </a:solidFill>
+                          <a:effectLst/>
+                          <a:latin typeface="+mn-lt"/>
+                          <a:ea typeface="+mn-ea"/>
+                          <a:cs typeface="+mn-cs"/>
+                        </a:rPr>
+                        <a:t>0.1274</a:t>
+                      </a:r>
+                      <a:endParaRPr lang="en-US" sz="1400" dirty="0"/>
+                    </a:p>
+                  </a:txBody>
+                  <a:tcPr/>
+                </a:tc>
+                <a:extLst>
+                  <a:ext uri="{0D108BD9-81ED-4DB2-BD59-A6C34878D82A}">
+                    <a16:rowId xmlns:a16="http://schemas.microsoft.com/office/drawing/2014/main" val="2208418760"/>
+                  </a:ext>
+                </a:extLst>
+              </a:tr>
+              <a:tr h="370840">
+                <a:tc>
+                  <a:txBody>
+                    <a:bodyPr/>
+                    <a:lstStyle/>
+                    <a:p>
+                      <a:pPr algn="l" fontAlgn="ctr"/>
+                      <a:r>
+                        <a:rPr lang="en-US" sz="1400" b="1" dirty="0" err="1">
+                          <a:effectLst/>
+                        </a:rPr>
+                        <a:t>VotingRegressor_best</a:t>
+                      </a:r>
+                      <a:endParaRPr lang="en-US" sz="1400" b="1" dirty="0">
+                        <a:effectLst/>
+                      </a:endParaRPr>
+                    </a:p>
+                  </a:txBody>
+                  <a:tcPr anchor="ctr"/>
+                </a:tc>
+                <a:tc>
+                  <a:txBody>
+                    <a:bodyPr/>
+                    <a:lstStyle/>
+                    <a:p>
+                      <a:pPr algn="r" fontAlgn="ctr"/>
+                      <a:r>
+                        <a:rPr lang="en-US" sz="1400" dirty="0">
+                          <a:effectLst/>
+                        </a:rPr>
+                        <a:t>4496.524691</a:t>
+                      </a:r>
+                    </a:p>
+                  </a:txBody>
+                  <a:tcPr anchor="ctr"/>
+                </a:tc>
+                <a:tc>
+                  <a:txBody>
+                    <a:bodyPr/>
+                    <a:lstStyle/>
+                    <a:p>
+                      <a:pPr algn="r" fontAlgn="ctr"/>
+                      <a:r>
+                        <a:rPr lang="en-US" sz="1400" dirty="0">
+                          <a:effectLst/>
+                        </a:rPr>
+                        <a:t>0.116430</a:t>
+                      </a:r>
+                    </a:p>
+                  </a:txBody>
+                  <a:tcPr anchor="ctr"/>
+                </a:tc>
+                <a:tc>
+                  <a:txBody>
+                    <a:bodyPr/>
+                    <a:lstStyle/>
+                    <a:p>
+                      <a:pPr algn="r" fontAlgn="ctr"/>
+                      <a:r>
+                        <a:rPr lang="en-US" sz="1400" dirty="0">
+                          <a:effectLst/>
+                        </a:rPr>
+                        <a:t>0.008779</a:t>
+                      </a:r>
+                    </a:p>
+                  </a:txBody>
+                  <a:tcPr anchor="ctr"/>
+                </a:tc>
+                <a:tc>
+                  <a:txBody>
+                    <a:bodyPr/>
+                    <a:lstStyle/>
+                    <a:p>
+                      <a:pPr algn="ctr"/>
+                      <a:r>
+                        <a:rPr lang="en-US" sz="1400" b="0" i="0" kern="1200" dirty="0">
+                          <a:solidFill>
+                            <a:schemeClr val="dk1"/>
+                          </a:solidFill>
+                          <a:effectLst/>
+                          <a:latin typeface="+mn-lt"/>
+                          <a:ea typeface="+mn-ea"/>
+                          <a:cs typeface="+mn-cs"/>
+                        </a:rPr>
+                        <a:t>0.1270</a:t>
+                      </a:r>
+                      <a:endParaRPr lang="en-US" sz="1400" dirty="0"/>
+                    </a:p>
+                  </a:txBody>
+                  <a:tcPr/>
+                </a:tc>
+                <a:extLst>
+                  <a:ext uri="{0D108BD9-81ED-4DB2-BD59-A6C34878D82A}">
+                    <a16:rowId xmlns:a16="http://schemas.microsoft.com/office/drawing/2014/main" val="3915910311"/>
+                  </a:ext>
+                </a:extLst>
+              </a:tr>
+              <a:tr h="370840">
+                <a:tc>
+                  <a:txBody>
+                    <a:bodyPr/>
+                    <a:lstStyle/>
+                    <a:p>
+                      <a:pPr algn="l" fontAlgn="ctr"/>
+                      <a:r>
+                        <a:rPr lang="en-US" sz="1400" b="1" dirty="0" err="1">
+                          <a:effectLst/>
+                        </a:rPr>
+                        <a:t>LGBM_best</a:t>
+                      </a:r>
+                      <a:endParaRPr lang="en-US" sz="1400" b="1" dirty="0">
+                        <a:effectLst/>
+                      </a:endParaRPr>
+                    </a:p>
+                  </a:txBody>
+                  <a:tcPr anchor="ctr"/>
+                </a:tc>
+                <a:tc>
+                  <a:txBody>
+                    <a:bodyPr/>
+                    <a:lstStyle/>
+                    <a:p>
+                      <a:pPr algn="r" fontAlgn="ctr"/>
+                      <a:r>
+                        <a:rPr lang="en-US" sz="1400" dirty="0">
+                          <a:effectLst/>
+                        </a:rPr>
+                        <a:t>6563.607170</a:t>
+                      </a:r>
+                    </a:p>
+                  </a:txBody>
+                  <a:tcPr anchor="ctr"/>
+                </a:tc>
+                <a:tc>
+                  <a:txBody>
+                    <a:bodyPr/>
+                    <a:lstStyle/>
+                    <a:p>
+                      <a:pPr algn="r" fontAlgn="ctr"/>
+                      <a:r>
+                        <a:rPr lang="en-US" sz="1400" dirty="0">
+                          <a:effectLst/>
+                        </a:rPr>
+                        <a:t>0.120209</a:t>
+                      </a:r>
+                    </a:p>
+                  </a:txBody>
+                  <a:tcPr anchor="ctr"/>
+                </a:tc>
+                <a:tc>
+                  <a:txBody>
+                    <a:bodyPr/>
+                    <a:lstStyle/>
+                    <a:p>
+                      <a:pPr algn="r" fontAlgn="ctr"/>
+                      <a:r>
+                        <a:rPr lang="en-US" sz="1400" dirty="0">
+                          <a:effectLst/>
+                        </a:rPr>
+                        <a:t>0.006327</a:t>
+                      </a:r>
+                    </a:p>
+                  </a:txBody>
+                  <a:tcPr anchor="ctr"/>
+                </a:tc>
+                <a:tc>
+                  <a:txBody>
+                    <a:bodyPr/>
+                    <a:lstStyle/>
+                    <a:p>
+                      <a:pPr algn="ctr"/>
+                      <a:r>
+                        <a:rPr lang="en-US" sz="1400" b="0" i="0" kern="1200" dirty="0">
+                          <a:solidFill>
+                            <a:schemeClr val="dk1"/>
+                          </a:solidFill>
+                          <a:effectLst/>
+                          <a:latin typeface="+mn-lt"/>
+                          <a:ea typeface="+mn-ea"/>
+                          <a:cs typeface="+mn-cs"/>
+                        </a:rPr>
+                        <a:t>0.12831</a:t>
+                      </a:r>
+                      <a:endParaRPr lang="en-US" sz="1400" dirty="0"/>
+                    </a:p>
+                  </a:txBody>
+                  <a:tcPr/>
+                </a:tc>
+                <a:extLst>
+                  <a:ext uri="{0D108BD9-81ED-4DB2-BD59-A6C34878D82A}">
+                    <a16:rowId xmlns:a16="http://schemas.microsoft.com/office/drawing/2014/main" val="2707853616"/>
+                  </a:ext>
+                </a:extLst>
+              </a:tr>
+              <a:tr h="370840">
+                <a:tc>
+                  <a:txBody>
+                    <a:bodyPr/>
+                    <a:lstStyle/>
+                    <a:p>
+                      <a:pPr algn="l" fontAlgn="ctr"/>
+                      <a:r>
+                        <a:rPr lang="en-US" sz="1400" b="1" dirty="0" err="1">
+                          <a:effectLst/>
+                        </a:rPr>
+                        <a:t>RFR_best</a:t>
+                      </a:r>
+                      <a:endParaRPr lang="en-US" sz="1400" b="1" dirty="0">
+                        <a:effectLst/>
+                      </a:endParaRPr>
+                    </a:p>
+                  </a:txBody>
+                  <a:tcPr anchor="ctr"/>
+                </a:tc>
+                <a:tc>
+                  <a:txBody>
+                    <a:bodyPr/>
+                    <a:lstStyle/>
+                    <a:p>
+                      <a:pPr algn="r" fontAlgn="ctr"/>
+                      <a:r>
+                        <a:rPr lang="en-US" sz="1400" dirty="0">
+                          <a:effectLst/>
+                        </a:rPr>
+                        <a:t>12137.901254</a:t>
+                      </a:r>
+                    </a:p>
+                  </a:txBody>
+                  <a:tcPr anchor="ctr"/>
+                </a:tc>
+                <a:tc>
+                  <a:txBody>
+                    <a:bodyPr/>
+                    <a:lstStyle/>
+                    <a:p>
+                      <a:pPr algn="r" fontAlgn="ctr"/>
+                      <a:r>
+                        <a:rPr lang="en-US" sz="1400" dirty="0">
+                          <a:effectLst/>
+                        </a:rPr>
+                        <a:t>0.138661</a:t>
+                      </a:r>
+                    </a:p>
+                  </a:txBody>
+                  <a:tcPr anchor="ctr"/>
+                </a:tc>
+                <a:tc>
+                  <a:txBody>
+                    <a:bodyPr/>
+                    <a:lstStyle/>
+                    <a:p>
+                      <a:pPr algn="r" fontAlgn="ctr"/>
+                      <a:r>
+                        <a:rPr lang="en-US" sz="1400" dirty="0">
+                          <a:effectLst/>
+                        </a:rPr>
+                        <a:t>0.007736</a:t>
+                      </a:r>
+                    </a:p>
+                  </a:txBody>
+                  <a:tcPr anchor="ctr"/>
+                </a:tc>
+                <a:tc>
+                  <a:txBody>
+                    <a:bodyPr/>
+                    <a:lstStyle/>
+                    <a:p>
+                      <a:pPr algn="ctr"/>
+                      <a:r>
+                        <a:rPr lang="en-US" sz="1400" b="0" i="0" kern="1200" dirty="0">
+                          <a:solidFill>
+                            <a:schemeClr val="dk1"/>
+                          </a:solidFill>
+                          <a:effectLst/>
+                          <a:latin typeface="+mn-lt"/>
+                          <a:ea typeface="+mn-ea"/>
+                          <a:cs typeface="+mn-cs"/>
+                        </a:rPr>
+                        <a:t>0.1493</a:t>
+                      </a:r>
+                      <a:endParaRPr lang="en-US" sz="1400" dirty="0"/>
+                    </a:p>
+                  </a:txBody>
+                  <a:tcPr/>
+                </a:tc>
+                <a:extLst>
+                  <a:ext uri="{0D108BD9-81ED-4DB2-BD59-A6C34878D82A}">
+                    <a16:rowId xmlns:a16="http://schemas.microsoft.com/office/drawing/2014/main" val="3953378913"/>
+                  </a:ext>
+                </a:extLst>
+              </a:tr>
+            </a:tbl>
+          </a:graphicData>
+        </a:graphic>
+      </p:graphicFrame>
+    </p:spTree>
+    <p:extLst>
+      <p:ext uri="{BB962C8B-B14F-4D97-AF65-F5344CB8AC3E}">
+        <p14:creationId xmlns:p14="http://schemas.microsoft.com/office/powerpoint/2010/main" val="3185114908"/>
+      </p:ext>
+    </p:extLst>
+  </p:cSld>
+  <p:clrMapOvr>
+    <a:masterClrMapping/>
+  </p:clrMapOvr>
+</p:sld>
+</file>
+
+<file path=ppt/slides/slide12.xml><?xml version="1.0" encoding="utf-8"?>
+<p:sld xmlns:a="http://schemas.openxmlformats.org/drawingml/2006/main" xmlns:r="http://schemas.openxmlformats.org/officeDocument/2006/relationships" xmlns:p="http://schemas.openxmlformats.org/presentationml/2006/main">
+  <p:cSld>
+    <p:spTree>
+      <p:nvGrpSpPr>
+        <p:cNvPr id="1" name=""/>
+        <p:cNvGrpSpPr/>
+        <p:nvPr/>
+      </p:nvGrpSpPr>
+      <p:grpSpPr>
+        <a:xfrm>
+          <a:off x="0" y="0"/>
+          <a:ext cx="0" cy="0"/>
+          <a:chOff x="0" y="0"/>
+          <a:chExt cx="0" cy="0"/>
+        </a:xfrm>
+      </p:grpSpPr>
+      <p:sp>
+        <p:nvSpPr>
+          <p:cNvPr id="2" name="Title 1">
+            <a:extLst>
+              <a:ext uri="{FF2B5EF4-FFF2-40B4-BE49-F238E27FC236}">
+                <a16:creationId xmlns:a16="http://schemas.microsoft.com/office/drawing/2014/main" id="{4CCAE64E-A1E6-4F7A-9960-DDF3016765DA}"/>
+              </a:ext>
+            </a:extLst>
+          </p:cNvPr>
+          <p:cNvSpPr>
+            <a:spLocks noGrp="1"/>
+          </p:cNvSpPr>
+          <p:nvPr>
+            <p:ph type="title"/>
+          </p:nvPr>
+        </p:nvSpPr>
+        <p:spPr/>
+        <p:txBody>
+          <a:bodyPr/>
+          <a:lstStyle/>
+          <a:p>
+            <a:r>
+              <a:rPr lang="en-US" dirty="0"/>
+              <a:t>Summary of Models</a:t>
+            </a:r>
+          </a:p>
+        </p:txBody>
+      </p:sp>
+      <p:sp>
+        <p:nvSpPr>
+          <p:cNvPr id="3" name="Content Placeholder 2">
+            <a:extLst>
+              <a:ext uri="{FF2B5EF4-FFF2-40B4-BE49-F238E27FC236}">
+                <a16:creationId xmlns:a16="http://schemas.microsoft.com/office/drawing/2014/main" id="{68DF03A4-751A-4AA6-B623-966794FB9740}"/>
+              </a:ext>
+            </a:extLst>
+          </p:cNvPr>
+          <p:cNvSpPr>
+            <a:spLocks noGrp="1"/>
+          </p:cNvSpPr>
+          <p:nvPr>
+            <p:ph idx="1"/>
+          </p:nvPr>
+        </p:nvSpPr>
+        <p:spPr/>
+        <p:txBody>
+          <a:bodyPr>
+            <a:normAutofit/>
+          </a:bodyPr>
+          <a:lstStyle/>
+          <a:p>
+            <a:pPr>
+              <a:lnSpc>
+                <a:spcPct val="150000"/>
+              </a:lnSpc>
+            </a:pPr>
+            <a:r>
+              <a:rPr lang="en-US" sz="1600" dirty="0" err="1"/>
+              <a:t>XGBoost</a:t>
+            </a:r>
+            <a:r>
+              <a:rPr lang="en-US" sz="1600" dirty="0"/>
+              <a:t> had the best overall performance</a:t>
+            </a:r>
+          </a:p>
+          <a:p>
+            <a:pPr>
+              <a:lnSpc>
+                <a:spcPct val="150000"/>
+              </a:lnSpc>
+            </a:pPr>
+            <a:r>
+              <a:rPr lang="en-US" sz="1600" dirty="0"/>
+              <a:t>Meta-Learners slightly improved performance on train set but not on test set</a:t>
+            </a:r>
+          </a:p>
+          <a:p>
+            <a:pPr>
+              <a:lnSpc>
+                <a:spcPct val="150000"/>
+              </a:lnSpc>
+            </a:pPr>
+            <a:r>
+              <a:rPr lang="en-US" sz="1600" dirty="0"/>
+              <a:t>Extra Tests:</a:t>
+            </a:r>
+          </a:p>
+          <a:p>
+            <a:pPr lvl="1">
+              <a:lnSpc>
+                <a:spcPct val="150000"/>
+              </a:lnSpc>
+            </a:pPr>
+            <a:r>
+              <a:rPr lang="en-US" sz="1600" dirty="0"/>
+              <a:t>Linear model (</a:t>
+            </a:r>
+            <a:r>
+              <a:rPr lang="en-US" sz="1600" dirty="0" err="1"/>
+              <a:t>ElasticNet</a:t>
+            </a:r>
+            <a:r>
+              <a:rPr lang="en-US" sz="1600" dirty="0"/>
+              <a:t>) did not improve performance</a:t>
+            </a:r>
+          </a:p>
+          <a:p>
+            <a:pPr lvl="2">
+              <a:lnSpc>
+                <a:spcPct val="150000"/>
+              </a:lnSpc>
+            </a:pPr>
+            <a:r>
+              <a:rPr lang="en-US" sz="1600" dirty="0"/>
+              <a:t>Possibly due to highly non-linear relationship between features</a:t>
+            </a:r>
+          </a:p>
+          <a:p>
+            <a:pPr lvl="1">
+              <a:lnSpc>
+                <a:spcPct val="150000"/>
+              </a:lnSpc>
+            </a:pPr>
+            <a:r>
+              <a:rPr lang="en-US" sz="1600" dirty="0"/>
+              <a:t>Remove Less Important Features</a:t>
+            </a:r>
+          </a:p>
+          <a:p>
+            <a:pPr lvl="2">
+              <a:lnSpc>
+                <a:spcPct val="150000"/>
+              </a:lnSpc>
+            </a:pPr>
+            <a:r>
+              <a:rPr lang="en-US" sz="1600" dirty="0"/>
+              <a:t>Tested </a:t>
+            </a:r>
+            <a:r>
+              <a:rPr lang="en-US" sz="1600" dirty="0" err="1"/>
+              <a:t>XGBoost</a:t>
+            </a:r>
+            <a:r>
+              <a:rPr lang="en-US" sz="1600" dirty="0"/>
+              <a:t> with a restricted feature set</a:t>
+            </a:r>
+          </a:p>
+          <a:p>
+            <a:pPr lvl="2">
+              <a:lnSpc>
+                <a:spcPct val="150000"/>
+              </a:lnSpc>
+            </a:pPr>
+            <a:r>
+              <a:rPr lang="en-US" sz="1600" dirty="0"/>
+              <a:t>RMSE was essentially the same</a:t>
+            </a:r>
+          </a:p>
+        </p:txBody>
+      </p:sp>
+    </p:spTree>
+    <p:extLst>
+      <p:ext uri="{BB962C8B-B14F-4D97-AF65-F5344CB8AC3E}">
+        <p14:creationId xmlns:p14="http://schemas.microsoft.com/office/powerpoint/2010/main" val="2737339670"/>
+      </p:ext>
+    </p:extLst>
+  </p:cSld>
+  <p:clrMapOvr>
+    <a:masterClrMapping/>
+  </p:clrMapOvr>
+</p:sld>
+</file>
+
+<file path=ppt/slides/slide13.xml><?xml version="1.0" encoding="utf-8"?>
+<p:sld xmlns:a="http://schemas.openxmlformats.org/drawingml/2006/main" xmlns:r="http://schemas.openxmlformats.org/officeDocument/2006/relationships" xmlns:p="http://schemas.openxmlformats.org/presentationml/2006/main">
+  <p:cSld>
     <p:bg>
       <p:bgPr>
         <a:solidFill>
@@ -4680,7 +7090,573 @@
       </p:grpSpPr>
       <p:sp>
         <p:nvSpPr>
-          <p:cNvPr id="10" name="Rectangle 9">
+          <p:cNvPr id="7" name="Rectangle 6">
+            <a:extLst>
+              <a:ext uri="{FF2B5EF4-FFF2-40B4-BE49-F238E27FC236}">
+                <a16:creationId xmlns:a16="http://schemas.microsoft.com/office/drawing/2014/main" id="{C8445298-09CB-4D1D-8A0B-9ED7524EF486}"/>
+              </a:ext>
+            </a:extLst>
+          </p:cNvPr>
+          <p:cNvSpPr/>
+          <p:nvPr/>
+        </p:nvSpPr>
+        <p:spPr>
+          <a:xfrm>
+            <a:off x="114300" y="188843"/>
+            <a:ext cx="11968368" cy="6526694"/>
+          </a:xfrm>
+          <a:prstGeom prst="rect">
+            <a:avLst/>
+          </a:prstGeom>
+          <a:solidFill>
+            <a:schemeClr val="bg1"/>
+          </a:solidFill>
+        </p:spPr>
+        <p:style>
+          <a:lnRef idx="2">
+            <a:schemeClr val="accent1">
+              <a:shade val="50000"/>
+            </a:schemeClr>
+          </a:lnRef>
+          <a:fillRef idx="1">
+            <a:schemeClr val="accent1"/>
+          </a:fillRef>
+          <a:effectRef idx="0">
+            <a:schemeClr val="accent1"/>
+          </a:effectRef>
+          <a:fontRef idx="minor">
+            <a:schemeClr val="lt1"/>
+          </a:fontRef>
+        </p:style>
+        <p:txBody>
+          <a:bodyPr rtlCol="0" anchor="ctr"/>
+          <a:lstStyle/>
+          <a:p>
+            <a:pPr algn="ctr"/>
+            <a:endParaRPr lang="en-US"/>
+          </a:p>
+        </p:txBody>
+      </p:sp>
+      <p:sp>
+        <p:nvSpPr>
+          <p:cNvPr id="2" name="Title 1">
+            <a:extLst>
+              <a:ext uri="{FF2B5EF4-FFF2-40B4-BE49-F238E27FC236}">
+                <a16:creationId xmlns:a16="http://schemas.microsoft.com/office/drawing/2014/main" id="{C9C067DC-46DE-4727-B72D-FE8AF8E1BC2C}"/>
+              </a:ext>
+            </a:extLst>
+          </p:cNvPr>
+          <p:cNvSpPr>
+            <a:spLocks noGrp="1"/>
+          </p:cNvSpPr>
+          <p:nvPr>
+            <p:ph type="title"/>
+          </p:nvPr>
+        </p:nvSpPr>
+        <p:spPr>
+          <a:xfrm>
+            <a:off x="395910" y="534919"/>
+            <a:ext cx="2777986" cy="1222515"/>
+          </a:xfrm>
+          <a:solidFill>
+            <a:schemeClr val="tx1">
+              <a:lumMod val="75000"/>
+              <a:lumOff val="25000"/>
+            </a:schemeClr>
+          </a:solidFill>
+        </p:spPr>
+        <p:txBody>
+          <a:bodyPr>
+            <a:normAutofit/>
+          </a:bodyPr>
+          <a:lstStyle/>
+          <a:p>
+            <a:r>
+              <a:rPr lang="en-US" sz="3600">
+                <a:solidFill>
+                  <a:srgbClr val="FFFFFF"/>
+                </a:solidFill>
+              </a:rPr>
+              <a:t>Feature Importance</a:t>
+            </a:r>
+            <a:endParaRPr lang="en-US" sz="3600" dirty="0">
+              <a:solidFill>
+                <a:srgbClr val="FFFFFF"/>
+              </a:solidFill>
+            </a:endParaRPr>
+          </a:p>
+        </p:txBody>
+      </p:sp>
+      <p:pic>
+        <p:nvPicPr>
+          <p:cNvPr id="3" name="Picture 3" descr="Chart&#10;&#10;Description automatically generated">
+            <a:extLst>
+              <a:ext uri="{FF2B5EF4-FFF2-40B4-BE49-F238E27FC236}">
+                <a16:creationId xmlns:a16="http://schemas.microsoft.com/office/drawing/2014/main" id="{434D5E78-BB40-418C-B9E6-7F1813090B0B}"/>
+              </a:ext>
+            </a:extLst>
+          </p:cNvPr>
+          <p:cNvPicPr>
+            <a:picLocks noChangeAspect="1"/>
+          </p:cNvPicPr>
+          <p:nvPr/>
+        </p:nvPicPr>
+        <p:blipFill>
+          <a:blip r:embed="rId2"/>
+          <a:stretch>
+            <a:fillRect/>
+          </a:stretch>
+        </p:blipFill>
+        <p:spPr>
+          <a:xfrm>
+            <a:off x="3382617" y="536305"/>
+            <a:ext cx="4126395" cy="2621434"/>
+          </a:xfrm>
+          <a:prstGeom prst="rect">
+            <a:avLst/>
+          </a:prstGeom>
+        </p:spPr>
+      </p:pic>
+      <p:pic>
+        <p:nvPicPr>
+          <p:cNvPr id="4" name="Picture 4" descr="Chart&#10;&#10;Description automatically generated">
+            <a:extLst>
+              <a:ext uri="{FF2B5EF4-FFF2-40B4-BE49-F238E27FC236}">
+                <a16:creationId xmlns:a16="http://schemas.microsoft.com/office/drawing/2014/main" id="{8E99C10F-DD1E-433C-98E9-277730D278E5}"/>
+              </a:ext>
+            </a:extLst>
+          </p:cNvPr>
+          <p:cNvPicPr>
+            <a:picLocks noChangeAspect="1"/>
+          </p:cNvPicPr>
+          <p:nvPr/>
+        </p:nvPicPr>
+        <p:blipFill>
+          <a:blip r:embed="rId3"/>
+          <a:stretch>
+            <a:fillRect/>
+          </a:stretch>
+        </p:blipFill>
+        <p:spPr>
+          <a:xfrm>
+            <a:off x="7697856" y="469305"/>
+            <a:ext cx="3563178" cy="2357867"/>
+          </a:xfrm>
+          <a:prstGeom prst="rect">
+            <a:avLst/>
+          </a:prstGeom>
+        </p:spPr>
+      </p:pic>
+      <p:pic>
+        <p:nvPicPr>
+          <p:cNvPr id="5" name="Picture 5" descr="Chart&#10;&#10;Description automatically generated">
+            <a:extLst>
+              <a:ext uri="{FF2B5EF4-FFF2-40B4-BE49-F238E27FC236}">
+                <a16:creationId xmlns:a16="http://schemas.microsoft.com/office/drawing/2014/main" id="{1587E65A-081D-41BD-B029-74C221350E1A}"/>
+              </a:ext>
+            </a:extLst>
+          </p:cNvPr>
+          <p:cNvPicPr>
+            <a:picLocks noChangeAspect="1"/>
+          </p:cNvPicPr>
+          <p:nvPr/>
+        </p:nvPicPr>
+        <p:blipFill>
+          <a:blip r:embed="rId4"/>
+          <a:stretch>
+            <a:fillRect/>
+          </a:stretch>
+        </p:blipFill>
+        <p:spPr>
+          <a:xfrm>
+            <a:off x="7275443" y="2864963"/>
+            <a:ext cx="4358308" cy="3770227"/>
+          </a:xfrm>
+          <a:prstGeom prst="rect">
+            <a:avLst/>
+          </a:prstGeom>
+        </p:spPr>
+      </p:pic>
+      <p:pic>
+        <p:nvPicPr>
+          <p:cNvPr id="6" name="Picture 6" descr="Chart, funnel chart&#10;&#10;Description automatically generated">
+            <a:extLst>
+              <a:ext uri="{FF2B5EF4-FFF2-40B4-BE49-F238E27FC236}">
+                <a16:creationId xmlns:a16="http://schemas.microsoft.com/office/drawing/2014/main" id="{FC8C58AE-C432-47CC-93F7-4E8871D2CADE}"/>
+              </a:ext>
+            </a:extLst>
+          </p:cNvPr>
+          <p:cNvPicPr>
+            <a:picLocks noChangeAspect="1"/>
+          </p:cNvPicPr>
+          <p:nvPr/>
+        </p:nvPicPr>
+        <p:blipFill>
+          <a:blip r:embed="rId5"/>
+          <a:stretch>
+            <a:fillRect/>
+          </a:stretch>
+        </p:blipFill>
+        <p:spPr>
+          <a:xfrm>
+            <a:off x="3167270" y="3332192"/>
+            <a:ext cx="4101547" cy="1982662"/>
+          </a:xfrm>
+          <a:prstGeom prst="rect">
+            <a:avLst/>
+          </a:prstGeom>
+        </p:spPr>
+      </p:pic>
+      <p:sp>
+        <p:nvSpPr>
+          <p:cNvPr id="10" name="TextBox 9">
+            <a:extLst>
+              <a:ext uri="{FF2B5EF4-FFF2-40B4-BE49-F238E27FC236}">
+                <a16:creationId xmlns:a16="http://schemas.microsoft.com/office/drawing/2014/main" id="{199A9E66-931F-4546-B55F-2C7C122F60BB}"/>
+              </a:ext>
+            </a:extLst>
+          </p:cNvPr>
+          <p:cNvSpPr txBox="1"/>
+          <p:nvPr/>
+        </p:nvSpPr>
+        <p:spPr>
+          <a:xfrm>
+            <a:off x="9128677" y="2245829"/>
+            <a:ext cx="2743200" cy="369332"/>
+          </a:xfrm>
+          <a:prstGeom prst="rect">
+            <a:avLst/>
+          </a:prstGeom>
+          <a:noFill/>
+        </p:spPr>
+        <p:txBody>
+          <a:bodyPr rot="0" spcFirstLastPara="0" vertOverflow="overflow" horzOverflow="overflow" vert="horz" wrap="square" lIns="91440" tIns="45720" rIns="91440" bIns="45720" numCol="1" spcCol="0" rtlCol="0" fromWordArt="0" anchor="t" anchorCtr="0" forceAA="0" compatLnSpc="1">
+            <a:prstTxWarp prst="textNoShape">
+              <a:avLst/>
+            </a:prstTxWarp>
+            <a:spAutoFit/>
+          </a:bodyPr>
+          <a:lstStyle/>
+          <a:p>
+            <a:pPr algn="ctr"/>
+            <a:r>
+              <a:rPr lang="en-US" dirty="0" err="1"/>
+              <a:t>GBR_best</a:t>
+            </a:r>
+            <a:endParaRPr lang="en-US"/>
+          </a:p>
+        </p:txBody>
+      </p:sp>
+      <p:sp>
+        <p:nvSpPr>
+          <p:cNvPr id="11" name="TextBox 10">
+            <a:extLst>
+              <a:ext uri="{FF2B5EF4-FFF2-40B4-BE49-F238E27FC236}">
+                <a16:creationId xmlns:a16="http://schemas.microsoft.com/office/drawing/2014/main" id="{4E4B4C45-EC74-454B-AC76-47D91D1FE132}"/>
+              </a:ext>
+            </a:extLst>
+          </p:cNvPr>
+          <p:cNvSpPr txBox="1"/>
+          <p:nvPr/>
+        </p:nvSpPr>
+        <p:spPr>
+          <a:xfrm>
+            <a:off x="4997725" y="2529508"/>
+            <a:ext cx="2039179" cy="369332"/>
+          </a:xfrm>
+          <a:prstGeom prst="rect">
+            <a:avLst/>
+          </a:prstGeom>
+          <a:noFill/>
+        </p:spPr>
+        <p:txBody>
+          <a:bodyPr rot="0" spcFirstLastPara="0" vertOverflow="overflow" horzOverflow="overflow" vert="horz" wrap="square" lIns="91440" tIns="45720" rIns="91440" bIns="45720" numCol="1" spcCol="0" rtlCol="0" fromWordArt="0" anchor="t" anchorCtr="0" forceAA="0" compatLnSpc="1">
+            <a:prstTxWarp prst="textNoShape">
+              <a:avLst/>
+            </a:prstTxWarp>
+            <a:spAutoFit/>
+          </a:bodyPr>
+          <a:lstStyle/>
+          <a:p>
+            <a:pPr algn="ctr"/>
+            <a:r>
+              <a:rPr lang="en-US" dirty="0" err="1"/>
+              <a:t>RFR_best</a:t>
+            </a:r>
+            <a:endParaRPr lang="en-US"/>
+          </a:p>
+        </p:txBody>
+      </p:sp>
+      <p:sp>
+        <p:nvSpPr>
+          <p:cNvPr id="12" name="TextBox 11">
+            <a:extLst>
+              <a:ext uri="{FF2B5EF4-FFF2-40B4-BE49-F238E27FC236}">
+                <a16:creationId xmlns:a16="http://schemas.microsoft.com/office/drawing/2014/main" id="{EBBCF996-CD21-40B2-841B-8172A3D31918}"/>
+              </a:ext>
+            </a:extLst>
+          </p:cNvPr>
+          <p:cNvSpPr txBox="1"/>
+          <p:nvPr/>
+        </p:nvSpPr>
+        <p:spPr>
+          <a:xfrm>
+            <a:off x="9478617" y="6049617"/>
+            <a:ext cx="2743200" cy="369332"/>
+          </a:xfrm>
+          <a:prstGeom prst="rect">
+            <a:avLst/>
+          </a:prstGeom>
+          <a:noFill/>
+        </p:spPr>
+        <p:txBody>
+          <a:bodyPr rot="0" spcFirstLastPara="0" vertOverflow="overflow" horzOverflow="overflow" vert="horz" wrap="square" lIns="91440" tIns="45720" rIns="91440" bIns="45720" numCol="1" spcCol="0" rtlCol="0" fromWordArt="0" anchor="t" anchorCtr="0" forceAA="0" compatLnSpc="1">
+            <a:prstTxWarp prst="textNoShape">
+              <a:avLst/>
+            </a:prstTxWarp>
+            <a:spAutoFit/>
+          </a:bodyPr>
+          <a:lstStyle/>
+          <a:p>
+            <a:pPr algn="ctr"/>
+            <a:r>
+              <a:rPr lang="en-US" dirty="0" err="1"/>
+              <a:t>LGBM_Best</a:t>
+            </a:r>
+            <a:endParaRPr lang="en-US"/>
+          </a:p>
+        </p:txBody>
+      </p:sp>
+      <p:sp>
+        <p:nvSpPr>
+          <p:cNvPr id="13" name="TextBox 12">
+            <a:extLst>
+              <a:ext uri="{FF2B5EF4-FFF2-40B4-BE49-F238E27FC236}">
+                <a16:creationId xmlns:a16="http://schemas.microsoft.com/office/drawing/2014/main" id="{79E35D3F-34B4-476E-AB2E-39DB23216920}"/>
+              </a:ext>
+            </a:extLst>
+          </p:cNvPr>
+          <p:cNvSpPr txBox="1"/>
+          <p:nvPr/>
+        </p:nvSpPr>
+        <p:spPr>
+          <a:xfrm>
+            <a:off x="4838285" y="4705763"/>
+            <a:ext cx="2743200" cy="369332"/>
+          </a:xfrm>
+          <a:prstGeom prst="rect">
+            <a:avLst/>
+          </a:prstGeom>
+          <a:noFill/>
+        </p:spPr>
+        <p:txBody>
+          <a:bodyPr rot="0" spcFirstLastPara="0" vertOverflow="overflow" horzOverflow="overflow" vert="horz" wrap="square" lIns="91440" tIns="45720" rIns="91440" bIns="45720" numCol="1" spcCol="0" rtlCol="0" fromWordArt="0" anchor="t" anchorCtr="0" forceAA="0" compatLnSpc="1">
+            <a:prstTxWarp prst="textNoShape">
+              <a:avLst/>
+            </a:prstTxWarp>
+            <a:spAutoFit/>
+          </a:bodyPr>
+          <a:lstStyle/>
+          <a:p>
+            <a:pPr algn="ctr"/>
+            <a:r>
+              <a:rPr lang="en-US" dirty="0" err="1"/>
+              <a:t>XGBR_best</a:t>
+            </a:r>
+            <a:endParaRPr lang="en-US"/>
+          </a:p>
+        </p:txBody>
+      </p:sp>
+      <p:sp>
+        <p:nvSpPr>
+          <p:cNvPr id="14" name="TextBox 13">
+            <a:extLst>
+              <a:ext uri="{FF2B5EF4-FFF2-40B4-BE49-F238E27FC236}">
+                <a16:creationId xmlns:a16="http://schemas.microsoft.com/office/drawing/2014/main" id="{DF87E1DC-167A-40FD-9636-0E857F531542}"/>
+              </a:ext>
+            </a:extLst>
+          </p:cNvPr>
+          <p:cNvSpPr txBox="1"/>
+          <p:nvPr/>
+        </p:nvSpPr>
+        <p:spPr>
+          <a:xfrm>
+            <a:off x="392595" y="1750944"/>
+            <a:ext cx="2768048" cy="4185761"/>
+          </a:xfrm>
+          <a:prstGeom prst="rect">
+            <a:avLst/>
+          </a:prstGeom>
+          <a:solidFill>
+            <a:schemeClr val="tx1">
+              <a:lumMod val="75000"/>
+              <a:lumOff val="25000"/>
+            </a:schemeClr>
+          </a:solidFill>
+        </p:spPr>
+        <p:txBody>
+          <a:bodyPr rot="0" spcFirstLastPara="0" vertOverflow="overflow" horzOverflow="overflow" vert="horz" wrap="square" lIns="91440" tIns="45720" rIns="91440" bIns="45720" numCol="1" spcCol="0" rtlCol="0" fromWordArt="0" anchor="t" anchorCtr="0" forceAA="0" compatLnSpc="1">
+            <a:prstTxWarp prst="textNoShape">
+              <a:avLst/>
+            </a:prstTxWarp>
+            <a:spAutoFit/>
+          </a:bodyPr>
+          <a:lstStyle/>
+          <a:p>
+            <a:pPr marL="285750" indent="-285750">
+              <a:buFont typeface="Arial"/>
+              <a:buChar char="•"/>
+            </a:pPr>
+            <a:r>
+              <a:rPr lang="en-US" sz="1400" dirty="0">
+                <a:solidFill>
+                  <a:schemeClr val="bg1"/>
+                </a:solidFill>
+                <a:ea typeface="+mn-lt"/>
+                <a:cs typeface="+mn-lt"/>
+              </a:rPr>
+              <a:t>Features frequently selected by a model to grow trees are </a:t>
+            </a:r>
+            <a:r>
+              <a:rPr lang="en-US" sz="1400" dirty="0">
+                <a:solidFill>
+                  <a:srgbClr val="FF0000"/>
+                </a:solidFill>
+              </a:rPr>
+              <a:t>important</a:t>
+            </a:r>
+            <a:r>
+              <a:rPr lang="en-US" sz="1400" dirty="0">
+                <a:solidFill>
+                  <a:schemeClr val="bg1"/>
+                </a:solidFill>
+              </a:rPr>
+              <a:t>.</a:t>
+            </a:r>
+          </a:p>
+          <a:p>
+            <a:pPr marL="285750" indent="-285750">
+              <a:buFont typeface="Arial"/>
+              <a:buChar char="•"/>
+            </a:pPr>
+            <a:endParaRPr lang="en-US" sz="1400" dirty="0">
+              <a:solidFill>
+                <a:schemeClr val="bg1"/>
+              </a:solidFill>
+            </a:endParaRPr>
+          </a:p>
+          <a:p>
+            <a:pPr marL="285750" indent="-285750">
+              <a:buFont typeface="Arial"/>
+              <a:buChar char="•"/>
+            </a:pPr>
+            <a:r>
+              <a:rPr lang="en-US" sz="1400" dirty="0">
+                <a:solidFill>
+                  <a:schemeClr val="bg1"/>
+                </a:solidFill>
+              </a:rPr>
+              <a:t>Different models select different features (# of features) with different frequencies (% feature importance).</a:t>
+            </a:r>
+          </a:p>
+          <a:p>
+            <a:pPr marL="285750" indent="-285750">
+              <a:buFont typeface="Arial"/>
+              <a:buChar char="•"/>
+            </a:pPr>
+            <a:endParaRPr lang="en-US" sz="1400" dirty="0">
+              <a:solidFill>
+                <a:schemeClr val="bg1"/>
+              </a:solidFill>
+            </a:endParaRPr>
+          </a:p>
+          <a:p>
+            <a:pPr marL="285750" indent="-285750">
+              <a:buFont typeface="Arial"/>
+              <a:buChar char="•"/>
+            </a:pPr>
+            <a:r>
+              <a:rPr lang="en-US" sz="1400" b="1" dirty="0">
+                <a:solidFill>
+                  <a:schemeClr val="bg1"/>
+                </a:solidFill>
+              </a:rPr>
+              <a:t>Definition</a:t>
+            </a:r>
+            <a:r>
+              <a:rPr lang="en-US" sz="1400" dirty="0">
+                <a:solidFill>
+                  <a:schemeClr val="bg1"/>
+                </a:solidFill>
+              </a:rPr>
+              <a:t>: a feature is important if it is at least 10% of max feature importance in a model</a:t>
+            </a:r>
+            <a:br>
+              <a:rPr lang="en-US" sz="1400" dirty="0"/>
+            </a:br>
+            <a:endParaRPr lang="en-US" sz="1400" dirty="0">
+              <a:solidFill>
+                <a:schemeClr val="bg1"/>
+              </a:solidFill>
+            </a:endParaRPr>
+          </a:p>
+          <a:p>
+            <a:pPr marL="285750" indent="-285750">
+              <a:buFont typeface="Arial"/>
+              <a:buChar char="•"/>
+            </a:pPr>
+            <a:r>
+              <a:rPr lang="en-US" sz="1400" dirty="0">
+                <a:solidFill>
+                  <a:schemeClr val="bg1"/>
+                </a:solidFill>
+              </a:rPr>
+              <a:t>Normalization allows a way to compare feature importance across models.</a:t>
+            </a:r>
+          </a:p>
+        </p:txBody>
+      </p:sp>
+    </p:spTree>
+    <p:extLst>
+      <p:ext uri="{BB962C8B-B14F-4D97-AF65-F5344CB8AC3E}">
+        <p14:creationId xmlns:p14="http://schemas.microsoft.com/office/powerpoint/2010/main" val="1575952126"/>
+      </p:ext>
+    </p:extLst>
+  </p:cSld>
+  <p:clrMapOvr>
+    <a:masterClrMapping/>
+  </p:clrMapOvr>
+</p:sld>
+</file>
+
+<file path=ppt/slides/slide14.xml><?xml version="1.0" encoding="utf-8"?>
+<p:sld xmlns:a="http://schemas.openxmlformats.org/drawingml/2006/main" xmlns:r="http://schemas.openxmlformats.org/officeDocument/2006/relationships" xmlns:p="http://schemas.openxmlformats.org/presentationml/2006/main">
+  <p:cSld>
+    <p:bg>
+      <p:bgPr>
+        <a:solidFill>
+          <a:schemeClr val="bg1"/>
+        </a:solidFill>
+        <a:effectLst/>
+      </p:bgPr>
+    </p:bg>
+    <p:spTree>
+      <p:nvGrpSpPr>
+        <p:cNvPr id="1" name=""/>
+        <p:cNvGrpSpPr/>
+        <p:nvPr/>
+      </p:nvGrpSpPr>
+      <p:grpSpPr>
+        <a:xfrm>
+          <a:off x="0" y="0"/>
+          <a:ext cx="0" cy="0"/>
+          <a:chOff x="0" y="0"/>
+          <a:chExt cx="0" cy="0"/>
+        </a:xfrm>
+      </p:grpSpPr>
+      <p:sp>
+        <p:nvSpPr>
+          <p:cNvPr id="12" name="Rectangle 11">
             <a:extLst>
               <a:ext uri="{FF2B5EF4-FFF2-40B4-BE49-F238E27FC236}">
                 <a16:creationId xmlns:a16="http://schemas.microsoft.com/office/drawing/2014/main" id="{282E2A95-1A08-4118-83C6-B1CA5648E075}"/>
@@ -4740,7 +7716,7 @@
       </p:sp>
       <p:sp>
         <p:nvSpPr>
-          <p:cNvPr id="12" name="Rectangle 11">
+          <p:cNvPr id="14" name="Rectangle 13">
             <a:extLst>
               <a:ext uri="{FF2B5EF4-FFF2-40B4-BE49-F238E27FC236}">
                 <a16:creationId xmlns:a16="http://schemas.microsoft.com/office/drawing/2014/main" id="{2FFEFC7E-85EE-4AC9-A351-FBEB13A1D622}"/>
@@ -4798,7 +7774,7 @@
       </p:sp>
       <p:sp>
         <p:nvSpPr>
-          <p:cNvPr id="14" name="Rectangle 13">
+          <p:cNvPr id="16" name="Rectangle 15">
             <a:extLst>
               <a:ext uri="{FF2B5EF4-FFF2-40B4-BE49-F238E27FC236}">
                 <a16:creationId xmlns:a16="http://schemas.microsoft.com/office/drawing/2014/main" id="{CB2511BB-FC4C-45F3-94EB-661D6806C942}"/>
@@ -4867,7 +7843,7 @@
           <p:cNvPr id="2" name="Title 1">
             <a:extLst>
               <a:ext uri="{FF2B5EF4-FFF2-40B4-BE49-F238E27FC236}">
-                <a16:creationId xmlns:a16="http://schemas.microsoft.com/office/drawing/2014/main" id="{4CCAE64E-A1E6-4F7A-9960-DDF3016765DA}"/>
+                <a16:creationId xmlns:a16="http://schemas.microsoft.com/office/drawing/2014/main" id="{174F0132-1D3C-DB4C-AA46-8E835EF5BA22}"/>
               </a:ext>
             </a:extLst>
           </p:cNvPr>
@@ -4881,35 +7857,35 @@
         <p:spPr>
           <a:xfrm>
             <a:off x="557720" y="612843"/>
-            <a:ext cx="2312480" cy="1063331"/>
+            <a:ext cx="2312480" cy="1499738"/>
           </a:xfrm>
         </p:spPr>
         <p:txBody>
           <a:bodyPr anchor="b">
-            <a:normAutofit/>
+            <a:normAutofit fontScale="90000"/>
           </a:bodyPr>
           <a:lstStyle/>
           <a:p>
-            <a:r>
-              <a:rPr lang="en-US" sz="2800" dirty="0"/>
-              <a:t>Model Tests</a:t>
-            </a:r>
             <a:br>
               <a:rPr lang="en-US" sz="2800" dirty="0"/>
             </a:br>
             <a:r>
-              <a:rPr lang="en-US" sz="2000" dirty="0"/>
-              <a:t>(Random Forest)</a:t>
+              <a:rPr lang="en-US" sz="2800"/>
+              <a:t>Consistently Important</a:t>
+            </a:r>
+            <a:r>
+              <a:rPr lang="en-US" sz="2800" dirty="0"/>
+              <a:t> Features</a:t>
             </a:r>
           </a:p>
         </p:txBody>
       </p:sp>
       <p:sp>
         <p:nvSpPr>
-          <p:cNvPr id="3" name="Content Placeholder 2">
+          <p:cNvPr id="9" name="Content Placeholder 8">
             <a:extLst>
               <a:ext uri="{FF2B5EF4-FFF2-40B4-BE49-F238E27FC236}">
-                <a16:creationId xmlns:a16="http://schemas.microsoft.com/office/drawing/2014/main" id="{68DF03A4-751A-4AA6-B623-966794FB9740}"/>
+                <a16:creationId xmlns:a16="http://schemas.microsoft.com/office/drawing/2014/main" id="{8B30D5E2-C324-45F0-B540-B73C9A9071B6}"/>
               </a:ext>
             </a:extLst>
           </p:cNvPr>
@@ -4923,38 +7899,28 @@
         <p:spPr>
           <a:xfrm>
             <a:off x="557720" y="2149813"/>
-            <a:ext cx="2312479" cy="4295134"/>
+            <a:ext cx="2312479" cy="3854197"/>
           </a:xfrm>
         </p:spPr>
         <p:txBody>
-          <a:bodyPr>
+          <a:bodyPr vert="horz" lIns="91440" tIns="45720" rIns="91440" bIns="45720" rtlCol="0" anchor="t">
             <a:normAutofit/>
           </a:bodyPr>
           <a:lstStyle/>
           <a:p>
-            <a:pPr>
-              <a:lnSpc>
-                <a:spcPct val="150000"/>
-              </a:lnSpc>
+            <a:pPr marL="0" indent="0">
+              <a:buNone/>
             </a:pPr>
-            <a:r>
-              <a:rPr lang="en-US" sz="1600" dirty="0">
-                <a:solidFill>
-                  <a:schemeClr val="tx1">
-                    <a:lumMod val="85000"/>
-                    <a:lumOff val="15000"/>
-                  </a:schemeClr>
-                </a:solidFill>
-              </a:rPr>
-              <a:t>Advantages:</a:t>
-            </a:r>
-          </a:p>
-          <a:p>
-            <a:pPr lvl="1">
-              <a:lnSpc>
-                <a:spcPct val="150000"/>
-              </a:lnSpc>
-            </a:pPr>
+            <a:endParaRPr lang="en-US" sz="1400" dirty="0">
+              <a:solidFill>
+                <a:schemeClr val="tx1">
+                  <a:lumMod val="85000"/>
+                  <a:lumOff val="15000"/>
+                </a:schemeClr>
+              </a:solidFill>
+            </a:endParaRPr>
+          </a:p>
+          <a:p>
             <a:r>
               <a:rPr lang="en-US" sz="1400" dirty="0">
                 <a:solidFill>
@@ -4964,15 +7930,16 @@
                   </a:schemeClr>
                 </a:solidFill>
               </a:rPr>
-              <a:t>Reduce overfitting</a:t>
-            </a:r>
-          </a:p>
-          <a:p>
-            <a:pPr lvl="1">
-              <a:lnSpc>
-                <a:spcPct val="150000"/>
-              </a:lnSpc>
-            </a:pPr>
+              <a:t>Figure shows features that are at least “important” in </a:t>
+            </a:r>
+            <a:r>
+              <a:rPr lang="en-US" sz="1400" dirty="0">
+                <a:solidFill>
+                  <a:srgbClr val="FF0000"/>
+                </a:solidFill>
+              </a:rPr>
+              <a:t>two </a:t>
+            </a:r>
             <a:r>
               <a:rPr lang="en-US" sz="1400" dirty="0">
                 <a:solidFill>
@@ -4982,15 +7949,20 @@
                   </a:schemeClr>
                 </a:solidFill>
               </a:rPr>
-              <a:t>Handles categorical &amp; numerical features</a:t>
-            </a:r>
-          </a:p>
-          <a:p>
-            <a:pPr lvl="1">
-              <a:lnSpc>
-                <a:spcPct val="150000"/>
-              </a:lnSpc>
-            </a:pPr>
+              <a:t>of the models</a:t>
+            </a:r>
+          </a:p>
+          <a:p>
+            <a:endParaRPr lang="en-US" sz="1400" dirty="0">
+              <a:solidFill>
+                <a:schemeClr val="tx1">
+                  <a:lumMod val="85000"/>
+                  <a:lumOff val="15000"/>
+                </a:schemeClr>
+              </a:solidFill>
+            </a:endParaRPr>
+          </a:p>
+          <a:p>
             <a:r>
               <a:rPr lang="en-US" sz="1400" dirty="0">
                 <a:solidFill>
@@ -5000,33 +7972,16 @@
                   </a:schemeClr>
                 </a:solidFill>
               </a:rPr>
-              <a:t>Handles nonlinearity</a:t>
-            </a:r>
-          </a:p>
-          <a:p>
-            <a:pPr>
-              <a:lnSpc>
-                <a:spcPct val="150000"/>
-              </a:lnSpc>
-            </a:pPr>
-            <a:r>
-              <a:rPr lang="en-US" sz="1600" dirty="0">
+              <a:t>Most important features are </a:t>
+            </a:r>
+            <a:r>
+              <a:rPr lang="en-US" sz="1400" dirty="0">
                 <a:solidFill>
-                  <a:schemeClr val="tx1">
-                    <a:lumMod val="85000"/>
-                    <a:lumOff val="15000"/>
-                  </a:schemeClr>
+                  <a:srgbClr val="FF0000"/>
                 </a:solidFill>
               </a:rPr>
-              <a:t>Weaknesses:</a:t>
-            </a:r>
-          </a:p>
-          <a:p>
-            <a:pPr lvl="1">
-              <a:lnSpc>
-                <a:spcPct val="150000"/>
-              </a:lnSpc>
-            </a:pPr>
+              <a:t>house size</a:t>
+            </a:r>
             <a:r>
               <a:rPr lang="en-US" sz="1400" dirty="0">
                 <a:solidFill>
@@ -5036,15 +7991,16 @@
                   </a:schemeClr>
                 </a:solidFill>
               </a:rPr>
-              <a:t>Suffers a lack of interpretability</a:t>
-            </a:r>
-          </a:p>
-          <a:p>
-            <a:pPr lvl="1">
-              <a:lnSpc>
-                <a:spcPct val="150000"/>
-              </a:lnSpc>
-            </a:pPr>
+              <a:t> and</a:t>
+            </a:r>
+            <a:r>
+              <a:rPr lang="en-US" sz="1400" dirty="0">
+                <a:solidFill>
+                  <a:srgbClr val="FF0000"/>
+                </a:solidFill>
+              </a:rPr>
+              <a:t> house quality</a:t>
+            </a:r>
             <a:r>
               <a:rPr lang="en-US" sz="1400" dirty="0">
                 <a:solidFill>
@@ -5054,17 +8010,32 @@
                   </a:schemeClr>
                 </a:solidFill>
               </a:rPr>
-              <a:t>Less efficient</a:t>
+              <a:t>. </a:t>
             </a:r>
           </a:p>
           <a:p>
             <a:pPr>
-              <a:lnSpc>
-                <a:spcPct val="150000"/>
-              </a:lnSpc>
+              <a:buClr>
+                <a:srgbClr val="FFFFFF"/>
+              </a:buClr>
             </a:pPr>
-            <a:r>
-              <a:rPr lang="en-US" sz="1600" dirty="0">
+            <a:endParaRPr lang="en-US" sz="1400" dirty="0">
+              <a:solidFill>
+                <a:schemeClr val="tx1">
+                  <a:lumMod val="85000"/>
+                  <a:lumOff val="15000"/>
+                </a:schemeClr>
+              </a:solidFill>
+            </a:endParaRPr>
+          </a:p>
+          <a:p>
+            <a:pPr>
+              <a:buClr>
+                <a:srgbClr val="FFFFFF"/>
+              </a:buClr>
+            </a:pPr>
+            <a:r>
+              <a:rPr lang="en-US" sz="1400" dirty="0">
                 <a:solidFill>
                   <a:schemeClr val="tx1">
                     <a:lumMod val="85000"/>
@@ -5072,14 +8043,22 @@
                   </a:schemeClr>
                 </a:solidFill>
               </a:rPr>
-              <a:t>RMSE: 0.141889</a:t>
-            </a:r>
+              <a:t>Neighborhood, which includes local amenities, is also important.</a:t>
+            </a:r>
+            <a:endParaRPr lang="en-US" dirty="0">
+              <a:solidFill>
+                <a:schemeClr val="tx1">
+                  <a:lumMod val="85000"/>
+                  <a:lumOff val="15000"/>
+                </a:schemeClr>
+              </a:solidFill>
+            </a:endParaRPr>
           </a:p>
         </p:txBody>
       </p:sp>
       <p:sp>
         <p:nvSpPr>
-          <p:cNvPr id="16" name="Rectangle 15">
+          <p:cNvPr id="18" name="Rectangle 17">
             <a:extLst>
               <a:ext uri="{FF2B5EF4-FFF2-40B4-BE49-F238E27FC236}">
                 <a16:creationId xmlns:a16="http://schemas.microsoft.com/office/drawing/2014/main" id="{68DC0EC7-60EA-4BD3-BC04-D547DE1B2891}"/>
@@ -5121,15 +8100,15 @@
       </p:sp>
       <p:pic>
         <p:nvPicPr>
-          <p:cNvPr id="5122" name="Picture 2">
+          <p:cNvPr id="5" name="Content Placeholder 4" descr="Chart, bar chart&#10;&#10;Description automatically generated">
             <a:extLst>
               <a:ext uri="{FF2B5EF4-FFF2-40B4-BE49-F238E27FC236}">
-                <a16:creationId xmlns:a16="http://schemas.microsoft.com/office/drawing/2014/main" id="{279F4174-A845-4586-ABA0-1BDFFEF8E736}"/>
+                <a16:creationId xmlns:a16="http://schemas.microsoft.com/office/drawing/2014/main" id="{B9C6EEE7-607F-544D-B89B-F1ADCE169F86}"/>
               </a:ext>
             </a:extLst>
           </p:cNvPr>
           <p:cNvPicPr>
-            <a:picLocks noChangeAspect="1" noChangeArrowheads="1"/>
+            <a:picLocks noChangeAspect="1"/>
           </p:cNvPicPr>
           <p:nvPr/>
         </p:nvPicPr>
@@ -5141,35 +8120,24 @@
               </a:ext>
             </a:extLst>
           </a:blip>
-          <a:srcRect/>
           <a:stretch>
             <a:fillRect/>
           </a:stretch>
         </p:blipFill>
-        <p:spPr bwMode="auto">
+        <p:spPr>
           <a:xfrm>
-            <a:off x="3569764" y="1426051"/>
-            <a:ext cx="8153400" cy="4038600"/>
+            <a:off x="3569764" y="223354"/>
+            <a:ext cx="8537234" cy="6426493"/>
           </a:xfrm>
           <a:prstGeom prst="rect">
             <a:avLst/>
           </a:prstGeom>
-          <a:noFill/>
-          <a:extLst>
-            <a:ext uri="{909E8E84-426E-40DD-AFC4-6F175D3DCCD1}">
-              <a14:hiddenFill xmlns:a14="http://schemas.microsoft.com/office/drawing/2010/main">
-                <a:solidFill>
-                  <a:srgbClr val="FFFFFF"/>
-                </a:solidFill>
-              </a14:hiddenFill>
-            </a:ext>
-          </a:extLst>
         </p:spPr>
       </p:pic>
     </p:spTree>
     <p:extLst>
       <p:ext uri="{BB962C8B-B14F-4D97-AF65-F5344CB8AC3E}">
-        <p14:creationId xmlns:p14="http://schemas.microsoft.com/office/powerpoint/2010/main" val="3546765481"/>
+        <p14:creationId xmlns:p14="http://schemas.microsoft.com/office/powerpoint/2010/main" val="258087267"/>
       </p:ext>
     </p:extLst>
   </p:cSld>
@@ -5179,7 +8147,7 @@
 </p:sld>
 </file>
 
-<file path=ppt/slides/slide11.xml><?xml version="1.0" encoding="utf-8"?>
+<file path=ppt/slides/slide15.xml><?xml version="1.0" encoding="utf-8"?>
 <p:sld xmlns:a="http://schemas.openxmlformats.org/drawingml/2006/main" xmlns:r="http://schemas.openxmlformats.org/officeDocument/2006/relationships" xmlns:p="http://schemas.openxmlformats.org/presentationml/2006/main">
   <p:cSld>
     <p:bg>
@@ -5206,7 +8174,7 @@
       </p:grpSpPr>
       <p:sp>
         <p:nvSpPr>
-          <p:cNvPr id="71" name="Rectangle 70">
+          <p:cNvPr id="81" name="Rectangle 80">
             <a:extLst>
               <a:ext uri="{FF2B5EF4-FFF2-40B4-BE49-F238E27FC236}">
                 <a16:creationId xmlns:a16="http://schemas.microsoft.com/office/drawing/2014/main" id="{282E2A95-1A08-4118-83C6-B1CA5648E075}"/>
@@ -5266,7 +8234,7 @@
       </p:sp>
       <p:sp>
         <p:nvSpPr>
-          <p:cNvPr id="73" name="Rectangle 72">
+          <p:cNvPr id="83" name="Rectangle 82">
             <a:extLst>
               <a:ext uri="{FF2B5EF4-FFF2-40B4-BE49-F238E27FC236}">
                 <a16:creationId xmlns:a16="http://schemas.microsoft.com/office/drawing/2014/main" id="{2FFEFC7E-85EE-4AC9-A351-FBEB13A1D622}"/>
@@ -5324,7 +8292,7 @@
       </p:sp>
       <p:sp>
         <p:nvSpPr>
-          <p:cNvPr id="75" name="Rectangle 74">
+          <p:cNvPr id="85" name="Rectangle 84">
             <a:extLst>
               <a:ext uri="{FF2B5EF4-FFF2-40B4-BE49-F238E27FC236}">
                 <a16:creationId xmlns:a16="http://schemas.microsoft.com/office/drawing/2014/main" id="{CB2511BB-FC4C-45F3-94EB-661D6806C942}"/>
@@ -5390,52 +8358,10 @@
       </p:sp>
       <p:sp>
         <p:nvSpPr>
-          <p:cNvPr id="2" name="Title 1">
+          <p:cNvPr id="78" name="Content Placeholder 77">
             <a:extLst>
               <a:ext uri="{FF2B5EF4-FFF2-40B4-BE49-F238E27FC236}">
-                <a16:creationId xmlns:a16="http://schemas.microsoft.com/office/drawing/2014/main" id="{4CCAE64E-A1E6-4F7A-9960-DDF3016765DA}"/>
-              </a:ext>
-            </a:extLst>
-          </p:cNvPr>
-          <p:cNvSpPr>
-            <a:spLocks noGrp="1"/>
-          </p:cNvSpPr>
-          <p:nvPr>
-            <p:ph type="title"/>
-          </p:nvPr>
-        </p:nvSpPr>
-        <p:spPr>
-          <a:xfrm>
-            <a:off x="557720" y="612843"/>
-            <a:ext cx="2312480" cy="1063331"/>
-          </a:xfrm>
-        </p:spPr>
-        <p:txBody>
-          <a:bodyPr anchor="b">
-            <a:normAutofit/>
-          </a:bodyPr>
-          <a:lstStyle/>
-          <a:p>
-            <a:r>
-              <a:rPr lang="en-US" sz="2800" dirty="0"/>
-              <a:t>Model Tests</a:t>
-            </a:r>
-            <a:br>
-              <a:rPr lang="en-US" sz="2800" dirty="0"/>
-            </a:br>
-            <a:r>
-              <a:rPr lang="en-US" sz="2000" dirty="0"/>
-              <a:t>(Gradient Boosting)</a:t>
-            </a:r>
-          </a:p>
-        </p:txBody>
-      </p:sp>
-      <p:sp>
-        <p:nvSpPr>
-          <p:cNvPr id="3" name="Content Placeholder 2">
-            <a:extLst>
-              <a:ext uri="{FF2B5EF4-FFF2-40B4-BE49-F238E27FC236}">
-                <a16:creationId xmlns:a16="http://schemas.microsoft.com/office/drawing/2014/main" id="{68DF03A4-751A-4AA6-B623-966794FB9740}"/>
+                <a16:creationId xmlns:a16="http://schemas.microsoft.com/office/drawing/2014/main" id="{48E3DCE5-FB0D-4CBC-99F4-E47322466B1B}"/>
               </a:ext>
             </a:extLst>
           </p:cNvPr>
@@ -5448,38 +8374,18 @@
         </p:nvSpPr>
         <p:spPr>
           <a:xfrm>
-            <a:off x="557720" y="2149813"/>
-            <a:ext cx="2312479" cy="3854197"/>
+            <a:off x="557720" y="599441"/>
+            <a:ext cx="2312479" cy="5404570"/>
           </a:xfrm>
         </p:spPr>
         <p:txBody>
-          <a:bodyPr>
+          <a:bodyPr vert="horz" lIns="91440" tIns="45720" rIns="91440" bIns="45720" rtlCol="0" anchor="t">
             <a:normAutofit/>
           </a:bodyPr>
           <a:lstStyle/>
           <a:p>
-            <a:pPr>
-              <a:lnSpc>
-                <a:spcPct val="150000"/>
-              </a:lnSpc>
-            </a:pPr>
-            <a:r>
-              <a:rPr lang="en-US" sz="1600" dirty="0">
-                <a:solidFill>
-                  <a:schemeClr val="tx1">
-                    <a:lumMod val="85000"/>
-                    <a:lumOff val="15000"/>
-                  </a:schemeClr>
-                </a:solidFill>
-              </a:rPr>
-              <a:t>Advantages:</a:t>
-            </a:r>
-          </a:p>
-          <a:p>
-            <a:pPr lvl="1">
-              <a:lnSpc>
-                <a:spcPct val="150000"/>
-              </a:lnSpc>
+            <a:pPr marL="0" indent="0">
+              <a:buNone/>
             </a:pPr>
             <a:r>
               <a:rPr lang="en-US" sz="1400" dirty="0">
@@ -5490,33 +8396,16 @@
                   </a:schemeClr>
                 </a:solidFill>
               </a:rPr>
-              <a:t>Performs optimization in function space</a:t>
-            </a:r>
-          </a:p>
-          <a:p>
-            <a:pPr>
-              <a:lnSpc>
-                <a:spcPct val="150000"/>
-              </a:lnSpc>
-            </a:pPr>
-            <a:r>
-              <a:rPr lang="en-US" sz="1600" dirty="0">
+              <a:t>Narrowing down the most important features: features that appear as "important" in at least </a:t>
+            </a:r>
+            <a:r>
+              <a:rPr lang="en-US" sz="1400" dirty="0">
                 <a:solidFill>
-                  <a:schemeClr val="tx1">
-                    <a:lumMod val="85000"/>
-                    <a:lumOff val="15000"/>
-                  </a:schemeClr>
+                  <a:srgbClr val="FF0000"/>
                 </a:solidFill>
               </a:rPr>
-              <a:t>Weaknesses</a:t>
-            </a:r>
-          </a:p>
-          <a:p>
-            <a:pPr lvl="1">
-              <a:lnSpc>
-                <a:spcPct val="150000"/>
-              </a:lnSpc>
-            </a:pPr>
+              <a:t>three </a:t>
+            </a:r>
             <a:r>
               <a:rPr lang="en-US" sz="1400" dirty="0">
                 <a:solidFill>
@@ -5526,17 +8415,25 @@
                   </a:schemeClr>
                 </a:solidFill>
               </a:rPr>
-              <a:t>Sensitive to overfitting on noisy data</a:t>
-            </a:r>
-          </a:p>
-          <a:p>
-            <a:pPr>
-              <a:lnSpc>
-                <a:spcPct val="150000"/>
-              </a:lnSpc>
+              <a:t>models.</a:t>
+            </a:r>
+          </a:p>
+          <a:p>
+            <a:pPr marL="0" indent="0">
+              <a:buNone/>
             </a:pPr>
-            <a:r>
-              <a:rPr lang="en-US" sz="1600" dirty="0">
+            <a:endParaRPr lang="en-US" sz="1400" dirty="0">
+              <a:solidFill>
+                <a:schemeClr val="tx1">
+                  <a:lumMod val="85000"/>
+                  <a:lumOff val="15000"/>
+                </a:schemeClr>
+              </a:solidFill>
+            </a:endParaRPr>
+          </a:p>
+          <a:p>
+            <a:r>
+              <a:rPr lang="en-US" sz="1400" dirty="0">
                 <a:solidFill>
                   <a:schemeClr val="tx1">
                     <a:lumMod val="85000"/>
@@ -5544,14 +8441,147 @@
                   </a:schemeClr>
                 </a:solidFill>
               </a:rPr>
-              <a:t>RMSE: 0.115635</a:t>
-            </a:r>
+              <a:t>Important features are positively correlated with sale price.</a:t>
+            </a:r>
+          </a:p>
+          <a:p>
+            <a:endParaRPr lang="en-US" sz="1400" dirty="0">
+              <a:solidFill>
+                <a:schemeClr val="tx1">
+                  <a:lumMod val="85000"/>
+                  <a:lumOff val="15000"/>
+                </a:schemeClr>
+              </a:solidFill>
+            </a:endParaRPr>
+          </a:p>
+          <a:p>
+            <a:pPr>
+              <a:buClr>
+                <a:srgbClr val="FFFFFF"/>
+              </a:buClr>
+            </a:pPr>
+            <a:r>
+              <a:rPr lang="en-US" sz="1400" dirty="0">
+                <a:solidFill>
+                  <a:schemeClr val="tx1">
+                    <a:lumMod val="85000"/>
+                    <a:lumOff val="15000"/>
+                  </a:schemeClr>
+                </a:solidFill>
+              </a:rPr>
+              <a:t>Strongest correlation:</a:t>
+            </a:r>
+          </a:p>
+          <a:p>
+            <a:pPr lvl="1">
+              <a:buClr>
+                <a:srgbClr val="FFFFFF"/>
+              </a:buClr>
+            </a:pPr>
+            <a:r>
+              <a:rPr lang="en-US" sz="1200" dirty="0">
+                <a:solidFill>
+                  <a:schemeClr val="tx1">
+                    <a:lumMod val="85000"/>
+                    <a:lumOff val="15000"/>
+                  </a:schemeClr>
+                </a:solidFill>
+              </a:rPr>
+              <a:t>Total square footage</a:t>
+            </a:r>
+          </a:p>
+          <a:p>
+            <a:pPr lvl="1">
+              <a:buClr>
+                <a:srgbClr val="FFFFFF"/>
+              </a:buClr>
+            </a:pPr>
+            <a:r>
+              <a:rPr lang="en-US" sz="1200" dirty="0">
+                <a:solidFill>
+                  <a:schemeClr val="tx1">
+                    <a:lumMod val="85000"/>
+                    <a:lumOff val="15000"/>
+                  </a:schemeClr>
+                </a:solidFill>
+              </a:rPr>
+              <a:t>Overall quality</a:t>
+            </a:r>
+          </a:p>
+          <a:p>
+            <a:pPr lvl="1">
+              <a:buClr>
+                <a:srgbClr val="FFFFFF"/>
+              </a:buClr>
+            </a:pPr>
+            <a:r>
+              <a:rPr lang="en-US" sz="1200" dirty="0">
+                <a:solidFill>
+                  <a:schemeClr val="tx1">
+                    <a:lumMod val="85000"/>
+                    <a:lumOff val="15000"/>
+                  </a:schemeClr>
+                </a:solidFill>
+              </a:rPr>
+              <a:t>Above ground living area</a:t>
+            </a:r>
+          </a:p>
+          <a:p>
+            <a:pPr>
+              <a:buClr>
+                <a:srgbClr val="FFFFFF"/>
+              </a:buClr>
+            </a:pPr>
+            <a:endParaRPr lang="en-US" sz="1400" dirty="0">
+              <a:solidFill>
+                <a:schemeClr val="tx1">
+                  <a:lumMod val="85000"/>
+                  <a:lumOff val="15000"/>
+                </a:schemeClr>
+              </a:solidFill>
+            </a:endParaRPr>
+          </a:p>
+          <a:p>
+            <a:pPr>
+              <a:buClr>
+                <a:srgbClr val="FFFFFF"/>
+              </a:buClr>
+            </a:pPr>
+            <a:r>
+              <a:rPr lang="en-US" sz="1400" dirty="0">
+                <a:solidFill>
+                  <a:schemeClr val="tx1">
+                    <a:lumMod val="85000"/>
+                    <a:lumOff val="15000"/>
+                  </a:schemeClr>
+                </a:solidFill>
+              </a:rPr>
+              <a:t>One exception is basement Type 1 finished square footage, which somewhat weakly correlated.</a:t>
+            </a:r>
+            <a:endParaRPr lang="en-US" dirty="0">
+              <a:solidFill>
+                <a:schemeClr val="tx1">
+                  <a:lumMod val="85000"/>
+                  <a:lumOff val="15000"/>
+                </a:schemeClr>
+              </a:solidFill>
+            </a:endParaRPr>
+          </a:p>
+          <a:p>
+            <a:endParaRPr lang="en-US" sz="1400" dirty="0">
+              <a:solidFill>
+                <a:schemeClr val="tx1">
+                  <a:lumMod val="85000"/>
+                  <a:lumOff val="15000"/>
+                </a:schemeClr>
+              </a:solidFill>
+            </a:endParaRPr>
           </a:p>
         </p:txBody>
       </p:sp>
       <p:sp>
         <p:nvSpPr>
-          <p:cNvPr id="77" name="Rectangle 76">
+          <p:cNvPr id="87" name="Rectangle 86">
             <a:extLst>
               <a:ext uri="{FF2B5EF4-FFF2-40B4-BE49-F238E27FC236}">
                 <a16:creationId xmlns:a16="http://schemas.microsoft.com/office/drawing/2014/main" id="{68DC0EC7-60EA-4BD3-BC04-D547DE1B2891}"/>
@@ -5591,17 +8621,66 @@
           <a:effectLst/>
         </p:spPr>
       </p:sp>
+      <p:sp>
+        <p:nvSpPr>
+          <p:cNvPr id="6" name="Rectangle 5">
+            <a:extLst>
+              <a:ext uri="{FF2B5EF4-FFF2-40B4-BE49-F238E27FC236}">
+                <a16:creationId xmlns:a16="http://schemas.microsoft.com/office/drawing/2014/main" id="{3390DD46-6B6A-EB46-A0F3-865F07A0E6CA}"/>
+              </a:ext>
+            </a:extLst>
+          </p:cNvPr>
+          <p:cNvSpPr/>
+          <p:nvPr/>
+        </p:nvSpPr>
+        <p:spPr>
+          <a:xfrm>
+            <a:off x="3291840" y="71120"/>
+            <a:ext cx="8778240" cy="6705600"/>
+          </a:xfrm>
+          <a:prstGeom prst="rect">
+            <a:avLst/>
+          </a:prstGeom>
+          <a:ln>
+            <a:solidFill>
+              <a:schemeClr val="tx1"/>
+            </a:solidFill>
+          </a:ln>
+        </p:spPr>
+        <p:style>
+          <a:lnRef idx="2">
+            <a:schemeClr val="accent6"/>
+          </a:lnRef>
+          <a:fillRef idx="1">
+            <a:schemeClr val="lt1"/>
+          </a:fillRef>
+          <a:effectRef idx="0">
+            <a:schemeClr val="accent6"/>
+          </a:effectRef>
+          <a:fontRef idx="minor">
+            <a:schemeClr val="dk1"/>
+          </a:fontRef>
+        </p:style>
+        <p:txBody>
+          <a:bodyPr rtlCol="0" anchor="ctr"/>
+          <a:lstStyle/>
+          <a:p>
+            <a:pPr algn="ctr"/>
+            <a:endParaRPr lang="en-US" dirty="0"/>
+          </a:p>
+        </p:txBody>
+      </p:sp>
       <p:pic>
         <p:nvPicPr>
-          <p:cNvPr id="8194" name="Picture 2">
+          <p:cNvPr id="5" name="Content Placeholder 4" descr="Chart, treemap chart&#10;&#10;Description automatically generated">
             <a:extLst>
               <a:ext uri="{FF2B5EF4-FFF2-40B4-BE49-F238E27FC236}">
-                <a16:creationId xmlns:a16="http://schemas.microsoft.com/office/drawing/2014/main" id="{36ED21E1-8BBC-4279-BE8F-179061ED742A}"/>
+                <a16:creationId xmlns:a16="http://schemas.microsoft.com/office/drawing/2014/main" id="{F337DF5F-C3A6-2D40-AC58-E7050546C936}"/>
               </a:ext>
             </a:extLst>
           </p:cNvPr>
           <p:cNvPicPr>
-            <a:picLocks noChangeAspect="1" noChangeArrowheads="1"/>
+            <a:picLocks noChangeAspect="1"/>
           </p:cNvPicPr>
           <p:nvPr/>
         </p:nvPicPr>
@@ -5613,1352 +8692,14 @@
               </a:ext>
             </a:extLst>
           </a:blip>
-          <a:srcRect/>
-          <a:stretch>
-            <a:fillRect/>
-          </a:stretch>
-        </p:blipFill>
-        <p:spPr bwMode="auto">
-          <a:xfrm>
-            <a:off x="3569764" y="1426051"/>
-            <a:ext cx="8153400" cy="4038600"/>
-          </a:xfrm>
-          <a:prstGeom prst="rect">
-            <a:avLst/>
-          </a:prstGeom>
-          <a:noFill/>
-          <a:extLst>
-            <a:ext uri="{909E8E84-426E-40DD-AFC4-6F175D3DCCD1}">
-              <a14:hiddenFill xmlns:a14="http://schemas.microsoft.com/office/drawing/2010/main">
-                <a:solidFill>
-                  <a:srgbClr val="FFFFFF"/>
-                </a:solidFill>
-              </a14:hiddenFill>
-            </a:ext>
-          </a:extLst>
-        </p:spPr>
-      </p:pic>
-    </p:spTree>
-    <p:extLst>
-      <p:ext uri="{BB962C8B-B14F-4D97-AF65-F5344CB8AC3E}">
-        <p14:creationId xmlns:p14="http://schemas.microsoft.com/office/powerpoint/2010/main" val="1209454386"/>
-      </p:ext>
-    </p:extLst>
-  </p:cSld>
-  <p:clrMapOvr>
-    <a:overrideClrMapping bg1="dk1" tx1="lt1" bg2="dk2" tx2="lt2" accent1="accent1" accent2="accent2" accent3="accent3" accent4="accent4" accent5="accent5" accent6="accent6" hlink="hlink" folHlink="folHlink"/>
-  </p:clrMapOvr>
-</p:sld>
-</file>
-
-<file path=ppt/slides/slide12.xml><?xml version="1.0" encoding="utf-8"?>
-<p:sld xmlns:a="http://schemas.openxmlformats.org/drawingml/2006/main" xmlns:r="http://schemas.openxmlformats.org/officeDocument/2006/relationships" xmlns:p="http://schemas.openxmlformats.org/presentationml/2006/main">
-  <p:cSld>
-    <p:bg>
-      <p:bgPr>
-        <a:solidFill>
-          <a:schemeClr val="bg1"/>
-        </a:solidFill>
-        <a:effectLst/>
-      </p:bgPr>
-    </p:bg>
-    <p:spTree>
-      <p:nvGrpSpPr>
-        <p:cNvPr id="1" name=""/>
-        <p:cNvGrpSpPr/>
-        <p:nvPr/>
-      </p:nvGrpSpPr>
-      <p:grpSpPr>
-        <a:xfrm>
-          <a:off x="0" y="0"/>
-          <a:ext cx="0" cy="0"/>
-          <a:chOff x="0" y="0"/>
-          <a:chExt cx="0" cy="0"/>
-        </a:xfrm>
-      </p:grpSpPr>
-      <p:sp>
-        <p:nvSpPr>
-          <p:cNvPr id="71" name="Rectangle 70">
-            <a:extLst>
-              <a:ext uri="{FF2B5EF4-FFF2-40B4-BE49-F238E27FC236}">
-                <a16:creationId xmlns:a16="http://schemas.microsoft.com/office/drawing/2014/main" id="{282E2A95-1A08-4118-83C6-B1CA5648E075}"/>
-              </a:ext>
-              <a:ext uri="{C183D7F6-B498-43B3-948B-1728B52AA6E4}">
-                <adec:decorative xmlns:adec="http://schemas.microsoft.com/office/drawing/2017/decorative" val="1"/>
-              </a:ext>
-            </a:extLst>
-          </p:cNvPr>
-          <p:cNvSpPr>
-            <a:spLocks noGrp="1" noRot="1" noChangeAspect="1" noMove="1" noResize="1" noEditPoints="1" noAdjustHandles="1" noChangeArrowheads="1" noChangeShapeType="1" noTextEdit="1"/>
-          </p:cNvSpPr>
-          <p:nvPr>
-            <p:extLst>
-              <p:ext uri="{386F3935-93C4-4BCD-93E2-E3B085C9AB24}">
-                <p16:designElem xmlns:p16="http://schemas.microsoft.com/office/powerpoint/2015/main" val="1"/>
-              </p:ext>
-            </p:extLst>
-          </p:nvPr>
-        </p:nvSpPr>
-        <p:spPr>
-          <a:xfrm>
-            <a:off x="0" y="0"/>
-            <a:ext cx="12192000" cy="6858000"/>
-          </a:xfrm>
-          <a:prstGeom prst="rect">
-            <a:avLst/>
-          </a:prstGeom>
-          <a:ln>
-            <a:noFill/>
-          </a:ln>
-        </p:spPr>
-        <p:style>
-          <a:lnRef idx="2">
-            <a:schemeClr val="accent1">
-              <a:shade val="50000"/>
-            </a:schemeClr>
-          </a:lnRef>
-          <a:fillRef idx="1001">
-            <a:schemeClr val="lt1"/>
-          </a:fillRef>
-          <a:effectRef idx="0">
-            <a:schemeClr val="accent1"/>
-          </a:effectRef>
-          <a:fontRef idx="minor">
-            <a:schemeClr val="lt1"/>
-          </a:fontRef>
-        </p:style>
-        <p:txBody>
-          <a:bodyPr rtlCol="0" anchor="ctr"/>
-          <a:lstStyle/>
-          <a:p>
-            <a:pPr algn="ctr"/>
-            <a:endParaRPr lang="en-US"/>
-          </a:p>
-        </p:txBody>
-      </p:sp>
-      <p:sp>
-        <p:nvSpPr>
-          <p:cNvPr id="73" name="Rectangle 72">
-            <a:extLst>
-              <a:ext uri="{FF2B5EF4-FFF2-40B4-BE49-F238E27FC236}">
-                <a16:creationId xmlns:a16="http://schemas.microsoft.com/office/drawing/2014/main" id="{2FFEFC7E-85EE-4AC9-A351-FBEB13A1D622}"/>
-              </a:ext>
-              <a:ext uri="{C183D7F6-B498-43B3-948B-1728B52AA6E4}">
-                <adec:decorative xmlns:adec="http://schemas.microsoft.com/office/drawing/2017/decorative" val="1"/>
-              </a:ext>
-            </a:extLst>
-          </p:cNvPr>
-          <p:cNvSpPr>
-            <a:spLocks noGrp="1" noRot="1" noChangeAspect="1" noMove="1" noResize="1" noEditPoints="1" noAdjustHandles="1" noChangeArrowheads="1" noChangeShapeType="1" noTextEdit="1"/>
-          </p:cNvSpPr>
-          <p:nvPr>
-            <p:extLst>
-              <p:ext uri="{386F3935-93C4-4BCD-93E2-E3B085C9AB24}">
-                <p16:designElem xmlns:p16="http://schemas.microsoft.com/office/powerpoint/2015/main" val="1"/>
-              </p:ext>
-            </p:extLst>
-          </p:nvPr>
-        </p:nvSpPr>
-        <p:spPr>
-          <a:xfrm>
-            <a:off x="245534" y="237744"/>
-            <a:ext cx="2926080" cy="6382512"/>
-          </a:xfrm>
-          <a:prstGeom prst="rect">
-            <a:avLst/>
-          </a:prstGeom>
-          <a:solidFill>
-            <a:schemeClr val="bg1">
-              <a:lumMod val="75000"/>
-              <a:lumOff val="25000"/>
-            </a:schemeClr>
-          </a:solidFill>
-          <a:ln>
-            <a:noFill/>
-          </a:ln>
-        </p:spPr>
-        <p:style>
-          <a:lnRef idx="2">
-            <a:schemeClr val="accent1">
-              <a:shade val="50000"/>
-            </a:schemeClr>
-          </a:lnRef>
-          <a:fillRef idx="1">
-            <a:schemeClr val="accent1"/>
-          </a:fillRef>
-          <a:effectRef idx="0">
-            <a:schemeClr val="accent1"/>
-          </a:effectRef>
-          <a:fontRef idx="minor">
-            <a:schemeClr val="lt1"/>
-          </a:fontRef>
-        </p:style>
-      </p:sp>
-      <p:sp>
-        <p:nvSpPr>
-          <p:cNvPr id="75" name="Rectangle 74">
-            <a:extLst>
-              <a:ext uri="{FF2B5EF4-FFF2-40B4-BE49-F238E27FC236}">
-                <a16:creationId xmlns:a16="http://schemas.microsoft.com/office/drawing/2014/main" id="{CB2511BB-FC4C-45F3-94EB-661D6806C942}"/>
-              </a:ext>
-              <a:ext uri="{C183D7F6-B498-43B3-948B-1728B52AA6E4}">
-                <adec:decorative xmlns:adec="http://schemas.microsoft.com/office/drawing/2017/decorative" val="1"/>
-              </a:ext>
-            </a:extLst>
-          </p:cNvPr>
-          <p:cNvSpPr>
-            <a:spLocks noGrp="1" noRot="1" noChangeAspect="1" noMove="1" noResize="1" noEditPoints="1" noAdjustHandles="1" noChangeArrowheads="1" noChangeShapeType="1" noTextEdit="1"/>
-          </p:cNvSpPr>
-          <p:nvPr>
-            <p:extLst>
-              <p:ext uri="{386F3935-93C4-4BCD-93E2-E3B085C9AB24}">
-                <p16:designElem xmlns:p16="http://schemas.microsoft.com/office/powerpoint/2015/main" val="1"/>
-              </p:ext>
-            </p:extLst>
-          </p:nvPr>
-        </p:nvSpPr>
-        <p:spPr>
-          <a:xfrm>
-            <a:off x="419100" y="413053"/>
-            <a:ext cx="2616201" cy="6064596"/>
-          </a:xfrm>
-          <a:prstGeom prst="rect">
-            <a:avLst/>
-          </a:prstGeom>
-          <a:noFill/>
-          <a:ln w="6350">
-            <a:solidFill>
-              <a:schemeClr val="tx1">
-                <a:lumMod val="75000"/>
-                <a:lumOff val="25000"/>
-              </a:schemeClr>
-            </a:solidFill>
-          </a:ln>
-        </p:spPr>
-        <p:style>
-          <a:lnRef idx="2">
-            <a:schemeClr val="accent1">
-              <a:shade val="50000"/>
-            </a:schemeClr>
-          </a:lnRef>
-          <a:fillRef idx="1">
-            <a:schemeClr val="accent1"/>
-          </a:fillRef>
-          <a:effectRef idx="0">
-            <a:schemeClr val="accent1"/>
-          </a:effectRef>
-          <a:fontRef idx="minor">
-            <a:schemeClr val="lt1"/>
-          </a:fontRef>
-        </p:style>
-        <p:txBody>
-          <a:bodyPr rtlCol="0" anchor="ctr"/>
-          <a:lstStyle/>
-          <a:p>
-            <a:pPr algn="ctr"/>
-            <a:endParaRPr lang="en-US"/>
-          </a:p>
-        </p:txBody>
-      </p:sp>
-      <p:sp>
-        <p:nvSpPr>
-          <p:cNvPr id="2" name="Title 1">
-            <a:extLst>
-              <a:ext uri="{FF2B5EF4-FFF2-40B4-BE49-F238E27FC236}">
-                <a16:creationId xmlns:a16="http://schemas.microsoft.com/office/drawing/2014/main" id="{4CCAE64E-A1E6-4F7A-9960-DDF3016765DA}"/>
-              </a:ext>
-            </a:extLst>
-          </p:cNvPr>
-          <p:cNvSpPr>
-            <a:spLocks noGrp="1"/>
-          </p:cNvSpPr>
-          <p:nvPr>
-            <p:ph type="title"/>
-          </p:nvPr>
-        </p:nvSpPr>
-        <p:spPr>
-          <a:xfrm>
-            <a:off x="557720" y="612843"/>
-            <a:ext cx="2312480" cy="1063331"/>
-          </a:xfrm>
-        </p:spPr>
-        <p:txBody>
-          <a:bodyPr anchor="b">
-            <a:normAutofit/>
-          </a:bodyPr>
-          <a:lstStyle/>
-          <a:p>
-            <a:r>
-              <a:rPr lang="en-US" sz="2800" dirty="0"/>
-              <a:t>Model Tests</a:t>
-            </a:r>
-            <a:br>
-              <a:rPr lang="en-US" sz="2800" dirty="0"/>
-            </a:br>
-            <a:r>
-              <a:rPr lang="en-US" sz="2000" dirty="0"/>
-              <a:t>(Light GBM)</a:t>
-            </a:r>
-          </a:p>
-        </p:txBody>
-      </p:sp>
-      <p:sp>
-        <p:nvSpPr>
-          <p:cNvPr id="3" name="Content Placeholder 2">
-            <a:extLst>
-              <a:ext uri="{FF2B5EF4-FFF2-40B4-BE49-F238E27FC236}">
-                <a16:creationId xmlns:a16="http://schemas.microsoft.com/office/drawing/2014/main" id="{68DF03A4-751A-4AA6-B623-966794FB9740}"/>
-              </a:ext>
-            </a:extLst>
-          </p:cNvPr>
-          <p:cNvSpPr>
-            <a:spLocks noGrp="1"/>
-          </p:cNvSpPr>
-          <p:nvPr>
-            <p:ph idx="1"/>
-          </p:nvPr>
-        </p:nvSpPr>
-        <p:spPr>
-          <a:xfrm>
-            <a:off x="557720" y="2149813"/>
-            <a:ext cx="2312479" cy="3854197"/>
-          </a:xfrm>
-        </p:spPr>
-        <p:txBody>
-          <a:bodyPr>
-            <a:normAutofit/>
-          </a:bodyPr>
-          <a:lstStyle/>
-          <a:p>
-            <a:pPr>
-              <a:lnSpc>
-                <a:spcPct val="150000"/>
-              </a:lnSpc>
-            </a:pPr>
-            <a:r>
-              <a:rPr lang="en-US" sz="1600" dirty="0">
-                <a:solidFill>
-                  <a:schemeClr val="tx1">
-                    <a:lumMod val="85000"/>
-                    <a:lumOff val="15000"/>
-                  </a:schemeClr>
-                </a:solidFill>
-              </a:rPr>
-              <a:t>Advantages:</a:t>
-            </a:r>
-          </a:p>
-          <a:p>
-            <a:pPr lvl="1">
-              <a:lnSpc>
-                <a:spcPct val="150000"/>
-              </a:lnSpc>
-            </a:pPr>
-            <a:r>
-              <a:rPr lang="en-US" sz="1400" dirty="0">
-                <a:solidFill>
-                  <a:schemeClr val="tx1">
-                    <a:lumMod val="85000"/>
-                    <a:lumOff val="15000"/>
-                  </a:schemeClr>
-                </a:solidFill>
-              </a:rPr>
-              <a:t>Grows trees leaf-wise</a:t>
-            </a:r>
-          </a:p>
-          <a:p>
-            <a:pPr lvl="1">
-              <a:lnSpc>
-                <a:spcPct val="150000"/>
-              </a:lnSpc>
-            </a:pPr>
-            <a:r>
-              <a:rPr lang="en-US" sz="1400" dirty="0">
-                <a:solidFill>
-                  <a:schemeClr val="tx1">
-                    <a:lumMod val="85000"/>
-                    <a:lumOff val="15000"/>
-                  </a:schemeClr>
-                </a:solidFill>
-              </a:rPr>
-              <a:t>Efficiency</a:t>
-            </a:r>
-          </a:p>
-          <a:p>
-            <a:pPr lvl="1">
-              <a:lnSpc>
-                <a:spcPct val="150000"/>
-              </a:lnSpc>
-            </a:pPr>
-            <a:r>
-              <a:rPr lang="en-US" sz="1400" dirty="0">
-                <a:solidFill>
-                  <a:schemeClr val="tx1">
-                    <a:lumMod val="85000"/>
-                    <a:lumOff val="15000"/>
-                  </a:schemeClr>
-                </a:solidFill>
-              </a:rPr>
-              <a:t>Memory consumption</a:t>
-            </a:r>
-          </a:p>
-          <a:p>
-            <a:pPr>
-              <a:lnSpc>
-                <a:spcPct val="150000"/>
-              </a:lnSpc>
-            </a:pPr>
-            <a:r>
-              <a:rPr lang="en-US" sz="1600" dirty="0">
-                <a:solidFill>
-                  <a:schemeClr val="tx1">
-                    <a:lumMod val="85000"/>
-                    <a:lumOff val="15000"/>
-                  </a:schemeClr>
-                </a:solidFill>
-              </a:rPr>
-              <a:t>RMSE: 0.119103</a:t>
-            </a:r>
-          </a:p>
-        </p:txBody>
-      </p:sp>
-      <p:sp>
-        <p:nvSpPr>
-          <p:cNvPr id="77" name="Rectangle 76">
-            <a:extLst>
-              <a:ext uri="{FF2B5EF4-FFF2-40B4-BE49-F238E27FC236}">
-                <a16:creationId xmlns:a16="http://schemas.microsoft.com/office/drawing/2014/main" id="{68DC0EC7-60EA-4BD3-BC04-D547DE1B2891}"/>
-              </a:ext>
-              <a:ext uri="{C183D7F6-B498-43B3-948B-1728B52AA6E4}">
-                <adec:decorative xmlns:adec="http://schemas.microsoft.com/office/drawing/2017/decorative" val="1"/>
-              </a:ext>
-            </a:extLst>
-          </p:cNvPr>
-          <p:cNvSpPr>
-            <a:spLocks noGrp="1" noRot="1" noChangeAspect="1" noMove="1" noResize="1" noEditPoints="1" noAdjustHandles="1" noChangeArrowheads="1" noChangeShapeType="1" noTextEdit="1"/>
-          </p:cNvSpPr>
-          <p:nvPr>
-            <p:extLst>
-              <p:ext uri="{386F3935-93C4-4BCD-93E2-E3B085C9AB24}">
-                <p16:designElem xmlns:p16="http://schemas.microsoft.com/office/powerpoint/2015/main" val="1"/>
-              </p:ext>
-            </p:extLst>
-          </p:nvPr>
-        </p:nvSpPr>
-        <p:spPr>
-          <a:xfrm>
-            <a:off x="3569764" y="413053"/>
-            <a:ext cx="8212114" cy="6064596"/>
-          </a:xfrm>
-          <a:prstGeom prst="rect">
-            <a:avLst/>
-          </a:prstGeom>
-          <a:noFill/>
-          <a:ln w="6350" cap="sq" cmpd="sng" algn="ctr">
-            <a:solidFill>
-              <a:srgbClr val="404040"/>
-            </a:solidFill>
-            <a:prstDash val="solid"/>
-            <a:miter lim="800000"/>
-          </a:ln>
-          <a:effectLst/>
-        </p:spPr>
-      </p:sp>
-      <p:pic>
-        <p:nvPicPr>
-          <p:cNvPr id="7170" name="Picture 2">
-            <a:extLst>
-              <a:ext uri="{FF2B5EF4-FFF2-40B4-BE49-F238E27FC236}">
-                <a16:creationId xmlns:a16="http://schemas.microsoft.com/office/drawing/2014/main" id="{278A7337-24F6-4B46-AEFC-DA7C2159FA17}"/>
-              </a:ext>
-            </a:extLst>
-          </p:cNvPr>
-          <p:cNvPicPr>
-            <a:picLocks noChangeAspect="1" noChangeArrowheads="1"/>
-          </p:cNvPicPr>
-          <p:nvPr/>
-        </p:nvPicPr>
-        <p:blipFill>
-          <a:blip r:embed="rId2">
-            <a:extLst>
-              <a:ext uri="{28A0092B-C50C-407E-A947-70E740481C1C}">
-                <a14:useLocalDpi xmlns:a14="http://schemas.microsoft.com/office/drawing/2010/main" val="0"/>
-              </a:ext>
-            </a:extLst>
-          </a:blip>
-          <a:srcRect/>
-          <a:stretch>
-            <a:fillRect/>
-          </a:stretch>
-        </p:blipFill>
-        <p:spPr bwMode="auto">
-          <a:xfrm>
-            <a:off x="4008493" y="394957"/>
-            <a:ext cx="7334655" cy="6100788"/>
-          </a:xfrm>
-          <a:prstGeom prst="rect">
-            <a:avLst/>
-          </a:prstGeom>
-          <a:noFill/>
-          <a:extLst>
-            <a:ext uri="{909E8E84-426E-40DD-AFC4-6F175D3DCCD1}">
-              <a14:hiddenFill xmlns:a14="http://schemas.microsoft.com/office/drawing/2010/main">
-                <a:solidFill>
-                  <a:srgbClr val="FFFFFF"/>
-                </a:solidFill>
-              </a14:hiddenFill>
-            </a:ext>
-          </a:extLst>
-        </p:spPr>
-      </p:pic>
-    </p:spTree>
-    <p:extLst>
-      <p:ext uri="{BB962C8B-B14F-4D97-AF65-F5344CB8AC3E}">
-        <p14:creationId xmlns:p14="http://schemas.microsoft.com/office/powerpoint/2010/main" val="562249189"/>
-      </p:ext>
-    </p:extLst>
-  </p:cSld>
-  <p:clrMapOvr>
-    <a:overrideClrMapping bg1="dk1" tx1="lt1" bg2="dk2" tx2="lt2" accent1="accent1" accent2="accent2" accent3="accent3" accent4="accent4" accent5="accent5" accent6="accent6" hlink="hlink" folHlink="folHlink"/>
-  </p:clrMapOvr>
-</p:sld>
-</file>
-
-<file path=ppt/slides/slide13.xml><?xml version="1.0" encoding="utf-8"?>
-<p:sld xmlns:a="http://schemas.openxmlformats.org/drawingml/2006/main" xmlns:r="http://schemas.openxmlformats.org/officeDocument/2006/relationships" xmlns:p="http://schemas.openxmlformats.org/presentationml/2006/main">
-  <p:cSld>
-    <p:bg>
-      <p:bgPr>
-        <a:solidFill>
-          <a:schemeClr val="bg1"/>
-        </a:solidFill>
-        <a:effectLst/>
-      </p:bgPr>
-    </p:bg>
-    <p:spTree>
-      <p:nvGrpSpPr>
-        <p:cNvPr id="1" name=""/>
-        <p:cNvGrpSpPr/>
-        <p:nvPr/>
-      </p:nvGrpSpPr>
-      <p:grpSpPr>
-        <a:xfrm>
-          <a:off x="0" y="0"/>
-          <a:ext cx="0" cy="0"/>
-          <a:chOff x="0" y="0"/>
-          <a:chExt cx="0" cy="0"/>
-        </a:xfrm>
-      </p:grpSpPr>
-      <p:sp>
-        <p:nvSpPr>
-          <p:cNvPr id="71" name="Rectangle 70">
-            <a:extLst>
-              <a:ext uri="{FF2B5EF4-FFF2-40B4-BE49-F238E27FC236}">
-                <a16:creationId xmlns:a16="http://schemas.microsoft.com/office/drawing/2014/main" id="{282E2A95-1A08-4118-83C6-B1CA5648E075}"/>
-              </a:ext>
-              <a:ext uri="{C183D7F6-B498-43B3-948B-1728B52AA6E4}">
-                <adec:decorative xmlns:adec="http://schemas.microsoft.com/office/drawing/2017/decorative" val="1"/>
-              </a:ext>
-            </a:extLst>
-          </p:cNvPr>
-          <p:cNvSpPr>
-            <a:spLocks noGrp="1" noRot="1" noChangeAspect="1" noMove="1" noResize="1" noEditPoints="1" noAdjustHandles="1" noChangeArrowheads="1" noChangeShapeType="1" noTextEdit="1"/>
-          </p:cNvSpPr>
-          <p:nvPr>
-            <p:extLst>
-              <p:ext uri="{386F3935-93C4-4BCD-93E2-E3B085C9AB24}">
-                <p16:designElem xmlns:p16="http://schemas.microsoft.com/office/powerpoint/2015/main" val="1"/>
-              </p:ext>
-            </p:extLst>
-          </p:nvPr>
-        </p:nvSpPr>
-        <p:spPr>
-          <a:xfrm>
-            <a:off x="0" y="0"/>
-            <a:ext cx="12192000" cy="6858000"/>
-          </a:xfrm>
-          <a:prstGeom prst="rect">
-            <a:avLst/>
-          </a:prstGeom>
-          <a:ln>
-            <a:noFill/>
-          </a:ln>
-        </p:spPr>
-        <p:style>
-          <a:lnRef idx="2">
-            <a:schemeClr val="accent1">
-              <a:shade val="50000"/>
-            </a:schemeClr>
-          </a:lnRef>
-          <a:fillRef idx="1001">
-            <a:schemeClr val="lt1"/>
-          </a:fillRef>
-          <a:effectRef idx="0">
-            <a:schemeClr val="accent1"/>
-          </a:effectRef>
-          <a:fontRef idx="minor">
-            <a:schemeClr val="lt1"/>
-          </a:fontRef>
-        </p:style>
-        <p:txBody>
-          <a:bodyPr rtlCol="0" anchor="ctr"/>
-          <a:lstStyle/>
-          <a:p>
-            <a:pPr algn="ctr"/>
-            <a:endParaRPr lang="en-US"/>
-          </a:p>
-        </p:txBody>
-      </p:sp>
-      <p:sp>
-        <p:nvSpPr>
-          <p:cNvPr id="73" name="Rectangle 72">
-            <a:extLst>
-              <a:ext uri="{FF2B5EF4-FFF2-40B4-BE49-F238E27FC236}">
-                <a16:creationId xmlns:a16="http://schemas.microsoft.com/office/drawing/2014/main" id="{2FFEFC7E-85EE-4AC9-A351-FBEB13A1D622}"/>
-              </a:ext>
-              <a:ext uri="{C183D7F6-B498-43B3-948B-1728B52AA6E4}">
-                <adec:decorative xmlns:adec="http://schemas.microsoft.com/office/drawing/2017/decorative" val="1"/>
-              </a:ext>
-            </a:extLst>
-          </p:cNvPr>
-          <p:cNvSpPr>
-            <a:spLocks noGrp="1" noRot="1" noChangeAspect="1" noMove="1" noResize="1" noEditPoints="1" noAdjustHandles="1" noChangeArrowheads="1" noChangeShapeType="1" noTextEdit="1"/>
-          </p:cNvSpPr>
-          <p:nvPr>
-            <p:extLst>
-              <p:ext uri="{386F3935-93C4-4BCD-93E2-E3B085C9AB24}">
-                <p16:designElem xmlns:p16="http://schemas.microsoft.com/office/powerpoint/2015/main" val="1"/>
-              </p:ext>
-            </p:extLst>
-          </p:nvPr>
-        </p:nvSpPr>
-        <p:spPr>
-          <a:xfrm>
-            <a:off x="245534" y="237744"/>
-            <a:ext cx="2926080" cy="6382512"/>
-          </a:xfrm>
-          <a:prstGeom prst="rect">
-            <a:avLst/>
-          </a:prstGeom>
-          <a:solidFill>
-            <a:schemeClr val="bg1">
-              <a:lumMod val="75000"/>
-              <a:lumOff val="25000"/>
-            </a:schemeClr>
-          </a:solidFill>
-          <a:ln>
-            <a:noFill/>
-          </a:ln>
-        </p:spPr>
-        <p:style>
-          <a:lnRef idx="2">
-            <a:schemeClr val="accent1">
-              <a:shade val="50000"/>
-            </a:schemeClr>
-          </a:lnRef>
-          <a:fillRef idx="1">
-            <a:schemeClr val="accent1"/>
-          </a:fillRef>
-          <a:effectRef idx="0">
-            <a:schemeClr val="accent1"/>
-          </a:effectRef>
-          <a:fontRef idx="minor">
-            <a:schemeClr val="lt1"/>
-          </a:fontRef>
-        </p:style>
-      </p:sp>
-      <p:sp>
-        <p:nvSpPr>
-          <p:cNvPr id="75" name="Rectangle 74">
-            <a:extLst>
-              <a:ext uri="{FF2B5EF4-FFF2-40B4-BE49-F238E27FC236}">
-                <a16:creationId xmlns:a16="http://schemas.microsoft.com/office/drawing/2014/main" id="{CB2511BB-FC4C-45F3-94EB-661D6806C942}"/>
-              </a:ext>
-              <a:ext uri="{C183D7F6-B498-43B3-948B-1728B52AA6E4}">
-                <adec:decorative xmlns:adec="http://schemas.microsoft.com/office/drawing/2017/decorative" val="1"/>
-              </a:ext>
-            </a:extLst>
-          </p:cNvPr>
-          <p:cNvSpPr>
-            <a:spLocks noGrp="1" noRot="1" noChangeAspect="1" noMove="1" noResize="1" noEditPoints="1" noAdjustHandles="1" noChangeArrowheads="1" noChangeShapeType="1" noTextEdit="1"/>
-          </p:cNvSpPr>
-          <p:nvPr>
-            <p:extLst>
-              <p:ext uri="{386F3935-93C4-4BCD-93E2-E3B085C9AB24}">
-                <p16:designElem xmlns:p16="http://schemas.microsoft.com/office/powerpoint/2015/main" val="1"/>
-              </p:ext>
-            </p:extLst>
-          </p:nvPr>
-        </p:nvSpPr>
-        <p:spPr>
-          <a:xfrm>
-            <a:off x="419100" y="413053"/>
-            <a:ext cx="2616201" cy="6064596"/>
-          </a:xfrm>
-          <a:prstGeom prst="rect">
-            <a:avLst/>
-          </a:prstGeom>
-          <a:noFill/>
-          <a:ln w="6350">
-            <a:solidFill>
-              <a:schemeClr val="tx1">
-                <a:lumMod val="75000"/>
-                <a:lumOff val="25000"/>
-              </a:schemeClr>
-            </a:solidFill>
-          </a:ln>
-        </p:spPr>
-        <p:style>
-          <a:lnRef idx="2">
-            <a:schemeClr val="accent1">
-              <a:shade val="50000"/>
-            </a:schemeClr>
-          </a:lnRef>
-          <a:fillRef idx="1">
-            <a:schemeClr val="accent1"/>
-          </a:fillRef>
-          <a:effectRef idx="0">
-            <a:schemeClr val="accent1"/>
-          </a:effectRef>
-          <a:fontRef idx="minor">
-            <a:schemeClr val="lt1"/>
-          </a:fontRef>
-        </p:style>
-        <p:txBody>
-          <a:bodyPr rtlCol="0" anchor="ctr"/>
-          <a:lstStyle/>
-          <a:p>
-            <a:pPr algn="ctr"/>
-            <a:endParaRPr lang="en-US"/>
-          </a:p>
-        </p:txBody>
-      </p:sp>
-      <p:sp>
-        <p:nvSpPr>
-          <p:cNvPr id="2" name="Title 1">
-            <a:extLst>
-              <a:ext uri="{FF2B5EF4-FFF2-40B4-BE49-F238E27FC236}">
-                <a16:creationId xmlns:a16="http://schemas.microsoft.com/office/drawing/2014/main" id="{4CCAE64E-A1E6-4F7A-9960-DDF3016765DA}"/>
-              </a:ext>
-            </a:extLst>
-          </p:cNvPr>
-          <p:cNvSpPr>
-            <a:spLocks noGrp="1"/>
-          </p:cNvSpPr>
-          <p:nvPr>
-            <p:ph type="title"/>
-          </p:nvPr>
-        </p:nvSpPr>
-        <p:spPr>
-          <a:xfrm>
-            <a:off x="557720" y="612843"/>
-            <a:ext cx="2312480" cy="1063331"/>
-          </a:xfrm>
-        </p:spPr>
-        <p:txBody>
-          <a:bodyPr anchor="b">
-            <a:normAutofit/>
-          </a:bodyPr>
-          <a:lstStyle/>
-          <a:p>
-            <a:r>
-              <a:rPr lang="en-US" sz="2800" dirty="0"/>
-              <a:t>Model Tests</a:t>
-            </a:r>
-            <a:br>
-              <a:rPr lang="en-US" sz="2800" dirty="0"/>
-            </a:br>
-            <a:r>
-              <a:rPr lang="en-US" sz="2000" dirty="0"/>
-              <a:t>(</a:t>
-            </a:r>
-            <a:r>
-              <a:rPr lang="en-US" sz="2000" dirty="0" err="1"/>
-              <a:t>XGBoost</a:t>
-            </a:r>
-            <a:r>
-              <a:rPr lang="en-US" sz="2000" dirty="0"/>
-              <a:t>)</a:t>
-            </a:r>
-          </a:p>
-        </p:txBody>
-      </p:sp>
-      <p:sp>
-        <p:nvSpPr>
-          <p:cNvPr id="3" name="Content Placeholder 2">
-            <a:extLst>
-              <a:ext uri="{FF2B5EF4-FFF2-40B4-BE49-F238E27FC236}">
-                <a16:creationId xmlns:a16="http://schemas.microsoft.com/office/drawing/2014/main" id="{68DF03A4-751A-4AA6-B623-966794FB9740}"/>
-              </a:ext>
-            </a:extLst>
-          </p:cNvPr>
-          <p:cNvSpPr>
-            <a:spLocks noGrp="1"/>
-          </p:cNvSpPr>
-          <p:nvPr>
-            <p:ph idx="1"/>
-          </p:nvPr>
-        </p:nvSpPr>
-        <p:spPr>
-          <a:xfrm>
-            <a:off x="557720" y="2149813"/>
-            <a:ext cx="2381423" cy="3854197"/>
-          </a:xfrm>
-        </p:spPr>
-        <p:txBody>
-          <a:bodyPr>
-            <a:normAutofit/>
-          </a:bodyPr>
-          <a:lstStyle/>
-          <a:p>
-            <a:pPr>
-              <a:lnSpc>
-                <a:spcPct val="150000"/>
-              </a:lnSpc>
-            </a:pPr>
-            <a:r>
-              <a:rPr lang="en-US" sz="1600" dirty="0">
-                <a:solidFill>
-                  <a:schemeClr val="tx1">
-                    <a:lumMod val="85000"/>
-                    <a:lumOff val="15000"/>
-                  </a:schemeClr>
-                </a:solidFill>
-              </a:rPr>
-              <a:t>Advantages:</a:t>
-            </a:r>
-          </a:p>
-          <a:p>
-            <a:pPr lvl="1">
-              <a:lnSpc>
-                <a:spcPct val="150000"/>
-              </a:lnSpc>
-            </a:pPr>
-            <a:r>
-              <a:rPr lang="en-US" sz="1400" dirty="0">
-                <a:solidFill>
-                  <a:schemeClr val="tx1">
-                    <a:lumMod val="85000"/>
-                    <a:lumOff val="15000"/>
-                  </a:schemeClr>
-                </a:solidFill>
-              </a:rPr>
-              <a:t>Uses gradient boosting trees as the error predictor</a:t>
-            </a:r>
-          </a:p>
-          <a:p>
-            <a:pPr lvl="1">
-              <a:lnSpc>
-                <a:spcPct val="150000"/>
-              </a:lnSpc>
-            </a:pPr>
-            <a:r>
-              <a:rPr lang="en-US" sz="1400" dirty="0">
-                <a:solidFill>
-                  <a:schemeClr val="tx1">
-                    <a:lumMod val="85000"/>
-                    <a:lumOff val="15000"/>
-                  </a:schemeClr>
-                </a:solidFill>
-              </a:rPr>
-              <a:t>Works well with small or big data</a:t>
-            </a:r>
-          </a:p>
-          <a:p>
-            <a:pPr lvl="1">
-              <a:lnSpc>
-                <a:spcPct val="150000"/>
-              </a:lnSpc>
-            </a:pPr>
-            <a:r>
-              <a:rPr lang="en-US" sz="1400" dirty="0">
-                <a:solidFill>
-                  <a:schemeClr val="tx1">
-                    <a:lumMod val="85000"/>
-                    <a:lumOff val="15000"/>
-                  </a:schemeClr>
-                </a:solidFill>
-              </a:rPr>
-              <a:t>Prevents overfitting</a:t>
-            </a:r>
-          </a:p>
-          <a:p>
-            <a:pPr>
-              <a:lnSpc>
-                <a:spcPct val="150000"/>
-              </a:lnSpc>
-            </a:pPr>
-            <a:r>
-              <a:rPr lang="en-US" sz="1600" dirty="0">
-                <a:solidFill>
-                  <a:schemeClr val="tx1">
-                    <a:lumMod val="85000"/>
-                    <a:lumOff val="15000"/>
-                  </a:schemeClr>
-                </a:solidFill>
-              </a:rPr>
-              <a:t>RMSE: 0.112655</a:t>
-            </a:r>
-          </a:p>
-        </p:txBody>
-      </p:sp>
-      <p:sp>
-        <p:nvSpPr>
-          <p:cNvPr id="77" name="Rectangle 76">
-            <a:extLst>
-              <a:ext uri="{FF2B5EF4-FFF2-40B4-BE49-F238E27FC236}">
-                <a16:creationId xmlns:a16="http://schemas.microsoft.com/office/drawing/2014/main" id="{68DC0EC7-60EA-4BD3-BC04-D547DE1B2891}"/>
-              </a:ext>
-              <a:ext uri="{C183D7F6-B498-43B3-948B-1728B52AA6E4}">
-                <adec:decorative xmlns:adec="http://schemas.microsoft.com/office/drawing/2017/decorative" val="1"/>
-              </a:ext>
-            </a:extLst>
-          </p:cNvPr>
-          <p:cNvSpPr>
-            <a:spLocks noGrp="1" noRot="1" noChangeAspect="1" noMove="1" noResize="1" noEditPoints="1" noAdjustHandles="1" noChangeArrowheads="1" noChangeShapeType="1" noTextEdit="1"/>
-          </p:cNvSpPr>
-          <p:nvPr>
-            <p:extLst>
-              <p:ext uri="{386F3935-93C4-4BCD-93E2-E3B085C9AB24}">
-                <p16:designElem xmlns:p16="http://schemas.microsoft.com/office/powerpoint/2015/main" val="1"/>
-              </p:ext>
-            </p:extLst>
-          </p:nvPr>
-        </p:nvSpPr>
-        <p:spPr>
-          <a:xfrm>
-            <a:off x="3569764" y="413053"/>
-            <a:ext cx="8212114" cy="6064596"/>
-          </a:xfrm>
-          <a:prstGeom prst="rect">
-            <a:avLst/>
-          </a:prstGeom>
-          <a:noFill/>
-          <a:ln w="6350" cap="sq" cmpd="sng" algn="ctr">
-            <a:solidFill>
-              <a:srgbClr val="404040"/>
-            </a:solidFill>
-            <a:prstDash val="solid"/>
-            <a:miter lim="800000"/>
-          </a:ln>
-          <a:effectLst/>
-        </p:spPr>
-      </p:sp>
-      <p:pic>
-        <p:nvPicPr>
-          <p:cNvPr id="6146" name="Picture 2">
-            <a:extLst>
-              <a:ext uri="{FF2B5EF4-FFF2-40B4-BE49-F238E27FC236}">
-                <a16:creationId xmlns:a16="http://schemas.microsoft.com/office/drawing/2014/main" id="{534924EB-7187-440D-93C5-EC631C03B87F}"/>
-              </a:ext>
-            </a:extLst>
-          </p:cNvPr>
-          <p:cNvPicPr>
-            <a:picLocks noChangeAspect="1" noChangeArrowheads="1"/>
-          </p:cNvPicPr>
-          <p:nvPr/>
-        </p:nvPicPr>
-        <p:blipFill>
-          <a:blip r:embed="rId2">
-            <a:extLst>
-              <a:ext uri="{28A0092B-C50C-407E-A947-70E740481C1C}">
-                <a14:useLocalDpi xmlns:a14="http://schemas.microsoft.com/office/drawing/2010/main" val="0"/>
-              </a:ext>
-            </a:extLst>
-          </a:blip>
-          <a:srcRect/>
-          <a:stretch>
-            <a:fillRect/>
-          </a:stretch>
-        </p:blipFill>
-        <p:spPr bwMode="auto">
-          <a:xfrm>
-            <a:off x="3599121" y="1426051"/>
-            <a:ext cx="8153400" cy="4038600"/>
-          </a:xfrm>
-          <a:prstGeom prst="rect">
-            <a:avLst/>
-          </a:prstGeom>
-          <a:noFill/>
-          <a:extLst>
-            <a:ext uri="{909E8E84-426E-40DD-AFC4-6F175D3DCCD1}">
-              <a14:hiddenFill xmlns:a14="http://schemas.microsoft.com/office/drawing/2010/main">
-                <a:solidFill>
-                  <a:srgbClr val="FFFFFF"/>
-                </a:solidFill>
-              </a14:hiddenFill>
-            </a:ext>
-          </a:extLst>
-        </p:spPr>
-      </p:pic>
-    </p:spTree>
-    <p:extLst>
-      <p:ext uri="{BB962C8B-B14F-4D97-AF65-F5344CB8AC3E}">
-        <p14:creationId xmlns:p14="http://schemas.microsoft.com/office/powerpoint/2010/main" val="403364449"/>
-      </p:ext>
-    </p:extLst>
-  </p:cSld>
-  <p:clrMapOvr>
-    <a:overrideClrMapping bg1="dk1" tx1="lt1" bg2="dk2" tx2="lt2" accent1="accent1" accent2="accent2" accent3="accent3" accent4="accent4" accent5="accent5" accent6="accent6" hlink="hlink" folHlink="folHlink"/>
-  </p:clrMapOvr>
-</p:sld>
-</file>
-
-<file path=ppt/slides/slide14.xml><?xml version="1.0" encoding="utf-8"?>
-<p:sld xmlns:a="http://schemas.openxmlformats.org/drawingml/2006/main" xmlns:r="http://schemas.openxmlformats.org/officeDocument/2006/relationships" xmlns:p="http://schemas.openxmlformats.org/presentationml/2006/main">
-  <p:cSld>
-    <p:spTree>
-      <p:nvGrpSpPr>
-        <p:cNvPr id="1" name=""/>
-        <p:cNvGrpSpPr/>
-        <p:nvPr/>
-      </p:nvGrpSpPr>
-      <p:grpSpPr>
-        <a:xfrm>
-          <a:off x="0" y="0"/>
-          <a:ext cx="0" cy="0"/>
-          <a:chOff x="0" y="0"/>
-          <a:chExt cx="0" cy="0"/>
-        </a:xfrm>
-      </p:grpSpPr>
-      <p:sp>
-        <p:nvSpPr>
-          <p:cNvPr id="2" name="Title 1">
-            <a:extLst>
-              <a:ext uri="{FF2B5EF4-FFF2-40B4-BE49-F238E27FC236}">
-                <a16:creationId xmlns:a16="http://schemas.microsoft.com/office/drawing/2014/main" id="{4CCAE64E-A1E6-4F7A-9960-DDF3016765DA}"/>
-              </a:ext>
-            </a:extLst>
-          </p:cNvPr>
-          <p:cNvSpPr>
-            <a:spLocks noGrp="1"/>
-          </p:cNvSpPr>
-          <p:nvPr>
-            <p:ph type="title"/>
-          </p:nvPr>
-        </p:nvSpPr>
-        <p:spPr/>
-        <p:txBody>
-          <a:bodyPr/>
-          <a:lstStyle/>
-          <a:p>
-            <a:r>
-              <a:rPr lang="en-US" dirty="0"/>
-              <a:t>Model Tests</a:t>
-            </a:r>
-            <a:br>
-              <a:rPr lang="en-US" dirty="0"/>
-            </a:br>
-            <a:r>
-              <a:rPr lang="en-US" sz="2000" dirty="0"/>
-              <a:t>Extra Tests</a:t>
-            </a:r>
-            <a:endParaRPr lang="en-US" dirty="0"/>
-          </a:p>
-        </p:txBody>
-      </p:sp>
-      <p:sp>
-        <p:nvSpPr>
-          <p:cNvPr id="3" name="Content Placeholder 2">
-            <a:extLst>
-              <a:ext uri="{FF2B5EF4-FFF2-40B4-BE49-F238E27FC236}">
-                <a16:creationId xmlns:a16="http://schemas.microsoft.com/office/drawing/2014/main" id="{68DF03A4-751A-4AA6-B623-966794FB9740}"/>
-              </a:ext>
-            </a:extLst>
-          </p:cNvPr>
-          <p:cNvSpPr>
-            <a:spLocks noGrp="1"/>
-          </p:cNvSpPr>
-          <p:nvPr>
-            <p:ph idx="1"/>
-          </p:nvPr>
-        </p:nvSpPr>
-        <p:spPr/>
-        <p:txBody>
-          <a:bodyPr>
-            <a:normAutofit/>
-          </a:bodyPr>
-          <a:lstStyle/>
-          <a:p>
-            <a:pPr>
-              <a:lnSpc>
-                <a:spcPct val="150000"/>
-              </a:lnSpc>
-            </a:pPr>
-            <a:r>
-              <a:rPr lang="en-US" dirty="0"/>
-              <a:t>Tested more models to see if any results in a RMSE lower than 0.112655 from </a:t>
-            </a:r>
-            <a:r>
-              <a:rPr lang="en-US" dirty="0" err="1"/>
-              <a:t>XGBoost</a:t>
-            </a:r>
-            <a:endParaRPr lang="en-US" dirty="0"/>
-          </a:p>
-          <a:p>
-            <a:pPr>
-              <a:lnSpc>
-                <a:spcPct val="150000"/>
-              </a:lnSpc>
-            </a:pPr>
-            <a:r>
-              <a:rPr lang="en-US" dirty="0"/>
-              <a:t>Remove Less Important Features</a:t>
-            </a:r>
-          </a:p>
-          <a:p>
-            <a:pPr lvl="1">
-              <a:lnSpc>
-                <a:spcPct val="150000"/>
-              </a:lnSpc>
-            </a:pPr>
-            <a:r>
-              <a:rPr lang="en-US" dirty="0"/>
-              <a:t>Tested </a:t>
-            </a:r>
-            <a:r>
-              <a:rPr lang="en-US" dirty="0" err="1"/>
-              <a:t>XGBoost</a:t>
-            </a:r>
-            <a:r>
-              <a:rPr lang="en-US" dirty="0"/>
-              <a:t> with a restricted feature set</a:t>
-            </a:r>
-          </a:p>
-          <a:p>
-            <a:pPr lvl="1">
-              <a:lnSpc>
-                <a:spcPct val="150000"/>
-              </a:lnSpc>
-            </a:pPr>
-            <a:r>
-              <a:rPr lang="en-US" dirty="0"/>
-              <a:t>RMSE was 0.116393, which is higher than </a:t>
-            </a:r>
-            <a:r>
-              <a:rPr lang="en-US" dirty="0" err="1"/>
-              <a:t>XGBoost</a:t>
-            </a:r>
-            <a:r>
-              <a:rPr lang="en-US" dirty="0"/>
-              <a:t> </a:t>
-            </a:r>
-          </a:p>
-          <a:p>
-            <a:pPr>
-              <a:lnSpc>
-                <a:spcPct val="150000"/>
-              </a:lnSpc>
-            </a:pPr>
-            <a:r>
-              <a:rPr lang="en-US" dirty="0"/>
-              <a:t>Meta-Learn</a:t>
-            </a:r>
-          </a:p>
-          <a:p>
-            <a:pPr lvl="1">
-              <a:lnSpc>
-                <a:spcPct val="150000"/>
-              </a:lnSpc>
-            </a:pPr>
-            <a:r>
-              <a:rPr lang="en-US" dirty="0"/>
-              <a:t>Stacked regressor had RMSE of 0.117099, which is higher than </a:t>
-            </a:r>
-            <a:r>
-              <a:rPr lang="en-US" dirty="0" err="1"/>
-              <a:t>XGBoost</a:t>
-            </a:r>
-            <a:endParaRPr lang="en-US" dirty="0"/>
-          </a:p>
-          <a:p>
-            <a:pPr lvl="1">
-              <a:lnSpc>
-                <a:spcPct val="150000"/>
-              </a:lnSpc>
-            </a:pPr>
-            <a:r>
-              <a:rPr lang="en-US" dirty="0"/>
-              <a:t>Voting regressor (weighted average) had RMSE of 0.114312, which is higher than </a:t>
-            </a:r>
-            <a:r>
-              <a:rPr lang="en-US" dirty="0" err="1"/>
-              <a:t>XGBoost</a:t>
-            </a:r>
-            <a:endParaRPr lang="en-US" dirty="0"/>
-          </a:p>
-        </p:txBody>
-      </p:sp>
-    </p:spTree>
-    <p:extLst>
-      <p:ext uri="{BB962C8B-B14F-4D97-AF65-F5344CB8AC3E}">
-        <p14:creationId xmlns:p14="http://schemas.microsoft.com/office/powerpoint/2010/main" val="2737339670"/>
-      </p:ext>
-    </p:extLst>
-  </p:cSld>
-  <p:clrMapOvr>
-    <a:masterClrMapping/>
-  </p:clrMapOvr>
-</p:sld>
-</file>
-
-<file path=ppt/slides/slide15.xml><?xml version="1.0" encoding="utf-8"?>
-<p:sld xmlns:a="http://schemas.openxmlformats.org/drawingml/2006/main" xmlns:r="http://schemas.openxmlformats.org/officeDocument/2006/relationships" xmlns:p="http://schemas.openxmlformats.org/presentationml/2006/main">
-  <p:cSld>
-    <p:spTree>
-      <p:nvGrpSpPr>
-        <p:cNvPr id="1" name=""/>
-        <p:cNvGrpSpPr/>
-        <p:nvPr/>
-      </p:nvGrpSpPr>
-      <p:grpSpPr>
-        <a:xfrm>
-          <a:off x="0" y="0"/>
-          <a:ext cx="0" cy="0"/>
-          <a:chOff x="0" y="0"/>
-          <a:chExt cx="0" cy="0"/>
-        </a:xfrm>
-      </p:grpSpPr>
-      <p:sp>
-        <p:nvSpPr>
-          <p:cNvPr id="2" name="Title 1">
-            <a:extLst>
-              <a:ext uri="{FF2B5EF4-FFF2-40B4-BE49-F238E27FC236}">
-                <a16:creationId xmlns:a16="http://schemas.microsoft.com/office/drawing/2014/main" id="{4CCAE64E-A1E6-4F7A-9960-DDF3016765DA}"/>
-              </a:ext>
-            </a:extLst>
-          </p:cNvPr>
-          <p:cNvSpPr>
-            <a:spLocks noGrp="1"/>
-          </p:cNvSpPr>
-          <p:nvPr>
-            <p:ph type="title"/>
-          </p:nvPr>
-        </p:nvSpPr>
-        <p:spPr/>
-        <p:txBody>
-          <a:bodyPr/>
-          <a:lstStyle/>
-          <a:p>
-            <a:r>
-              <a:rPr lang="en-US" dirty="0"/>
-              <a:t>Model Tests</a:t>
-            </a:r>
-            <a:br>
-              <a:rPr lang="en-US" dirty="0"/>
-            </a:br>
-            <a:r>
-              <a:rPr lang="en-US" sz="2000" dirty="0"/>
-              <a:t>Final Dollar Difference &amp; Kaggle Score</a:t>
-            </a:r>
-            <a:endParaRPr lang="en-US" dirty="0"/>
-          </a:p>
-        </p:txBody>
-      </p:sp>
-      <p:sp>
-        <p:nvSpPr>
-          <p:cNvPr id="3" name="Content Placeholder 2">
-            <a:extLst>
-              <a:ext uri="{FF2B5EF4-FFF2-40B4-BE49-F238E27FC236}">
-                <a16:creationId xmlns:a16="http://schemas.microsoft.com/office/drawing/2014/main" id="{68DF03A4-751A-4AA6-B623-966794FB9740}"/>
-              </a:ext>
-            </a:extLst>
-          </p:cNvPr>
-          <p:cNvSpPr>
-            <a:spLocks noGrp="1"/>
-          </p:cNvSpPr>
-          <p:nvPr>
-            <p:ph idx="1"/>
-          </p:nvPr>
-        </p:nvSpPr>
-        <p:spPr/>
-        <p:txBody>
-          <a:bodyPr>
-            <a:normAutofit/>
-          </a:bodyPr>
-          <a:lstStyle/>
-          <a:p>
-            <a:pPr>
-              <a:lnSpc>
-                <a:spcPct val="150000"/>
-              </a:lnSpc>
-            </a:pPr>
-            <a:r>
-              <a:rPr lang="en-US" dirty="0"/>
-              <a:t>Dollar differences were calculated for each models on the training data set</a:t>
-            </a:r>
-          </a:p>
-          <a:p>
-            <a:pPr>
-              <a:lnSpc>
-                <a:spcPct val="150000"/>
-              </a:lnSpc>
-            </a:pPr>
-            <a:r>
-              <a:rPr lang="en-US" dirty="0"/>
-              <a:t>As expected, </a:t>
-            </a:r>
-            <a:r>
-              <a:rPr lang="en-US" dirty="0" err="1"/>
-              <a:t>XGBoost</a:t>
-            </a:r>
-            <a:r>
-              <a:rPr lang="en-US" dirty="0"/>
-              <a:t> produced the best result</a:t>
-            </a:r>
-          </a:p>
-          <a:p>
-            <a:pPr>
-              <a:lnSpc>
-                <a:spcPct val="150000"/>
-              </a:lnSpc>
-            </a:pPr>
-            <a:r>
-              <a:rPr lang="en-US" dirty="0"/>
-              <a:t>Kaggle Score: </a:t>
-            </a:r>
-            <a:r>
-              <a:rPr lang="en-US" dirty="0">
-                <a:solidFill>
-                  <a:srgbClr val="FF0000"/>
-                </a:solidFill>
-              </a:rPr>
-              <a:t>SCORE</a:t>
-            </a:r>
-          </a:p>
-          <a:p>
-            <a:pPr>
-              <a:lnSpc>
-                <a:spcPct val="150000"/>
-              </a:lnSpc>
-            </a:pPr>
-            <a:endParaRPr lang="en-US" dirty="0"/>
-          </a:p>
-        </p:txBody>
-      </p:sp>
-      <p:pic>
-        <p:nvPicPr>
-          <p:cNvPr id="5" name="Picture 4">
-            <a:extLst>
-              <a:ext uri="{FF2B5EF4-FFF2-40B4-BE49-F238E27FC236}">
-                <a16:creationId xmlns:a16="http://schemas.microsoft.com/office/drawing/2014/main" id="{5A892878-648C-4AFF-AC18-F63CE2B1F29C}"/>
-              </a:ext>
-            </a:extLst>
-          </p:cNvPr>
-          <p:cNvPicPr>
-            <a:picLocks noChangeAspect="1"/>
-          </p:cNvPicPr>
-          <p:nvPr/>
-        </p:nvPicPr>
-        <p:blipFill>
-          <a:blip r:embed="rId2"/>
           <a:stretch>
             <a:fillRect/>
           </a:stretch>
         </p:blipFill>
         <p:spPr>
           <a:xfrm>
-            <a:off x="1334559" y="3757613"/>
-            <a:ext cx="3096057" cy="2457793"/>
+            <a:off x="3569764" y="237744"/>
+            <a:ext cx="7971996" cy="6382512"/>
           </a:xfrm>
           <a:prstGeom prst="rect">
             <a:avLst/>
@@ -6968,12 +8709,12 @@
     </p:spTree>
     <p:extLst>
       <p:ext uri="{BB962C8B-B14F-4D97-AF65-F5344CB8AC3E}">
-        <p14:creationId xmlns:p14="http://schemas.microsoft.com/office/powerpoint/2010/main" val="3185114908"/>
+        <p14:creationId xmlns:p14="http://schemas.microsoft.com/office/powerpoint/2010/main" val="804514146"/>
       </p:ext>
     </p:extLst>
   </p:cSld>
   <p:clrMapOvr>
-    <a:masterClrMapping/>
+    <a:overrideClrMapping bg1="dk1" tx1="lt1" bg2="dk2" tx2="lt2" accent1="accent1" accent2="accent2" accent3="accent3" accent4="accent4" accent5="accent5" accent6="accent6" hlink="hlink" folHlink="folHlink"/>
   </p:clrMapOvr>
 </p:sld>
 </file>
@@ -7044,108 +8785,41 @@
         </p:nvSpPr>
         <p:spPr/>
         <p:txBody>
-          <a:bodyPr>
+          <a:bodyPr vert="horz" lIns="91440" tIns="45720" rIns="91440" bIns="45720" rtlCol="0" anchor="t">
             <a:normAutofit/>
           </a:bodyPr>
           <a:lstStyle/>
           <a:p>
-            <a:pPr>
-              <a:lnSpc>
-                <a:spcPct val="150000"/>
-              </a:lnSpc>
-            </a:pPr>
-            <a:r>
-              <a:rPr lang="en-US" dirty="0"/>
-              <a:t>Recommendations to home sellers and/or buyers using the model with the best RMSE result (</a:t>
-            </a:r>
-            <a:r>
-              <a:rPr lang="en-US" dirty="0" err="1"/>
-              <a:t>XGBoost</a:t>
-            </a:r>
-            <a:r>
-              <a:rPr lang="en-US" dirty="0"/>
-              <a:t>):</a:t>
-            </a:r>
-          </a:p>
-          <a:p>
-            <a:pPr lvl="1">
-              <a:lnSpc>
-                <a:spcPct val="150000"/>
-              </a:lnSpc>
-            </a:pPr>
-            <a:r>
-              <a:rPr lang="en-US" dirty="0"/>
-              <a:t>Add value to the following categories:</a:t>
-            </a:r>
-          </a:p>
-          <a:p>
-            <a:pPr lvl="2">
-              <a:lnSpc>
-                <a:spcPct val="150000"/>
-              </a:lnSpc>
-            </a:pPr>
-            <a:r>
-              <a:rPr lang="en-US" dirty="0"/>
-              <a:t>Garage car capacity</a:t>
-            </a:r>
-          </a:p>
-          <a:p>
-            <a:pPr lvl="2">
-              <a:lnSpc>
-                <a:spcPct val="150000"/>
-              </a:lnSpc>
-            </a:pPr>
-            <a:r>
-              <a:rPr lang="en-US" dirty="0"/>
-              <a:t>External Quality</a:t>
-            </a:r>
-          </a:p>
-          <a:p>
-            <a:pPr lvl="2">
-              <a:lnSpc>
-                <a:spcPct val="150000"/>
-              </a:lnSpc>
-            </a:pPr>
-            <a:r>
-              <a:rPr lang="en-US" dirty="0"/>
-              <a:t>Overall Quality</a:t>
-            </a:r>
-          </a:p>
-          <a:p>
-            <a:pPr lvl="2">
-              <a:lnSpc>
-                <a:spcPct val="150000"/>
-              </a:lnSpc>
-            </a:pPr>
-            <a:r>
-              <a:rPr lang="en-US" dirty="0"/>
-              <a:t>Basement Quality</a:t>
-            </a:r>
-          </a:p>
-          <a:p>
-            <a:pPr lvl="2">
-              <a:lnSpc>
-                <a:spcPct val="150000"/>
-              </a:lnSpc>
-            </a:pPr>
-            <a:r>
-              <a:rPr lang="en-US" dirty="0"/>
-              <a:t>Kitchen Quality</a:t>
-            </a:r>
-          </a:p>
-          <a:p>
-            <a:pPr lvl="1">
-              <a:lnSpc>
-                <a:spcPct val="150000"/>
-              </a:lnSpc>
-            </a:pPr>
-            <a:r>
-              <a:rPr lang="en-US" dirty="0">
-                <a:solidFill>
-                  <a:srgbClr val="FF0000"/>
-                </a:solidFill>
-              </a:rPr>
-              <a:t>Look at those fields in the data and get more insights</a:t>
+            <a:r>
+              <a:rPr lang="en-US" sz="1800" dirty="0"/>
+              <a:t>Square Footage and various quality measures (basement, overall, and kitchen) seem to be the most important features based on the four models tested.</a:t>
+            </a:r>
+          </a:p>
+          <a:p>
+            <a:endParaRPr lang="en-US" sz="1800" dirty="0"/>
+          </a:p>
+          <a:p>
+            <a:r>
+              <a:rPr lang="en-US" sz="1800" dirty="0"/>
+              <a:t>Potential uses of the results:</a:t>
+            </a:r>
+          </a:p>
+          <a:p>
+            <a:pPr lvl="1"/>
+            <a:r>
+              <a:rPr lang="en-US" sz="1800" dirty="0"/>
+              <a:t>House flippers can use the information to determine where to use their renovation budget on to add the most value to the property</a:t>
+            </a:r>
+          </a:p>
+          <a:p>
+            <a:pPr lvl="1"/>
+            <a:endParaRPr lang="en-US" sz="1800" dirty="0"/>
+          </a:p>
+          <a:p>
+            <a:pPr lvl="1"/>
+            <a:r>
+              <a:rPr lang="en-US" sz="1800" dirty="0"/>
+              <a:t>Home owners that are trying to sell their property can focus on increasing basement &amp; kitchen quality before listing to get the most value out of the property</a:t>
             </a:r>
           </a:p>
         </p:txBody>
@@ -7569,7 +9243,9 @@
         </p:nvSpPr>
         <p:spPr/>
         <p:txBody>
-          <a:bodyPr/>
+          <a:bodyPr vert="horz" lIns="91440" tIns="45720" rIns="91440" bIns="45720" rtlCol="0" anchor="t">
+            <a:normAutofit fontScale="85000" lnSpcReduction="20000"/>
+          </a:bodyPr>
           <a:lstStyle/>
           <a:p>
             <a:pPr>
@@ -7605,6 +9281,17 @@
             </a:r>
           </a:p>
           <a:p>
+            <a:pPr lvl="1">
+              <a:lnSpc>
+                <a:spcPct val="150000"/>
+              </a:lnSpc>
+            </a:pPr>
+            <a:r>
+              <a:rPr lang="en-US" dirty="0"/>
+              <a:t>Ordinal features: used ordinal encoding with zero representing feature is not present (“None”)</a:t>
+            </a:r>
+          </a:p>
+          <a:p>
             <a:pPr>
               <a:lnSpc>
                 <a:spcPct val="150000"/>
@@ -7612,15 +9299,7 @@
             </a:pPr>
             <a:r>
               <a:rPr lang="en-US" dirty="0"/>
-              <a:t>Created </a:t>
-            </a:r>
-            <a:r>
-              <a:rPr lang="en-US" dirty="0" err="1"/>
-              <a:t>TotalSF</a:t>
-            </a:r>
-            <a:r>
-              <a:rPr lang="en-US" dirty="0"/>
-              <a:t> (total square feet of the property) feature by adding the following features:</a:t>
+              <a:t>Additional features:</a:t>
             </a:r>
           </a:p>
           <a:p>
@@ -7630,12 +9309,35 @@
               </a:lnSpc>
             </a:pPr>
             <a:r>
+              <a:rPr lang="en-US" dirty="0"/>
+              <a:t>Total </a:t>
+            </a:r>
+            <a:r>
               <a:rPr lang="en-US" dirty="0" err="1"/>
-              <a:t>TotalBsmtSF</a:t>
+              <a:t>Sqft</a:t>
             </a:r>
             <a:r>
               <a:rPr lang="en-US" dirty="0"/>
-              <a:t> (total square feet of basement area)</a:t>
+              <a:t>; </a:t>
+            </a:r>
+            <a:r>
+              <a:rPr lang="en-US" dirty="0" err="1"/>
+              <a:t>Sqft</a:t>
+            </a:r>
+            <a:r>
+              <a:rPr lang="en-US" dirty="0"/>
+              <a:t> above ground (2 </a:t>
+            </a:r>
+            <a:r>
+              <a:rPr lang="en-US" dirty="0">
+                <a:ea typeface="+mn-lt"/>
+                <a:cs typeface="+mn-lt"/>
+              </a:rPr>
+              <a:t>features</a:t>
+            </a:r>
+            <a:r>
+              <a:rPr lang="en-US" dirty="0"/>
+              <a:t>)</a:t>
             </a:r>
           </a:p>
           <a:p>
@@ -7646,7 +9348,34 @@
             </a:pPr>
             <a:r>
               <a:rPr lang="en-US" dirty="0"/>
-              <a:t>1stFlrSF (first floor square feet)</a:t>
+              <a:t>Total </a:t>
+            </a:r>
+            <a:r>
+              <a:rPr lang="en-US" dirty="0" err="1"/>
+              <a:t>sqft</a:t>
+            </a:r>
+            <a:r>
+              <a:rPr lang="en-US" dirty="0"/>
+              <a:t> per room, </a:t>
+            </a:r>
+            <a:r>
+              <a:rPr lang="en-US" dirty="0" err="1"/>
+              <a:t>Sqft</a:t>
+            </a:r>
+            <a:r>
+              <a:rPr lang="en-US" dirty="0"/>
+              <a:t> above ground per room (2</a:t>
+            </a:r>
+            <a:r>
+              <a:rPr lang="en-US" dirty="0">
+                <a:ea typeface="+mn-lt"/>
+                <a:cs typeface="+mn-lt"/>
+              </a:rPr>
+              <a:t>features</a:t>
+            </a:r>
+            <a:r>
+              <a:rPr lang="en-US" dirty="0"/>
+              <a:t>)</a:t>
             </a:r>
           </a:p>
           <a:p>
@@ -7657,7 +9386,86 @@
             </a:pPr>
             <a:r>
               <a:rPr lang="en-US" dirty="0"/>
-              <a:t>2ndFlrSF (second floor square feet)</a:t>
+              <a:t>Total baths = Full baths + 0.5 * Half baths (1 </a:t>
+            </a:r>
+            <a:r>
+              <a:rPr lang="en-US" dirty="0">
+                <a:ea typeface="+mn-lt"/>
+                <a:cs typeface="+mn-lt"/>
+              </a:rPr>
+              <a:t>feature</a:t>
+            </a:r>
+            <a:r>
+              <a:rPr lang="en-US" dirty="0"/>
+              <a:t>)</a:t>
+            </a:r>
+          </a:p>
+          <a:p>
+            <a:pPr lvl="1">
+              <a:lnSpc>
+                <a:spcPct val="150000"/>
+              </a:lnSpc>
+            </a:pPr>
+            <a:r>
+              <a:rPr lang="en-US" dirty="0"/>
+              <a:t>Garage QC, </a:t>
+            </a:r>
+            <a:r>
+              <a:rPr lang="en-US" dirty="0" err="1"/>
+              <a:t>ExterQC</a:t>
+            </a:r>
+            <a:r>
+              <a:rPr lang="en-US" dirty="0"/>
+              <a:t>, </a:t>
+            </a:r>
+            <a:r>
+              <a:rPr lang="en-US" dirty="0" err="1"/>
+              <a:t>BsmtQC</a:t>
+            </a:r>
+            <a:r>
+              <a:rPr lang="en-US" dirty="0"/>
+              <a:t>, </a:t>
+            </a:r>
+            <a:r>
+              <a:rPr lang="en-US" dirty="0" err="1"/>
+              <a:t>OverallQC</a:t>
+            </a:r>
+            <a:r>
+              <a:rPr lang="en-US" dirty="0"/>
+              <a:t> (4 </a:t>
+            </a:r>
+            <a:r>
+              <a:rPr lang="en-US" dirty="0">
+                <a:ea typeface="+mn-lt"/>
+                <a:cs typeface="+mn-lt"/>
+              </a:rPr>
+              <a:t>features</a:t>
+            </a:r>
+            <a:r>
+              <a:rPr lang="en-US" dirty="0"/>
+              <a:t>)</a:t>
+            </a:r>
+          </a:p>
+          <a:p>
+            <a:pPr lvl="2">
+              <a:lnSpc>
+                <a:spcPct val="150000"/>
+              </a:lnSpc>
+            </a:pPr>
+            <a:r>
+              <a:rPr lang="en-US" dirty="0"/>
+              <a:t>QC  = Quality Score + Condition Score</a:t>
+            </a:r>
+          </a:p>
+          <a:p>
+            <a:pPr>
+              <a:lnSpc>
+                <a:spcPct val="150000"/>
+              </a:lnSpc>
+            </a:pPr>
+            <a:r>
+              <a:rPr lang="en-US" dirty="0"/>
+              <a:t>Total number of features:  79 = 79 – 9 + 9</a:t>
             </a:r>
           </a:p>
         </p:txBody>
@@ -9261,7 +11069,9 @@
         </p:nvSpPr>
         <p:spPr/>
         <p:txBody>
-          <a:bodyPr/>
+          <a:bodyPr vert="horz" lIns="91440" tIns="45720" rIns="91440" bIns="45720" rtlCol="0" anchor="t">
+            <a:normAutofit/>
+          </a:bodyPr>
           <a:lstStyle/>
           <a:p>
             <a:pPr>
@@ -9282,19 +11092,7 @@
             </a:pPr>
             <a:r>
               <a:rPr lang="en-US" dirty="0"/>
-              <a:t>Imputed missing numerical features using median </a:t>
-            </a:r>
-            <a:r>
-              <a:rPr lang="en-US" dirty="0">
-                <a:solidFill>
-                  <a:srgbClr val="FF0000"/>
-                </a:solidFill>
-              </a:rPr>
-              <a:t>(by neighborhood?)</a:t>
-            </a:r>
-            <a:r>
-              <a:rPr lang="en-US" dirty="0"/>
-              <a:t> </a:t>
+              <a:t>Imputed missing numerical features using median by neighborhood</a:t>
             </a:r>
           </a:p>
           <a:p>
@@ -9305,15 +11103,7 @@
             </a:pPr>
             <a:r>
               <a:rPr lang="en-US" dirty="0"/>
-              <a:t>Imputed missing categorical features using mode </a:t>
-            </a:r>
-            <a:r>
-              <a:rPr lang="en-US" dirty="0">
-                <a:solidFill>
-                  <a:srgbClr val="FF0000"/>
-                </a:solidFill>
-              </a:rPr>
-              <a:t>(by neighborhood?)</a:t>
+              <a:t>Imputed missing categorical features using mode by neighborhood</a:t>
             </a:r>
           </a:p>
           <a:p>
@@ -9358,6 +11148,41 @@
             <a:r>
               <a:rPr lang="en-US" dirty="0"/>
               <a:t>Dropped features where the largest category of the feature encompasses at least 90% of the data</a:t>
+            </a:r>
+          </a:p>
+          <a:p>
+            <a:pPr lvl="1">
+              <a:lnSpc>
+                <a:spcPct val="150000"/>
+              </a:lnSpc>
+            </a:pPr>
+            <a:r>
+              <a:rPr lang="en-US" dirty="0"/>
+              <a:t>Street,  Alley, Utilities, Conditon2, </a:t>
+            </a:r>
+            <a:r>
+              <a:rPr lang="en-US" dirty="0" err="1"/>
+              <a:t>RoofMatl</a:t>
+            </a:r>
+            <a:r>
+              <a:rPr lang="en-US" dirty="0"/>
+              <a:t>, Heating, Electrical, </a:t>
+            </a:r>
+            <a:r>
+              <a:rPr lang="en-US" dirty="0" err="1"/>
+              <a:t>PoolQC</a:t>
+            </a:r>
+            <a:r>
+              <a:rPr lang="en-US" dirty="0"/>
+              <a:t>, </a:t>
+            </a:r>
+            <a:r>
+              <a:rPr lang="en-US" dirty="0" err="1"/>
+              <a:t>MiscFeature</a:t>
+            </a:r>
+            <a:r>
+              <a:rPr lang="en-US" dirty="0"/>
+              <a:t> (9 features)</a:t>
             </a:r>
           </a:p>
         </p:txBody>
@@ -9447,7 +11272,7 @@
         <p:spPr/>
         <p:txBody>
           <a:bodyPr>
-            <a:normAutofit lnSpcReduction="10000"/>
+            <a:normAutofit fontScale="92500" lnSpcReduction="20000"/>
           </a:bodyPr>
           <a:lstStyle/>
           <a:p>
@@ -9517,6 +11342,17 @@
             </a:r>
           </a:p>
           <a:p>
+            <a:pPr lvl="1">
+              <a:lnSpc>
+                <a:spcPct val="150000"/>
+              </a:lnSpc>
+            </a:pPr>
+            <a:r>
+              <a:rPr lang="en-US" dirty="0"/>
+              <a:t>Weighted-Average Meta-Learner (Voting Regressor)</a:t>
+            </a:r>
+          </a:p>
+          <a:p>
             <a:pPr>
               <a:lnSpc>
                 <a:spcPct val="150000"/>
@@ -9524,7 +11360,7 @@
             </a:pPr>
             <a:r>
               <a:rPr lang="en-US" dirty="0"/>
-              <a:t>5-fold cross validation was used for all models</a:t>
+              <a:t>Because dataset is small, 5-fold cross validation was used for all models</a:t>
             </a:r>
           </a:p>
           <a:p>
